--- a/Data Analyst Job Search Website -Project 3 - Presentation.pptx
+++ b/Data Analyst Job Search Website -Project 3 - Presentation.pptx
@@ -1018,7 +1018,7 @@
           <a:p>
             <a:fld id="{966D5B4E-BF3E-3B45-A4BA-D6C3B92870D7}" type="datetimeFigureOut">
               <a:rPr lang="en-US" smtClean="0"/>
-              <a:t>10/5/2021</a:t>
+              <a:t>10/7/2021</a:t>
             </a:fld>
             <a:endParaRPr lang="en-US" dirty="0"/>
           </a:p>
@@ -1195,7 +1195,7 @@
           <a:p>
             <a:fld id="{F5A8621B-8C8E-49BA-8772-41D0FE75A082}" type="datetimeFigureOut">
               <a:rPr lang="en-US" smtClean="0"/>
-              <a:t>10/5/2021</a:t>
+              <a:t>10/7/2021</a:t>
             </a:fld>
             <a:endParaRPr lang="en-US" dirty="0"/>
           </a:p>
@@ -1506,6 +1506,58 @@
           <a:bodyPr/>
           <a:lstStyle/>
           <a:p>
+            <a:r>
+              <a:rPr lang="en-US" sz="1200" b="0" i="0" kern="1200" dirty="0" smtClean="0">
+                <a:solidFill>
+                  <a:schemeClr val="tx1"/>
+                </a:solidFill>
+                <a:effectLst/>
+                <a:latin typeface="+mn-lt"/>
+                <a:ea typeface="+mn-ea"/>
+                <a:cs typeface="+mn-cs"/>
+              </a:rPr>
+              <a:t>What does a data analyst do?</a:t>
+            </a:r>
+          </a:p>
+          <a:p>
+            <a:r>
+              <a:rPr lang="en-US" sz="1200" b="0" i="0" kern="1200" dirty="0" smtClean="0">
+                <a:solidFill>
+                  <a:schemeClr val="tx1"/>
+                </a:solidFill>
+                <a:effectLst/>
+                <a:latin typeface="+mn-lt"/>
+                <a:ea typeface="+mn-ea"/>
+                <a:cs typeface="+mn-cs"/>
+              </a:rPr>
+              <a:t>The data analyst serves as </a:t>
+            </a:r>
+            <a:r>
+              <a:rPr lang="en-US" sz="1200" b="1" i="0" kern="1200" dirty="0" smtClean="0">
+                <a:solidFill>
+                  <a:schemeClr val="tx1"/>
+                </a:solidFill>
+                <a:effectLst/>
+                <a:latin typeface="+mn-lt"/>
+                <a:ea typeface="+mn-ea"/>
+                <a:cs typeface="+mn-cs"/>
+              </a:rPr>
+              <a:t>a gatekeeper for an organization's data so stakeholders can understand data and use it to make strategic business decisions</a:t>
+            </a:r>
+            <a:r>
+              <a:rPr lang="en-US" sz="1200" b="0" i="0" kern="1200" dirty="0" smtClean="0">
+                <a:solidFill>
+                  <a:schemeClr val="tx1"/>
+                </a:solidFill>
+                <a:effectLst/>
+                <a:latin typeface="+mn-lt"/>
+                <a:ea typeface="+mn-ea"/>
+                <a:cs typeface="+mn-cs"/>
+              </a:rPr>
+              <a:t>. </a:t>
+            </a:r>
+          </a:p>
+          <a:p>
             <a:endParaRPr lang="en-US" dirty="0"/>
           </a:p>
         </p:txBody>
@@ -1517,7 +1569,7 @@
             <a:spLocks noGrp="1"/>
           </p:cNvSpPr>
           <p:nvPr>
-            <p:ph type="sldNum" sz="quarter" idx="5"/>
+            <p:ph type="sldNum" sz="quarter" idx="10"/>
           </p:nvPr>
         </p:nvSpPr>
         <p:spPr/>
@@ -1527,7 +1579,7 @@
           <a:p>
             <a:fld id="{228B34ED-4CDD-41C9-90F7-D768D5559A6F}" type="slidenum">
               <a:rPr lang="en-US" smtClean="0"/>
-              <a:t>3</a:t>
+              <a:t>1</a:t>
             </a:fld>
             <a:endParaRPr lang="en-US" dirty="0"/>
           </a:p>
@@ -1536,7 +1588,7 @@
     </p:spTree>
     <p:extLst>
       <p:ext uri="{BB962C8B-B14F-4D97-AF65-F5344CB8AC3E}">
-        <p14:creationId xmlns:p14="http://schemas.microsoft.com/office/powerpoint/2010/main" val="1632949142"/>
+        <p14:creationId xmlns:p14="http://schemas.microsoft.com/office/powerpoint/2010/main" val="3959495187"/>
       </p:ext>
     </p:extLst>
   </p:cSld>
@@ -1590,6 +1642,506 @@
           <a:bodyPr/>
           <a:lstStyle/>
           <a:p>
+            <a:r>
+              <a:rPr lang="en-US" sz="1200" b="0" kern="1200" dirty="0" smtClean="0">
+                <a:solidFill>
+                  <a:schemeClr val="tx1"/>
+                </a:solidFill>
+                <a:effectLst/>
+                <a:latin typeface="+mn-lt"/>
+                <a:ea typeface="+mn-ea"/>
+                <a:cs typeface="+mn-cs"/>
+              </a:rPr>
+              <a:t>The purpose of this project is to analyze the factors which impact salaries in the field of data analytics and to use this information to create a website to assist job seekers in their research.</a:t>
+            </a:r>
+          </a:p>
+          <a:p>
+            <a:endParaRPr lang="en-US" sz="1200" b="0" kern="1200" dirty="0" smtClean="0">
+              <a:solidFill>
+                <a:schemeClr val="tx1"/>
+              </a:solidFill>
+              <a:effectLst/>
+              <a:latin typeface="+mn-lt"/>
+              <a:ea typeface="+mn-ea"/>
+              <a:cs typeface="+mn-cs"/>
+            </a:endParaRPr>
+          </a:p>
+          <a:p>
+            <a:r>
+              <a:rPr lang="en-US" sz="1200" b="0" kern="1200" dirty="0" smtClean="0">
+                <a:solidFill>
+                  <a:schemeClr val="tx1"/>
+                </a:solidFill>
+                <a:effectLst/>
+                <a:latin typeface="+mn-lt"/>
+                <a:ea typeface="+mn-ea"/>
+                <a:cs typeface="+mn-cs"/>
+              </a:rPr>
+              <a:t>It’s no secret that the novel coronavirus 2019 (COVID-19) outbreak is deeply affecting the lives of millions around the world, both directly and indirectly. The United States alone has shed nearly 10 million jobs in the past two weeks due to the COVID-19 shutdown.</a:t>
+            </a:r>
+          </a:p>
+          <a:p>
+            <a:r>
+              <a:rPr lang="en-US" sz="1200" b="0" kern="1200" dirty="0" smtClean="0">
+                <a:solidFill>
+                  <a:schemeClr val="tx1"/>
+                </a:solidFill>
+                <a:effectLst/>
+                <a:latin typeface="+mn-lt"/>
+                <a:ea typeface="+mn-ea"/>
+                <a:cs typeface="+mn-cs"/>
+              </a:rPr>
+              <a:t/>
+            </a:r>
+            <a:br>
+              <a:rPr lang="en-US" sz="1200" b="0" kern="1200" dirty="0" smtClean="0">
+                <a:solidFill>
+                  <a:schemeClr val="tx1"/>
+                </a:solidFill>
+                <a:effectLst/>
+                <a:latin typeface="+mn-lt"/>
+                <a:ea typeface="+mn-ea"/>
+                <a:cs typeface="+mn-cs"/>
+              </a:rPr>
+            </a:br>
+            <a:r>
+              <a:rPr lang="en-US" sz="1200" b="0" kern="1200" dirty="0" smtClean="0">
+                <a:solidFill>
+                  <a:schemeClr val="tx1"/>
+                </a:solidFill>
+                <a:effectLst/>
+                <a:latin typeface="+mn-lt"/>
+                <a:ea typeface="+mn-ea"/>
+                <a:cs typeface="+mn-cs"/>
+              </a:rPr>
+              <a:t>However, surveys indicate that the data teams are long yet to see widespread layoffs or furloughs at this time, particularly among larger companies. So, strike at the jobs while it lasts?</a:t>
+            </a:r>
+          </a:p>
+          <a:p>
+            <a:r>
+              <a:rPr lang="en-US" sz="1200" b="0" kern="1200" dirty="0" smtClean="0">
+                <a:solidFill>
+                  <a:schemeClr val="tx1"/>
+                </a:solidFill>
+                <a:effectLst/>
+                <a:latin typeface="+mn-lt"/>
+                <a:ea typeface="+mn-ea"/>
+                <a:cs typeface="+mn-cs"/>
+              </a:rPr>
+              <a:t/>
+            </a:r>
+            <a:br>
+              <a:rPr lang="en-US" sz="1200" b="0" kern="1200" dirty="0" smtClean="0">
+                <a:solidFill>
+                  <a:schemeClr val="tx1"/>
+                </a:solidFill>
+                <a:effectLst/>
+                <a:latin typeface="+mn-lt"/>
+                <a:ea typeface="+mn-ea"/>
+                <a:cs typeface="+mn-cs"/>
+              </a:rPr>
+            </a:br>
+            <a:r>
+              <a:rPr lang="en-US" sz="1200" b="0" kern="1200" dirty="0" smtClean="0">
+                <a:solidFill>
+                  <a:schemeClr val="tx1"/>
+                </a:solidFill>
+                <a:effectLst/>
+                <a:latin typeface="+mn-lt"/>
+                <a:ea typeface="+mn-ea"/>
+                <a:cs typeface="+mn-cs"/>
+              </a:rPr>
+              <a:t>We have created a website that precisely helps people look for data analyst jobs nationwide. Our website lets users get whole picture of data analysts job openings nationwide, including size of employer, location, industry and estimated salary range.</a:t>
+            </a:r>
+          </a:p>
+          <a:p>
+            <a:endParaRPr lang="en-US" sz="1200" b="0" kern="1200" dirty="0" smtClean="0">
+              <a:solidFill>
+                <a:schemeClr val="tx1"/>
+              </a:solidFill>
+              <a:effectLst/>
+              <a:latin typeface="+mn-lt"/>
+              <a:ea typeface="+mn-ea"/>
+              <a:cs typeface="+mn-cs"/>
+            </a:endParaRPr>
+          </a:p>
+        </p:txBody>
+      </p:sp>
+      <p:sp>
+        <p:nvSpPr>
+          <p:cNvPr id="4" name="Slide Number Placeholder 3"/>
+          <p:cNvSpPr>
+            <a:spLocks noGrp="1"/>
+          </p:cNvSpPr>
+          <p:nvPr>
+            <p:ph type="sldNum" sz="quarter" idx="5"/>
+          </p:nvPr>
+        </p:nvSpPr>
+        <p:spPr/>
+        <p:txBody>
+          <a:bodyPr/>
+          <a:lstStyle/>
+          <a:p>
+            <a:fld id="{228B34ED-4CDD-41C9-90F7-D768D5559A6F}" type="slidenum">
+              <a:rPr lang="en-US" smtClean="0"/>
+              <a:t>3</a:t>
+            </a:fld>
+            <a:endParaRPr lang="en-US" dirty="0"/>
+          </a:p>
+        </p:txBody>
+      </p:sp>
+    </p:spTree>
+    <p:extLst>
+      <p:ext uri="{BB962C8B-B14F-4D97-AF65-F5344CB8AC3E}">
+        <p14:creationId xmlns:p14="http://schemas.microsoft.com/office/powerpoint/2010/main" val="1632949142"/>
+      </p:ext>
+    </p:extLst>
+  </p:cSld>
+  <p:clrMapOvr>
+    <a:masterClrMapping/>
+  </p:clrMapOvr>
+</p:notes>
+</file>
+
+<file path=ppt/notesSlides/notesSlide3.xml><?xml version="1.0" encoding="utf-8"?>
+<p:notes xmlns:a="http://schemas.openxmlformats.org/drawingml/2006/main" xmlns:r="http://schemas.openxmlformats.org/officeDocument/2006/relationships" xmlns:p="http://schemas.openxmlformats.org/presentationml/2006/main">
+  <p:cSld>
+    <p:spTree>
+      <p:nvGrpSpPr>
+        <p:cNvPr id="1" name=""/>
+        <p:cNvGrpSpPr/>
+        <p:nvPr/>
+      </p:nvGrpSpPr>
+      <p:grpSpPr>
+        <a:xfrm>
+          <a:off x="0" y="0"/>
+          <a:ext cx="0" cy="0"/>
+          <a:chOff x="0" y="0"/>
+          <a:chExt cx="0" cy="0"/>
+        </a:xfrm>
+      </p:grpSpPr>
+      <p:sp>
+        <p:nvSpPr>
+          <p:cNvPr id="2" name="Slide Image Placeholder 1"/>
+          <p:cNvSpPr>
+            <a:spLocks noGrp="1" noRot="1" noChangeAspect="1"/>
+          </p:cNvSpPr>
+          <p:nvPr>
+            <p:ph type="sldImg"/>
+          </p:nvPr>
+        </p:nvSpPr>
+        <p:spPr/>
+      </p:sp>
+      <p:sp>
+        <p:nvSpPr>
+          <p:cNvPr id="3" name="Notes Placeholder 2"/>
+          <p:cNvSpPr>
+            <a:spLocks noGrp="1"/>
+          </p:cNvSpPr>
+          <p:nvPr>
+            <p:ph type="body" idx="1"/>
+          </p:nvPr>
+        </p:nvSpPr>
+        <p:spPr/>
+        <p:txBody>
+          <a:bodyPr/>
+          <a:lstStyle/>
+          <a:p>
+            <a:r>
+              <a:rPr lang="en-US" sz="1200" b="0" kern="1200" dirty="0" smtClean="0">
+                <a:solidFill>
+                  <a:schemeClr val="tx1"/>
+                </a:solidFill>
+                <a:effectLst/>
+                <a:latin typeface="+mn-lt"/>
+                <a:ea typeface="+mn-ea"/>
+                <a:cs typeface="+mn-cs"/>
+              </a:rPr>
+              <a:t>For our website, we used data analyst job postings dataset from </a:t>
+            </a:r>
+            <a:r>
+              <a:rPr lang="en-US" sz="1200" b="0" kern="1200" dirty="0" err="1" smtClean="0">
+                <a:solidFill>
+                  <a:schemeClr val="tx1"/>
+                </a:solidFill>
+                <a:effectLst/>
+                <a:latin typeface="+mn-lt"/>
+                <a:ea typeface="+mn-ea"/>
+                <a:cs typeface="+mn-cs"/>
+              </a:rPr>
+              <a:t>Kaggle</a:t>
+            </a:r>
+            <a:r>
+              <a:rPr lang="en-US" sz="1200" b="0" kern="1200" dirty="0" smtClean="0">
+                <a:solidFill>
+                  <a:schemeClr val="tx1"/>
+                </a:solidFill>
+                <a:effectLst/>
+                <a:latin typeface="+mn-lt"/>
+                <a:ea typeface="+mn-ea"/>
+                <a:cs typeface="+mn-cs"/>
+              </a:rPr>
+              <a:t>, which contains data of salary estimate, location, company rating, job description and more for job in the United States. Our dataset had more than 2000 rows and 16 columns. While going through our data we were able to decide that we will do visualizations around job opening by location, employer's size and estimated range of salary.</a:t>
+            </a:r>
+          </a:p>
+          <a:p>
+            <a:r>
+              <a:rPr lang="en-US" sz="1200" b="0" kern="1200" dirty="0" smtClean="0">
+                <a:solidFill>
+                  <a:schemeClr val="tx1"/>
+                </a:solidFill>
+                <a:effectLst/>
+                <a:latin typeface="+mn-lt"/>
+                <a:ea typeface="+mn-ea"/>
+                <a:cs typeface="+mn-cs"/>
+              </a:rPr>
+              <a:t/>
+            </a:r>
+            <a:br>
+              <a:rPr lang="en-US" sz="1200" b="0" kern="1200" dirty="0" smtClean="0">
+                <a:solidFill>
+                  <a:schemeClr val="tx1"/>
+                </a:solidFill>
+                <a:effectLst/>
+                <a:latin typeface="+mn-lt"/>
+                <a:ea typeface="+mn-ea"/>
+                <a:cs typeface="+mn-cs"/>
+              </a:rPr>
+            </a:br>
+            <a:r>
+              <a:rPr lang="en-US" sz="1200" b="0" kern="1200" dirty="0" smtClean="0">
+                <a:solidFill>
+                  <a:schemeClr val="tx1"/>
+                </a:solidFill>
+                <a:effectLst/>
+                <a:latin typeface="+mn-lt"/>
+                <a:ea typeface="+mn-ea"/>
+                <a:cs typeface="+mn-cs"/>
+              </a:rPr>
+              <a:t/>
+            </a:r>
+            <a:br>
+              <a:rPr lang="en-US" sz="1200" b="0" kern="1200" dirty="0" smtClean="0">
+                <a:solidFill>
+                  <a:schemeClr val="tx1"/>
+                </a:solidFill>
+                <a:effectLst/>
+                <a:latin typeface="+mn-lt"/>
+                <a:ea typeface="+mn-ea"/>
+                <a:cs typeface="+mn-cs"/>
+              </a:rPr>
+            </a:br>
+            <a:r>
+              <a:rPr lang="en-US" sz="1200" b="1" kern="1200" dirty="0" smtClean="0">
+                <a:solidFill>
+                  <a:schemeClr val="tx1"/>
+                </a:solidFill>
+                <a:effectLst/>
+                <a:latin typeface="+mn-lt"/>
+                <a:ea typeface="+mn-ea"/>
+                <a:cs typeface="+mn-cs"/>
+              </a:rPr>
+              <a:t>## Application:</a:t>
+            </a:r>
+            <a:endParaRPr lang="en-US" sz="1200" b="0" kern="1200" dirty="0" smtClean="0">
+              <a:solidFill>
+                <a:schemeClr val="tx1"/>
+              </a:solidFill>
+              <a:effectLst/>
+              <a:latin typeface="+mn-lt"/>
+              <a:ea typeface="+mn-ea"/>
+              <a:cs typeface="+mn-cs"/>
+            </a:endParaRPr>
+          </a:p>
+          <a:p>
+            <a:r>
+              <a:rPr lang="en-US" sz="1200" b="0" kern="1200" dirty="0" smtClean="0">
+                <a:solidFill>
+                  <a:schemeClr val="tx1"/>
+                </a:solidFill>
+                <a:effectLst/>
+                <a:latin typeface="+mn-lt"/>
+                <a:ea typeface="+mn-ea"/>
+                <a:cs typeface="+mn-cs"/>
+              </a:rPr>
+              <a:t>Python (</a:t>
+            </a:r>
+            <a:r>
+              <a:rPr lang="en-US" sz="1200" b="0" kern="1200" dirty="0" err="1" smtClean="0">
+                <a:solidFill>
+                  <a:schemeClr val="tx1"/>
+                </a:solidFill>
+                <a:effectLst/>
+                <a:latin typeface="+mn-lt"/>
+                <a:ea typeface="+mn-ea"/>
+                <a:cs typeface="+mn-cs"/>
+              </a:rPr>
+              <a:t>Jupyter</a:t>
+            </a:r>
+            <a:r>
+              <a:rPr lang="en-US" sz="1200" b="0" kern="1200" dirty="0" smtClean="0">
+                <a:solidFill>
+                  <a:schemeClr val="tx1"/>
+                </a:solidFill>
+                <a:effectLst/>
+                <a:latin typeface="+mn-lt"/>
+                <a:ea typeface="+mn-ea"/>
+                <a:cs typeface="+mn-cs"/>
+              </a:rPr>
+              <a:t> Notebook, Pandas)</a:t>
+            </a:r>
+          </a:p>
+          <a:p>
+            <a:r>
+              <a:rPr lang="en-US" sz="1200" b="0" kern="1200" dirty="0" smtClean="0">
+                <a:solidFill>
+                  <a:schemeClr val="tx1"/>
+                </a:solidFill>
+                <a:effectLst/>
+                <a:latin typeface="+mn-lt"/>
+                <a:ea typeface="+mn-ea"/>
+                <a:cs typeface="+mn-cs"/>
+              </a:rPr>
+              <a:t>JavaScript Libraries (</a:t>
+            </a:r>
+            <a:r>
+              <a:rPr lang="en-US" sz="1200" b="0" kern="1200" dirty="0" err="1" smtClean="0">
+                <a:solidFill>
+                  <a:schemeClr val="tx1"/>
+                </a:solidFill>
+                <a:effectLst/>
+                <a:latin typeface="+mn-lt"/>
+                <a:ea typeface="+mn-ea"/>
+                <a:cs typeface="+mn-cs"/>
+              </a:rPr>
+              <a:t>Plotly</a:t>
+            </a:r>
+            <a:r>
+              <a:rPr lang="en-US" sz="1200" b="0" kern="1200" dirty="0" smtClean="0">
+                <a:solidFill>
+                  <a:schemeClr val="tx1"/>
+                </a:solidFill>
+                <a:effectLst/>
+                <a:latin typeface="+mn-lt"/>
+                <a:ea typeface="+mn-ea"/>
+                <a:cs typeface="+mn-cs"/>
+              </a:rPr>
+              <a:t>, Leaflet)</a:t>
+            </a:r>
+          </a:p>
+          <a:p>
+            <a:r>
+              <a:rPr lang="en-US" sz="1200" b="0" kern="1200" dirty="0" smtClean="0">
+                <a:solidFill>
+                  <a:schemeClr val="tx1"/>
+                </a:solidFill>
+                <a:effectLst/>
+                <a:latin typeface="+mn-lt"/>
+                <a:ea typeface="+mn-ea"/>
+                <a:cs typeface="+mn-cs"/>
+              </a:rPr>
+              <a:t>HTML/ CSS</a:t>
+            </a:r>
+          </a:p>
+          <a:p>
+            <a:r>
+              <a:rPr lang="en-US" sz="1200" b="0" kern="1200" dirty="0" smtClean="0">
+                <a:solidFill>
+                  <a:schemeClr val="tx1"/>
+                </a:solidFill>
+                <a:effectLst/>
+                <a:latin typeface="+mn-lt"/>
+                <a:ea typeface="+mn-ea"/>
+                <a:cs typeface="+mn-cs"/>
+              </a:rPr>
+              <a:t>Excel</a:t>
+            </a:r>
+          </a:p>
+          <a:p>
+            <a:endParaRPr lang="en-US" dirty="0"/>
+          </a:p>
+        </p:txBody>
+      </p:sp>
+      <p:sp>
+        <p:nvSpPr>
+          <p:cNvPr id="4" name="Slide Number Placeholder 3"/>
+          <p:cNvSpPr>
+            <a:spLocks noGrp="1"/>
+          </p:cNvSpPr>
+          <p:nvPr>
+            <p:ph type="sldNum" sz="quarter" idx="10"/>
+          </p:nvPr>
+        </p:nvSpPr>
+        <p:spPr/>
+        <p:txBody>
+          <a:bodyPr/>
+          <a:lstStyle/>
+          <a:p>
+            <a:fld id="{228B34ED-4CDD-41C9-90F7-D768D5559A6F}" type="slidenum">
+              <a:rPr lang="en-US" smtClean="0"/>
+              <a:t>4</a:t>
+            </a:fld>
+            <a:endParaRPr lang="en-US" dirty="0"/>
+          </a:p>
+        </p:txBody>
+      </p:sp>
+    </p:spTree>
+    <p:extLst>
+      <p:ext uri="{BB962C8B-B14F-4D97-AF65-F5344CB8AC3E}">
+        <p14:creationId xmlns:p14="http://schemas.microsoft.com/office/powerpoint/2010/main" val="267414500"/>
+      </p:ext>
+    </p:extLst>
+  </p:cSld>
+  <p:clrMapOvr>
+    <a:masterClrMapping/>
+  </p:clrMapOvr>
+</p:notes>
+</file>
+
+<file path=ppt/notesSlides/notesSlide4.xml><?xml version="1.0" encoding="utf-8"?>
+<p:notes xmlns:a="http://schemas.openxmlformats.org/drawingml/2006/main" xmlns:r="http://schemas.openxmlformats.org/officeDocument/2006/relationships" xmlns:p="http://schemas.openxmlformats.org/presentationml/2006/main">
+  <p:cSld>
+    <p:spTree>
+      <p:nvGrpSpPr>
+        <p:cNvPr id="1" name=""/>
+        <p:cNvGrpSpPr/>
+        <p:nvPr/>
+      </p:nvGrpSpPr>
+      <p:grpSpPr>
+        <a:xfrm>
+          <a:off x="0" y="0"/>
+          <a:ext cx="0" cy="0"/>
+          <a:chOff x="0" y="0"/>
+          <a:chExt cx="0" cy="0"/>
+        </a:xfrm>
+      </p:grpSpPr>
+      <p:sp>
+        <p:nvSpPr>
+          <p:cNvPr id="2" name="Slide Image Placeholder 1"/>
+          <p:cNvSpPr>
+            <a:spLocks noGrp="1" noRot="1" noChangeAspect="1"/>
+          </p:cNvSpPr>
+          <p:nvPr>
+            <p:ph type="sldImg"/>
+          </p:nvPr>
+        </p:nvSpPr>
+        <p:spPr/>
+      </p:sp>
+      <p:sp>
+        <p:nvSpPr>
+          <p:cNvPr id="3" name="Notes Placeholder 2"/>
+          <p:cNvSpPr>
+            <a:spLocks noGrp="1"/>
+          </p:cNvSpPr>
+          <p:nvPr>
+            <p:ph type="body" idx="1"/>
+          </p:nvPr>
+        </p:nvSpPr>
+        <p:spPr/>
+        <p:txBody>
+          <a:bodyPr/>
+          <a:lstStyle/>
+          <a:p>
             <a:endParaRPr lang="en-US" dirty="0"/>
           </a:p>
         </p:txBody>
@@ -1621,6 +2173,564 @@
     <p:extLst>
       <p:ext uri="{BB962C8B-B14F-4D97-AF65-F5344CB8AC3E}">
         <p14:creationId xmlns:p14="http://schemas.microsoft.com/office/powerpoint/2010/main" val="1360010445"/>
+      </p:ext>
+    </p:extLst>
+  </p:cSld>
+  <p:clrMapOvr>
+    <a:masterClrMapping/>
+  </p:clrMapOvr>
+</p:notes>
+</file>
+
+<file path=ppt/notesSlides/notesSlide5.xml><?xml version="1.0" encoding="utf-8"?>
+<p:notes xmlns:a="http://schemas.openxmlformats.org/drawingml/2006/main" xmlns:r="http://schemas.openxmlformats.org/officeDocument/2006/relationships" xmlns:p="http://schemas.openxmlformats.org/presentationml/2006/main">
+  <p:cSld>
+    <p:spTree>
+      <p:nvGrpSpPr>
+        <p:cNvPr id="1" name=""/>
+        <p:cNvGrpSpPr/>
+        <p:nvPr/>
+      </p:nvGrpSpPr>
+      <p:grpSpPr>
+        <a:xfrm>
+          <a:off x="0" y="0"/>
+          <a:ext cx="0" cy="0"/>
+          <a:chOff x="0" y="0"/>
+          <a:chExt cx="0" cy="0"/>
+        </a:xfrm>
+      </p:grpSpPr>
+      <p:sp>
+        <p:nvSpPr>
+          <p:cNvPr id="2" name="Slide Image Placeholder 1"/>
+          <p:cNvSpPr>
+            <a:spLocks noGrp="1" noRot="1" noChangeAspect="1"/>
+          </p:cNvSpPr>
+          <p:nvPr>
+            <p:ph type="sldImg"/>
+          </p:nvPr>
+        </p:nvSpPr>
+        <p:spPr/>
+      </p:sp>
+      <p:sp>
+        <p:nvSpPr>
+          <p:cNvPr id="3" name="Notes Placeholder 2"/>
+          <p:cNvSpPr>
+            <a:spLocks noGrp="1"/>
+          </p:cNvSpPr>
+          <p:nvPr>
+            <p:ph type="body" idx="1"/>
+          </p:nvPr>
+        </p:nvSpPr>
+        <p:spPr/>
+        <p:txBody>
+          <a:bodyPr/>
+          <a:lstStyle/>
+          <a:p>
+            <a:r>
+              <a:rPr lang="en-US" sz="1200" b="0" i="0" kern="1200" dirty="0" smtClean="0">
+                <a:solidFill>
+                  <a:schemeClr val="tx1"/>
+                </a:solidFill>
+                <a:effectLst/>
+                <a:latin typeface="+mn-lt"/>
+                <a:ea typeface="+mn-ea"/>
+                <a:cs typeface="+mn-cs"/>
+              </a:rPr>
+              <a:t>Start with questions</a:t>
+            </a:r>
+          </a:p>
+          <a:p>
+            <a:r>
+              <a:rPr lang="en-US" sz="1200" b="0" i="0" kern="1200" dirty="0" smtClean="0">
+                <a:solidFill>
+                  <a:schemeClr val="tx1"/>
+                </a:solidFill>
+                <a:effectLst/>
+                <a:latin typeface="+mn-lt"/>
+                <a:ea typeface="+mn-ea"/>
+                <a:cs typeface="+mn-cs"/>
+              </a:rPr>
+              <a:t>Get the data you need</a:t>
+            </a:r>
+          </a:p>
+          <a:p>
+            <a:r>
+              <a:rPr lang="en-US" sz="1200" b="0" i="0" kern="1200" dirty="0" smtClean="0">
+                <a:solidFill>
+                  <a:schemeClr val="tx1"/>
+                </a:solidFill>
+                <a:effectLst/>
+                <a:latin typeface="+mn-lt"/>
+                <a:ea typeface="+mn-ea"/>
+                <a:cs typeface="+mn-cs"/>
+              </a:rPr>
+              <a:t>Choose how to visualize the data</a:t>
+            </a:r>
+          </a:p>
+          <a:p>
+            <a:r>
+              <a:rPr lang="en-US" sz="1200" b="0" i="0" kern="1200" dirty="0" smtClean="0">
+                <a:solidFill>
+                  <a:schemeClr val="tx1"/>
+                </a:solidFill>
+                <a:effectLst/>
+                <a:latin typeface="+mn-lt"/>
+                <a:ea typeface="+mn-ea"/>
+                <a:cs typeface="+mn-cs"/>
+              </a:rPr>
+              <a:t>View and explore it</a:t>
+            </a:r>
+          </a:p>
+          <a:p>
+            <a:r>
+              <a:rPr lang="en-US" sz="1200" b="0" i="0" kern="1200" dirty="0" smtClean="0">
+                <a:solidFill>
+                  <a:schemeClr val="tx1"/>
+                </a:solidFill>
+                <a:effectLst/>
+                <a:latin typeface="+mn-lt"/>
+                <a:ea typeface="+mn-ea"/>
+                <a:cs typeface="+mn-cs"/>
+              </a:rPr>
+              <a:t>Develop insights</a:t>
+            </a:r>
+          </a:p>
+          <a:p>
+            <a:r>
+              <a:rPr lang="en-US" sz="1200" b="0" i="0" kern="1200" dirty="0" smtClean="0">
+                <a:solidFill>
+                  <a:schemeClr val="tx1"/>
+                </a:solidFill>
+                <a:effectLst/>
+                <a:latin typeface="+mn-lt"/>
+                <a:ea typeface="+mn-ea"/>
+                <a:cs typeface="+mn-cs"/>
+              </a:rPr>
+              <a:t>Act on and share your findings</a:t>
+            </a:r>
+          </a:p>
+          <a:p>
+            <a:endParaRPr lang="en-US" dirty="0"/>
+          </a:p>
+        </p:txBody>
+      </p:sp>
+      <p:sp>
+        <p:nvSpPr>
+          <p:cNvPr id="4" name="Slide Number Placeholder 3"/>
+          <p:cNvSpPr>
+            <a:spLocks noGrp="1"/>
+          </p:cNvSpPr>
+          <p:nvPr>
+            <p:ph type="sldNum" sz="quarter" idx="10"/>
+          </p:nvPr>
+        </p:nvSpPr>
+        <p:spPr/>
+        <p:txBody>
+          <a:bodyPr/>
+          <a:lstStyle/>
+          <a:p>
+            <a:fld id="{228B34ED-4CDD-41C9-90F7-D768D5559A6F}" type="slidenum">
+              <a:rPr lang="en-US" smtClean="0"/>
+              <a:t>6</a:t>
+            </a:fld>
+            <a:endParaRPr lang="en-US" dirty="0"/>
+          </a:p>
+        </p:txBody>
+      </p:sp>
+    </p:spTree>
+    <p:extLst>
+      <p:ext uri="{BB962C8B-B14F-4D97-AF65-F5344CB8AC3E}">
+        <p14:creationId xmlns:p14="http://schemas.microsoft.com/office/powerpoint/2010/main" val="1896015081"/>
+      </p:ext>
+    </p:extLst>
+  </p:cSld>
+  <p:clrMapOvr>
+    <a:masterClrMapping/>
+  </p:clrMapOvr>
+</p:notes>
+</file>
+
+<file path=ppt/notesSlides/notesSlide6.xml><?xml version="1.0" encoding="utf-8"?>
+<p:notes xmlns:a="http://schemas.openxmlformats.org/drawingml/2006/main" xmlns:r="http://schemas.openxmlformats.org/officeDocument/2006/relationships" xmlns:p="http://schemas.openxmlformats.org/presentationml/2006/main">
+  <p:cSld>
+    <p:spTree>
+      <p:nvGrpSpPr>
+        <p:cNvPr id="1" name=""/>
+        <p:cNvGrpSpPr/>
+        <p:nvPr/>
+      </p:nvGrpSpPr>
+      <p:grpSpPr>
+        <a:xfrm>
+          <a:off x="0" y="0"/>
+          <a:ext cx="0" cy="0"/>
+          <a:chOff x="0" y="0"/>
+          <a:chExt cx="0" cy="0"/>
+        </a:xfrm>
+      </p:grpSpPr>
+      <p:sp>
+        <p:nvSpPr>
+          <p:cNvPr id="2" name="Slide Image Placeholder 1"/>
+          <p:cNvSpPr>
+            <a:spLocks noGrp="1" noRot="1" noChangeAspect="1"/>
+          </p:cNvSpPr>
+          <p:nvPr>
+            <p:ph type="sldImg"/>
+          </p:nvPr>
+        </p:nvSpPr>
+        <p:spPr/>
+      </p:sp>
+      <p:sp>
+        <p:nvSpPr>
+          <p:cNvPr id="3" name="Notes Placeholder 2"/>
+          <p:cNvSpPr>
+            <a:spLocks noGrp="1"/>
+          </p:cNvSpPr>
+          <p:nvPr>
+            <p:ph type="body" idx="1"/>
+          </p:nvPr>
+        </p:nvSpPr>
+        <p:spPr/>
+        <p:txBody>
+          <a:bodyPr/>
+          <a:lstStyle/>
+          <a:p>
+            <a:r>
+              <a:rPr lang="en-US" dirty="0" smtClean="0"/>
+              <a:t>We</a:t>
+            </a:r>
+            <a:r>
+              <a:rPr lang="en-US" baseline="0" dirty="0" smtClean="0"/>
+              <a:t> cleaned the data in </a:t>
+            </a:r>
+            <a:r>
+              <a:rPr lang="en-US" baseline="0" dirty="0" err="1" smtClean="0"/>
+              <a:t>jupyter</a:t>
+            </a:r>
+            <a:r>
+              <a:rPr lang="en-US" baseline="0" dirty="0" smtClean="0"/>
+              <a:t> notebook to allow for EDA. </a:t>
+            </a:r>
+            <a:r>
+              <a:rPr lang="en-US" sz="1200" b="0" i="0" kern="1200" dirty="0" smtClean="0">
+                <a:solidFill>
+                  <a:schemeClr val="tx1"/>
+                </a:solidFill>
+                <a:effectLst/>
+                <a:latin typeface="+mn-lt"/>
+                <a:ea typeface="+mn-ea"/>
+                <a:cs typeface="+mn-cs"/>
+              </a:rPr>
+              <a:t> 80% of their time cleaning and manipulating data and only 20% of their time analyzing it.</a:t>
+            </a:r>
+            <a:endParaRPr lang="en-US" dirty="0"/>
+          </a:p>
+        </p:txBody>
+      </p:sp>
+      <p:sp>
+        <p:nvSpPr>
+          <p:cNvPr id="4" name="Slide Number Placeholder 3"/>
+          <p:cNvSpPr>
+            <a:spLocks noGrp="1"/>
+          </p:cNvSpPr>
+          <p:nvPr>
+            <p:ph type="sldNum" sz="quarter" idx="10"/>
+          </p:nvPr>
+        </p:nvSpPr>
+        <p:spPr/>
+        <p:txBody>
+          <a:bodyPr/>
+          <a:lstStyle/>
+          <a:p>
+            <a:fld id="{228B34ED-4CDD-41C9-90F7-D768D5559A6F}" type="slidenum">
+              <a:rPr lang="en-US" smtClean="0"/>
+              <a:t>7</a:t>
+            </a:fld>
+            <a:endParaRPr lang="en-US" dirty="0"/>
+          </a:p>
+        </p:txBody>
+      </p:sp>
+    </p:spTree>
+    <p:extLst>
+      <p:ext uri="{BB962C8B-B14F-4D97-AF65-F5344CB8AC3E}">
+        <p14:creationId xmlns:p14="http://schemas.microsoft.com/office/powerpoint/2010/main" val="4275397299"/>
+      </p:ext>
+    </p:extLst>
+  </p:cSld>
+  <p:clrMapOvr>
+    <a:masterClrMapping/>
+  </p:clrMapOvr>
+</p:notes>
+</file>
+
+<file path=ppt/notesSlides/notesSlide7.xml><?xml version="1.0" encoding="utf-8"?>
+<p:notes xmlns:a="http://schemas.openxmlformats.org/drawingml/2006/main" xmlns:r="http://schemas.openxmlformats.org/officeDocument/2006/relationships" xmlns:p="http://schemas.openxmlformats.org/presentationml/2006/main">
+  <p:cSld>
+    <p:spTree>
+      <p:nvGrpSpPr>
+        <p:cNvPr id="1" name=""/>
+        <p:cNvGrpSpPr/>
+        <p:nvPr/>
+      </p:nvGrpSpPr>
+      <p:grpSpPr>
+        <a:xfrm>
+          <a:off x="0" y="0"/>
+          <a:ext cx="0" cy="0"/>
+          <a:chOff x="0" y="0"/>
+          <a:chExt cx="0" cy="0"/>
+        </a:xfrm>
+      </p:grpSpPr>
+      <p:sp>
+        <p:nvSpPr>
+          <p:cNvPr id="2" name="Slide Image Placeholder 1"/>
+          <p:cNvSpPr>
+            <a:spLocks noGrp="1" noRot="1" noChangeAspect="1"/>
+          </p:cNvSpPr>
+          <p:nvPr>
+            <p:ph type="sldImg"/>
+          </p:nvPr>
+        </p:nvSpPr>
+        <p:spPr/>
+      </p:sp>
+      <p:sp>
+        <p:nvSpPr>
+          <p:cNvPr id="3" name="Notes Placeholder 2"/>
+          <p:cNvSpPr>
+            <a:spLocks noGrp="1"/>
+          </p:cNvSpPr>
+          <p:nvPr>
+            <p:ph type="body" idx="1"/>
+          </p:nvPr>
+        </p:nvSpPr>
+        <p:spPr/>
+        <p:txBody>
+          <a:bodyPr/>
+          <a:lstStyle/>
+          <a:p>
+            <a:r>
+              <a:rPr lang="en-US" dirty="0" smtClean="0"/>
+              <a:t>Use</a:t>
+            </a:r>
+            <a:r>
+              <a:rPr lang="en-US" baseline="0" dirty="0" smtClean="0"/>
+              <a:t> python in </a:t>
+            </a:r>
+            <a:r>
+              <a:rPr lang="en-US" baseline="0" dirty="0" err="1" smtClean="0"/>
+              <a:t>jupyter</a:t>
+            </a:r>
+            <a:r>
+              <a:rPr lang="en-US" baseline="0" dirty="0" smtClean="0"/>
+              <a:t> notebook to gain insights into the data before creating website. We were able to gather various insights from the data which we displayed in the webpage. Now we will go to </a:t>
+            </a:r>
+            <a:r>
+              <a:rPr lang="en-US" baseline="0" smtClean="0"/>
+              <a:t>the website</a:t>
+            </a:r>
+          </a:p>
+          <a:p>
+            <a:endParaRPr lang="en-US" dirty="0"/>
+          </a:p>
+        </p:txBody>
+      </p:sp>
+      <p:sp>
+        <p:nvSpPr>
+          <p:cNvPr id="4" name="Slide Number Placeholder 3"/>
+          <p:cNvSpPr>
+            <a:spLocks noGrp="1"/>
+          </p:cNvSpPr>
+          <p:nvPr>
+            <p:ph type="sldNum" sz="quarter" idx="10"/>
+          </p:nvPr>
+        </p:nvSpPr>
+        <p:spPr/>
+        <p:txBody>
+          <a:bodyPr/>
+          <a:lstStyle/>
+          <a:p>
+            <a:fld id="{228B34ED-4CDD-41C9-90F7-D768D5559A6F}" type="slidenum">
+              <a:rPr lang="en-US" smtClean="0"/>
+              <a:t>8</a:t>
+            </a:fld>
+            <a:endParaRPr lang="en-US" dirty="0"/>
+          </a:p>
+        </p:txBody>
+      </p:sp>
+    </p:spTree>
+    <p:extLst>
+      <p:ext uri="{BB962C8B-B14F-4D97-AF65-F5344CB8AC3E}">
+        <p14:creationId xmlns:p14="http://schemas.microsoft.com/office/powerpoint/2010/main" val="462987665"/>
+      </p:ext>
+    </p:extLst>
+  </p:cSld>
+  <p:clrMapOvr>
+    <a:masterClrMapping/>
+  </p:clrMapOvr>
+</p:notes>
+</file>
+
+<file path=ppt/notesSlides/notesSlide8.xml><?xml version="1.0" encoding="utf-8"?>
+<p:notes xmlns:a="http://schemas.openxmlformats.org/drawingml/2006/main" xmlns:r="http://schemas.openxmlformats.org/officeDocument/2006/relationships" xmlns:p="http://schemas.openxmlformats.org/presentationml/2006/main">
+  <p:cSld>
+    <p:spTree>
+      <p:nvGrpSpPr>
+        <p:cNvPr id="1" name=""/>
+        <p:cNvGrpSpPr/>
+        <p:nvPr/>
+      </p:nvGrpSpPr>
+      <p:grpSpPr>
+        <a:xfrm>
+          <a:off x="0" y="0"/>
+          <a:ext cx="0" cy="0"/>
+          <a:chOff x="0" y="0"/>
+          <a:chExt cx="0" cy="0"/>
+        </a:xfrm>
+      </p:grpSpPr>
+      <p:sp>
+        <p:nvSpPr>
+          <p:cNvPr id="2" name="Slide Image Placeholder 1"/>
+          <p:cNvSpPr>
+            <a:spLocks noGrp="1" noRot="1" noChangeAspect="1"/>
+          </p:cNvSpPr>
+          <p:nvPr>
+            <p:ph type="sldImg"/>
+          </p:nvPr>
+        </p:nvSpPr>
+        <p:spPr/>
+      </p:sp>
+      <p:sp>
+        <p:nvSpPr>
+          <p:cNvPr id="3" name="Notes Placeholder 2"/>
+          <p:cNvSpPr>
+            <a:spLocks noGrp="1"/>
+          </p:cNvSpPr>
+          <p:nvPr>
+            <p:ph type="body" idx="1"/>
+          </p:nvPr>
+        </p:nvSpPr>
+        <p:spPr/>
+        <p:txBody>
+          <a:bodyPr/>
+          <a:lstStyle/>
+          <a:p>
+            <a:r>
+              <a:rPr lang="en-US" dirty="0" smtClean="0"/>
+              <a:t>Go to web page</a:t>
+            </a:r>
+            <a:endParaRPr lang="en-US" dirty="0"/>
+          </a:p>
+        </p:txBody>
+      </p:sp>
+      <p:sp>
+        <p:nvSpPr>
+          <p:cNvPr id="4" name="Slide Number Placeholder 3"/>
+          <p:cNvSpPr>
+            <a:spLocks noGrp="1"/>
+          </p:cNvSpPr>
+          <p:nvPr>
+            <p:ph type="sldNum" sz="quarter" idx="10"/>
+          </p:nvPr>
+        </p:nvSpPr>
+        <p:spPr/>
+        <p:txBody>
+          <a:bodyPr/>
+          <a:lstStyle/>
+          <a:p>
+            <a:fld id="{228B34ED-4CDD-41C9-90F7-D768D5559A6F}" type="slidenum">
+              <a:rPr lang="en-US" smtClean="0"/>
+              <a:t>9</a:t>
+            </a:fld>
+            <a:endParaRPr lang="en-US" dirty="0"/>
+          </a:p>
+        </p:txBody>
+      </p:sp>
+    </p:spTree>
+    <p:extLst>
+      <p:ext uri="{BB962C8B-B14F-4D97-AF65-F5344CB8AC3E}">
+        <p14:creationId xmlns:p14="http://schemas.microsoft.com/office/powerpoint/2010/main" val="4068037676"/>
+      </p:ext>
+    </p:extLst>
+  </p:cSld>
+  <p:clrMapOvr>
+    <a:masterClrMapping/>
+  </p:clrMapOvr>
+</p:notes>
+</file>
+
+<file path=ppt/notesSlides/notesSlide9.xml><?xml version="1.0" encoding="utf-8"?>
+<p:notes xmlns:a="http://schemas.openxmlformats.org/drawingml/2006/main" xmlns:r="http://schemas.openxmlformats.org/officeDocument/2006/relationships" xmlns:p="http://schemas.openxmlformats.org/presentationml/2006/main">
+  <p:cSld>
+    <p:spTree>
+      <p:nvGrpSpPr>
+        <p:cNvPr id="1" name=""/>
+        <p:cNvGrpSpPr/>
+        <p:nvPr/>
+      </p:nvGrpSpPr>
+      <p:grpSpPr>
+        <a:xfrm>
+          <a:off x="0" y="0"/>
+          <a:ext cx="0" cy="0"/>
+          <a:chOff x="0" y="0"/>
+          <a:chExt cx="0" cy="0"/>
+        </a:xfrm>
+      </p:grpSpPr>
+      <p:sp>
+        <p:nvSpPr>
+          <p:cNvPr id="2" name="Slide Image Placeholder 1"/>
+          <p:cNvSpPr>
+            <a:spLocks noGrp="1" noRot="1" noChangeAspect="1"/>
+          </p:cNvSpPr>
+          <p:nvPr>
+            <p:ph type="sldImg"/>
+          </p:nvPr>
+        </p:nvSpPr>
+        <p:spPr/>
+      </p:sp>
+      <p:sp>
+        <p:nvSpPr>
+          <p:cNvPr id="3" name="Notes Placeholder 2"/>
+          <p:cNvSpPr>
+            <a:spLocks noGrp="1"/>
+          </p:cNvSpPr>
+          <p:nvPr>
+            <p:ph type="body" idx="1"/>
+          </p:nvPr>
+        </p:nvSpPr>
+        <p:spPr/>
+        <p:txBody>
+          <a:bodyPr/>
+          <a:lstStyle/>
+          <a:p>
+            <a:endParaRPr lang="en-US" dirty="0"/>
+          </a:p>
+        </p:txBody>
+      </p:sp>
+      <p:sp>
+        <p:nvSpPr>
+          <p:cNvPr id="4" name="Slide Number Placeholder 3"/>
+          <p:cNvSpPr>
+            <a:spLocks noGrp="1"/>
+          </p:cNvSpPr>
+          <p:nvPr>
+            <p:ph type="sldNum" sz="quarter" idx="10"/>
+          </p:nvPr>
+        </p:nvSpPr>
+        <p:spPr/>
+        <p:txBody>
+          <a:bodyPr/>
+          <a:lstStyle/>
+          <a:p>
+            <a:fld id="{228B34ED-4CDD-41C9-90F7-D768D5559A6F}" type="slidenum">
+              <a:rPr lang="en-US" smtClean="0"/>
+              <a:t>11</a:t>
+            </a:fld>
+            <a:endParaRPr lang="en-US" dirty="0"/>
+          </a:p>
+        </p:txBody>
+      </p:sp>
+    </p:spTree>
+    <p:extLst>
+      <p:ext uri="{BB962C8B-B14F-4D97-AF65-F5344CB8AC3E}">
+        <p14:creationId xmlns:p14="http://schemas.microsoft.com/office/powerpoint/2010/main" val="4165074275"/>
       </p:ext>
     </p:extLst>
   </p:cSld>
@@ -2203,7 +3313,7 @@
                 <a16:creationId xmlns:a16="http://schemas.microsoft.com/office/drawing/2014/main" id="{016A7FA3-8C13-4E5A-88C4-4357C8ACD73E}"/>
               </a:ext>
               <a:ext uri="{C183D7F6-B498-43B3-948B-1728B52AA6E4}">
-                <adec:decorative xmlns:adec="http://schemas.microsoft.com/office/drawing/2017/decorative" val="1"/>
+                <adec:decorative xmlns:adec="http://schemas.microsoft.com/office/drawing/2017/decorative" xmlns="" val="1"/>
               </a:ext>
             </a:extLst>
           </p:cNvPr>
@@ -2933,7 +4043,7 @@
                 <a16:creationId xmlns:a16="http://schemas.microsoft.com/office/drawing/2014/main" id="{1AA8588E-221D-4931-A290-C5C4184435AD}"/>
               </a:ext>
               <a:ext uri="{C183D7F6-B498-43B3-948B-1728B52AA6E4}">
-                <adec:decorative xmlns:adec="http://schemas.microsoft.com/office/drawing/2017/decorative" val="1"/>
+                <adec:decorative xmlns:adec="http://schemas.microsoft.com/office/drawing/2017/decorative" xmlns="" val="1"/>
               </a:ext>
             </a:extLst>
           </p:cNvPr>
@@ -4276,7 +5386,7 @@
                 <a16:creationId xmlns:a16="http://schemas.microsoft.com/office/drawing/2014/main" id="{9DF93AF7-D4DC-42B5-8A4F-B5F3ABBB031F}"/>
               </a:ext>
               <a:ext uri="{C183D7F6-B498-43B3-948B-1728B52AA6E4}">
-                <adec:decorative xmlns:adec="http://schemas.microsoft.com/office/drawing/2017/decorative" val="1"/>
+                <adec:decorative xmlns:adec="http://schemas.microsoft.com/office/drawing/2017/decorative" xmlns="" val="1"/>
               </a:ext>
             </a:extLst>
           </p:cNvPr>
@@ -6078,12 +7188,12 @@
           </p:nvPr>
         </p:nvPicPr>
         <p:blipFill rotWithShape="1">
-          <a:blip r:embed="rId2">
+          <a:blip r:embed="rId3">
             <a:alphaModFix amt="52000"/>
             <a:extLst>
               <a:ext uri="{BEBA8EAE-BF5A-486C-A8C5-ECC9F3942E4B}">
                 <a14:imgProps xmlns:a14="http://schemas.microsoft.com/office/drawing/2010/main">
-                  <a14:imgLayer r:embed="rId3">
+                  <a14:imgLayer r:embed="rId4">
                     <a14:imgEffect>
                       <a14:saturation sat="0"/>
                     </a14:imgEffect>
@@ -6219,18 +7329,25 @@
   <p:clrMapOvr>
     <a:masterClrMapping/>
   </p:clrMapOvr>
-  <mc:AlternateContent xmlns:mc="http://schemas.openxmlformats.org/markup-compatibility/2006">
-    <mc:Choice xmlns:p14="http://schemas.microsoft.com/office/powerpoint/2010/main" Requires="p14">
+  <mc:AlternateContent xmlns:mc="http://schemas.openxmlformats.org/markup-compatibility/2006" xmlns:p14="http://schemas.microsoft.com/office/powerpoint/2010/main">
+    <mc:Choice Requires="p14">
       <p:transition spd="slow" p14:dur="1300">
         <p14:pan dir="u"/>
       </p:transition>
     </mc:Choice>
-    <mc:Fallback>
+    <mc:Fallback xmlns="">
       <p:transition spd="slow">
         <p:fade/>
       </p:transition>
     </mc:Fallback>
   </mc:AlternateContent>
+  <p:timing>
+    <p:tnLst>
+      <p:par>
+        <p:cTn id="1" dur="indefinite" restart="never" nodeType="tmRoot"/>
+      </p:par>
+    </p:tnLst>
+  </p:timing>
 </p:sld>
 </file>
 
@@ -6259,7 +7376,7 @@
                 <a16:creationId xmlns:a16="http://schemas.microsoft.com/office/drawing/2014/main" id="{797EF4CE-E0F9-4353-9C7D-5294DDF363C6}"/>
               </a:ext>
               <a:ext uri="{C183D7F6-B498-43B3-948B-1728B52AA6E4}">
-                <adec:decorative xmlns:adec="http://schemas.microsoft.com/office/drawing/2017/decorative" val="1"/>
+                <adec:decorative xmlns:adec="http://schemas.microsoft.com/office/drawing/2017/decorative" xmlns="" val="1"/>
               </a:ext>
             </a:extLst>
           </p:cNvPr>
@@ -6459,6 +7576,13 @@
   <p:transition spd="slow">
     <p:push dir="u"/>
   </p:transition>
+  <p:timing>
+    <p:tnLst>
+      <p:par>
+        <p:cTn id="1" dur="indefinite" restart="never" nodeType="tmRoot"/>
+      </p:par>
+    </p:tnLst>
+  </p:timing>
 </p:sld>
 </file>
 
@@ -6504,12 +7628,12 @@
           </p:nvPr>
         </p:nvPicPr>
         <p:blipFill rotWithShape="1">
-          <a:blip r:embed="rId2">
+          <a:blip r:embed="rId3">
             <a:alphaModFix amt="35000"/>
             <a:extLst>
               <a:ext uri="{BEBA8EAE-BF5A-486C-A8C5-ECC9F3942E4B}">
                 <a14:imgProps xmlns:a14="http://schemas.microsoft.com/office/drawing/2010/main">
-                  <a14:imgLayer r:embed="rId3">
+                  <a14:imgLayer r:embed="rId4">
                     <a14:imgEffect>
                       <a14:saturation sat="0"/>
                     </a14:imgEffect>
@@ -6557,7 +7681,7 @@
       <p:sp>
         <p:nvSpPr>
           <p:cNvPr id="6" name="TextBox 5">
-            <a:hlinkClick r:id="rId4"/>
+            <a:hlinkClick r:id="rId5"/>
             <a:extLst>
               <a:ext uri="{FF2B5EF4-FFF2-40B4-BE49-F238E27FC236}">
                 <a16:creationId xmlns:a16="http://schemas.microsoft.com/office/drawing/2014/main" id="{78F4E203-5454-4EDD-817F-A268CC331829}"/>
@@ -6611,7 +7735,7 @@
           <p:nvPr/>
         </p:nvPicPr>
         <p:blipFill>
-          <a:blip r:embed="rId5"/>
+          <a:blip r:embed="rId6"/>
           <a:stretch>
             <a:fillRect/>
           </a:stretch>
@@ -6636,18 +7760,25 @@
   <p:clrMapOvr>
     <a:masterClrMapping/>
   </p:clrMapOvr>
-  <mc:AlternateContent xmlns:mc="http://schemas.openxmlformats.org/markup-compatibility/2006">
-    <mc:Choice xmlns:p14="http://schemas.microsoft.com/office/powerpoint/2010/main" Requires="p14">
+  <mc:AlternateContent xmlns:mc="http://schemas.openxmlformats.org/markup-compatibility/2006" xmlns:p14="http://schemas.microsoft.com/office/powerpoint/2010/main">
+    <mc:Choice Requires="p14">
       <p:transition spd="slow" p14:dur="1500">
         <p:split orient="vert"/>
       </p:transition>
     </mc:Choice>
-    <mc:Fallback>
+    <mc:Fallback xmlns="">
       <p:transition spd="slow">
         <p:split orient="vert"/>
       </p:transition>
     </mc:Fallback>
   </mc:AlternateContent>
+  <p:timing>
+    <p:tnLst>
+      <p:par>
+        <p:cTn id="1" dur="indefinite" restart="never" nodeType="tmRoot"/>
+      </p:par>
+    </p:tnLst>
+  </p:timing>
 </p:sld>
 </file>
 
@@ -6778,6 +7909,13 @@
   <p:transition spd="slow">
     <p:push dir="u"/>
   </p:transition>
+  <p:timing>
+    <p:tnLst>
+      <p:par>
+        <p:cTn id="1" dur="indefinite" restart="never" nodeType="tmRoot"/>
+      </p:par>
+    </p:tnLst>
+  </p:timing>
 </p:sld>
 </file>
 
@@ -6894,13 +8032,13 @@
   <p:clrMapOvr>
     <a:masterClrMapping/>
   </p:clrMapOvr>
-  <mc:AlternateContent xmlns:mc="http://schemas.openxmlformats.org/markup-compatibility/2006">
-    <mc:Choice xmlns:p159="http://schemas.microsoft.com/office/powerpoint/2015/09/main" Requires="p159">
+  <mc:AlternateContent xmlns:mc="http://schemas.openxmlformats.org/markup-compatibility/2006" xmlns:p159="http://schemas.microsoft.com/office/powerpoint/2015/09/main">
+    <mc:Choice Requires="p159">
       <p:transition xmlns:p14="http://schemas.microsoft.com/office/powerpoint/2010/main" spd="slow" p14:dur="2000">
         <p159:morph option="byObject"/>
       </p:transition>
     </mc:Choice>
-    <mc:Fallback>
+    <mc:Fallback xmlns="">
       <p:transition spd="slow">
         <p:fade/>
       </p:transition>
@@ -7125,6 +8263,13 @@
   <p:transition spd="slow">
     <p:push dir="u"/>
   </p:transition>
+  <p:timing>
+    <p:tnLst>
+      <p:par>
+        <p:cTn id="1" dur="indefinite" restart="never" nodeType="tmRoot"/>
+      </p:par>
+    </p:tnLst>
+  </p:timing>
 </p:sld>
 </file>
 
@@ -7383,6 +8528,13 @@
   <p:transition spd="slow">
     <p:push dir="u"/>
   </p:transition>
+  <p:timing>
+    <p:tnLst>
+      <p:par>
+        <p:cTn id="1" dur="indefinite" restart="never" nodeType="tmRoot"/>
+      </p:par>
+    </p:tnLst>
+  </p:timing>
 </p:sld>
 </file>
 
@@ -7418,7 +8570,7 @@
           <p:nvPr/>
         </p:nvPicPr>
         <p:blipFill>
-          <a:blip r:embed="rId2"/>
+          <a:blip r:embed="rId3"/>
           <a:stretch>
             <a:fillRect/>
           </a:stretch>
@@ -7516,7 +8668,7 @@
                 <a16:creationId xmlns:a16="http://schemas.microsoft.com/office/drawing/2014/main" id="{EF2F1FA3-8083-46EF-9D26-0FC47D0E7CA2}"/>
               </a:ext>
               <a:ext uri="{C183D7F6-B498-43B3-948B-1728B52AA6E4}">
-                <adec:decorative xmlns:adec="http://schemas.microsoft.com/office/drawing/2017/decorative" val="1"/>
+                <adec:decorative xmlns:adec="http://schemas.microsoft.com/office/drawing/2017/decorative" xmlns="" val="1"/>
               </a:ext>
             </a:extLst>
           </p:cNvPr>
@@ -7595,7 +8747,7 @@
           <p:nvPr/>
         </p:nvPicPr>
         <p:blipFill>
-          <a:blip r:embed="rId3"/>
+          <a:blip r:embed="rId4"/>
           <a:stretch>
             <a:fillRect/>
           </a:stretch>
@@ -7635,7 +8787,7 @@
           <p:nvPr/>
         </p:nvPicPr>
         <p:blipFill>
-          <a:blip r:embed="rId4"/>
+          <a:blip r:embed="rId5"/>
           <a:stretch>
             <a:fillRect/>
           </a:stretch>
@@ -7675,7 +8827,7 @@
           <p:nvPr/>
         </p:nvPicPr>
         <p:blipFill>
-          <a:blip r:embed="rId5"/>
+          <a:blip r:embed="rId6"/>
           <a:stretch>
             <a:fillRect/>
           </a:stretch>
@@ -7715,7 +8867,7 @@
           <p:nvPr/>
         </p:nvPicPr>
         <p:blipFill>
-          <a:blip r:embed="rId6"/>
+          <a:blip r:embed="rId7"/>
           <a:stretch>
             <a:fillRect/>
           </a:stretch>
@@ -7845,6 +8997,13 @@
   <p:transition spd="slow">
     <p:push dir="u"/>
   </p:transition>
+  <p:timing>
+    <p:tnLst>
+      <p:par>
+        <p:cTn id="1" dur="indefinite" restart="never" nodeType="tmRoot"/>
+      </p:par>
+    </p:tnLst>
+  </p:timing>
 </p:sld>
 </file>
 
@@ -8175,18 +9334,25 @@
   <p:clrMapOvr>
     <a:masterClrMapping/>
   </p:clrMapOvr>
-  <mc:AlternateContent xmlns:mc="http://schemas.openxmlformats.org/markup-compatibility/2006">
-    <mc:Choice xmlns:p14="http://schemas.microsoft.com/office/powerpoint/2010/main" Requires="p14">
+  <mc:AlternateContent xmlns:mc="http://schemas.openxmlformats.org/markup-compatibility/2006" xmlns:p14="http://schemas.microsoft.com/office/powerpoint/2010/main">
+    <mc:Choice Requires="p14">
       <p:transition spd="slow" p14:dur="3400">
         <p14:reveal/>
       </p:transition>
     </mc:Choice>
-    <mc:Fallback>
+    <mc:Fallback xmlns="">
       <p:transition spd="slow">
         <p:fade/>
       </p:transition>
     </mc:Fallback>
   </mc:AlternateContent>
+  <p:timing>
+    <p:tnLst>
+      <p:par>
+        <p:cTn id="1" dur="indefinite" restart="never" nodeType="tmRoot"/>
+      </p:par>
+    </p:tnLst>
+  </p:timing>
 </p:sld>
 </file>
 
@@ -8224,11 +9390,11 @@
           </p:nvPr>
         </p:nvPicPr>
         <p:blipFill rotWithShape="1">
-          <a:blip r:embed="rId2">
+          <a:blip r:embed="rId3">
             <a:extLst>
               <a:ext uri="{BEBA8EAE-BF5A-486C-A8C5-ECC9F3942E4B}">
                 <a14:imgProps xmlns:a14="http://schemas.microsoft.com/office/drawing/2010/main">
-                  <a14:imgLayer r:embed="rId3">
+                  <a14:imgLayer r:embed="rId4">
                     <a14:imgEffect>
                       <a14:saturation sat="0"/>
                     </a14:imgEffect>
@@ -8435,6 +9601,13 @@
   <p:transition spd="slow">
     <p:push dir="u"/>
   </p:transition>
+  <p:timing>
+    <p:tnLst>
+      <p:par>
+        <p:cTn id="1" dur="indefinite" restart="never" nodeType="tmRoot"/>
+      </p:par>
+    </p:tnLst>
+  </p:timing>
 </p:sld>
 </file>
 
@@ -8528,7 +9701,7 @@
                 <a16:creationId xmlns:a16="http://schemas.microsoft.com/office/drawing/2014/main" id="{EF2F1FA3-8083-46EF-9D26-0FC47D0E7CA2}"/>
               </a:ext>
               <a:ext uri="{C183D7F6-B498-43B3-948B-1728B52AA6E4}">
-                <adec:decorative xmlns:adec="http://schemas.microsoft.com/office/drawing/2017/decorative" val="1"/>
+                <adec:decorative xmlns:adec="http://schemas.microsoft.com/office/drawing/2017/decorative" xmlns="" val="1"/>
               </a:ext>
             </a:extLst>
           </p:cNvPr>
@@ -8607,7 +9780,7 @@
           <p:nvPr/>
         </p:nvPicPr>
         <p:blipFill>
-          <a:blip r:embed="rId2"/>
+          <a:blip r:embed="rId3"/>
           <a:stretch>
             <a:fillRect/>
           </a:stretch>
@@ -8661,6 +9834,13 @@
   <p:transition spd="slow">
     <p:push dir="u"/>
   </p:transition>
+  <p:timing>
+    <p:tnLst>
+      <p:par>
+        <p:cTn id="1" dur="indefinite" restart="never" nodeType="tmRoot"/>
+      </p:par>
+    </p:tnLst>
+  </p:timing>
 </p:sld>
 </file>
 
@@ -8689,7 +9869,7 @@
                 <a16:creationId xmlns:a16="http://schemas.microsoft.com/office/drawing/2014/main" id="{797EF4CE-E0F9-4353-9C7D-5294DDF363C6}"/>
               </a:ext>
               <a:ext uri="{C183D7F6-B498-43B3-948B-1728B52AA6E4}">
-                <adec:decorative xmlns:adec="http://schemas.microsoft.com/office/drawing/2017/decorative" val="1"/>
+                <adec:decorative xmlns:adec="http://schemas.microsoft.com/office/drawing/2017/decorative" xmlns="" val="1"/>
               </a:ext>
             </a:extLst>
           </p:cNvPr>
@@ -8835,7 +10015,7 @@
           <p:nvPr/>
         </p:nvPicPr>
         <p:blipFill>
-          <a:blip r:embed="rId2"/>
+          <a:blip r:embed="rId3"/>
           <a:stretch>
             <a:fillRect/>
           </a:stretch>
@@ -8889,6 +10069,13 @@
   <p:transition spd="slow">
     <p:push dir="u"/>
   </p:transition>
+  <p:timing>
+    <p:tnLst>
+      <p:par>
+        <p:cTn id="1" dur="indefinite" restart="never" nodeType="tmRoot"/>
+      </p:par>
+    </p:tnLst>
+  </p:timing>
 </p:sld>
 </file>
 
@@ -8917,7 +10104,7 @@
                 <a16:creationId xmlns:a16="http://schemas.microsoft.com/office/drawing/2014/main" id="{797EF4CE-E0F9-4353-9C7D-5294DDF363C6}"/>
               </a:ext>
               <a:ext uri="{C183D7F6-B498-43B3-948B-1728B52AA6E4}">
-                <adec:decorative xmlns:adec="http://schemas.microsoft.com/office/drawing/2017/decorative" val="1"/>
+                <adec:decorative xmlns:adec="http://schemas.microsoft.com/office/drawing/2017/decorative" xmlns="" val="1"/>
               </a:ext>
             </a:extLst>
           </p:cNvPr>
@@ -9063,7 +10250,7 @@
           <p:nvPr/>
         </p:nvPicPr>
         <p:blipFill>
-          <a:blip r:embed="rId2"/>
+          <a:blip r:embed="rId3"/>
           <a:stretch>
             <a:fillRect/>
           </a:stretch>
@@ -9117,6 +10304,13 @@
   <p:transition spd="slow">
     <p:push dir="u"/>
   </p:transition>
+  <p:timing>
+    <p:tnLst>
+      <p:par>
+        <p:cTn id="1" dur="indefinite" restart="never" nodeType="tmRoot"/>
+      </p:par>
+    </p:tnLst>
+  </p:timing>
 </p:sld>
 </file>
 
@@ -10006,12 +11200,12 @@
 </file>
 
 <file path=customXml/item1.xml><?xml version="1.0" encoding="utf-8"?>
-<?mso-contentType ?>
-<FormTemplates xmlns="http://schemas.microsoft.com/sharepoint/v3/contenttype/forms">
-  <Display>DocumentLibraryForm</Display>
-  <Edit>DocumentLibraryForm</Edit>
-  <New>DocumentLibraryForm</New>
-</FormTemplates>
+<p:properties xmlns:p="http://schemas.microsoft.com/office/2006/metadata/properties" xmlns:xsi="http://www.w3.org/2001/XMLSchema-instance" xmlns:pc="http://schemas.microsoft.com/office/infopath/2007/PartnerControls">
+  <documentManagement>
+    <Status xmlns="71af3243-3dd4-4a8d-8c0d-dd76da1f02a5">Not started</Status>
+    <MediaServiceKeyPoints xmlns="71af3243-3dd4-4a8d-8c0d-dd76da1f02a5" xsi:nil="true"/>
+  </documentManagement>
+</p:properties>
 </file>
 
 <file path=customXml/item2.xml><?xml version="1.0" encoding="utf-8"?>
@@ -10236,18 +11430,20 @@
 </file>
 
 <file path=customXml/item3.xml><?xml version="1.0" encoding="utf-8"?>
-<p:properties xmlns:p="http://schemas.microsoft.com/office/2006/metadata/properties" xmlns:xsi="http://www.w3.org/2001/XMLSchema-instance" xmlns:pc="http://schemas.microsoft.com/office/infopath/2007/PartnerControls">
-  <documentManagement>
-    <Status xmlns="71af3243-3dd4-4a8d-8c0d-dd76da1f02a5">Not started</Status>
-    <MediaServiceKeyPoints xmlns="71af3243-3dd4-4a8d-8c0d-dd76da1f02a5" xsi:nil="true"/>
-  </documentManagement>
-</p:properties>
+<?mso-contentType ?>
+<FormTemplates xmlns="http://schemas.microsoft.com/sharepoint/v3/contenttype/forms">
+  <Display>DocumentLibraryForm</Display>
+  <Edit>DocumentLibraryForm</Edit>
+  <New>DocumentLibraryForm</New>
+</FormTemplates>
 </file>
 
 <file path=customXml/itemProps1.xml><?xml version="1.0" encoding="utf-8"?>
-<ds:datastoreItem xmlns:ds="http://schemas.openxmlformats.org/officeDocument/2006/customXml" ds:itemID="{1B7E2D32-4FDD-4266-880C-17595B801432}">
+<ds:datastoreItem xmlns:ds="http://schemas.openxmlformats.org/officeDocument/2006/customXml" ds:itemID="{E3D9F223-918A-45AF-9B53-56AB9E5E2182}">
   <ds:schemaRefs>
-    <ds:schemaRef ds:uri="http://schemas.microsoft.com/sharepoint/v3/contenttype/forms"/>
+    <ds:schemaRef ds:uri="http://schemas.microsoft.com/office/2006/metadata/properties"/>
+    <ds:schemaRef ds:uri="http://schemas.microsoft.com/office/infopath/2007/PartnerControls"/>
+    <ds:schemaRef ds:uri="71af3243-3dd4-4a8d-8c0d-dd76da1f02a5"/>
   </ds:schemaRefs>
 </ds:datastoreItem>
 </file>
@@ -10272,11 +11468,9 @@
 </file>
 
 <file path=customXml/itemProps3.xml><?xml version="1.0" encoding="utf-8"?>
-<ds:datastoreItem xmlns:ds="http://schemas.openxmlformats.org/officeDocument/2006/customXml" ds:itemID="{E3D9F223-918A-45AF-9B53-56AB9E5E2182}">
+<ds:datastoreItem xmlns:ds="http://schemas.openxmlformats.org/officeDocument/2006/customXml" ds:itemID="{1B7E2D32-4FDD-4266-880C-17595B801432}">
   <ds:schemaRefs>
-    <ds:schemaRef ds:uri="http://schemas.microsoft.com/office/2006/metadata/properties"/>
-    <ds:schemaRef ds:uri="http://schemas.microsoft.com/office/infopath/2007/PartnerControls"/>
-    <ds:schemaRef ds:uri="71af3243-3dd4-4a8d-8c0d-dd76da1f02a5"/>
+    <ds:schemaRef ds:uri="http://schemas.microsoft.com/sharepoint/v3/contenttype/forms"/>
   </ds:schemaRefs>
 </ds:datastoreItem>
 </file>
--- a/Data Analyst Job Search Website -Project 3 - Presentation.pptx
+++ b/Data Analyst Job Search Website -Project 3 - Presentation.pptx
@@ -12,10 +12,10 @@
   </p:handoutMasterIdLst>
   <p:sldIdLst>
     <p:sldId id="2448" r:id="rId5"/>
-    <p:sldId id="2462" r:id="rId6"/>
-    <p:sldId id="259" r:id="rId7"/>
-    <p:sldId id="2464" r:id="rId8"/>
-    <p:sldId id="260" r:id="rId9"/>
+    <p:sldId id="260" r:id="rId6"/>
+    <p:sldId id="2462" r:id="rId7"/>
+    <p:sldId id="259" r:id="rId8"/>
+    <p:sldId id="2464" r:id="rId9"/>
     <p:sldId id="2451" r:id="rId10"/>
     <p:sldId id="2432" r:id="rId11"/>
     <p:sldId id="2463" r:id="rId12"/>
@@ -1516,8 +1516,19 @@
                 <a:ea typeface="+mn-ea"/>
                 <a:cs typeface="+mn-cs"/>
               </a:rPr>
-              <a:t>What does a data analyst do?</a:t>
-            </a:r>
+              <a:t>Cody</a:t>
+            </a:r>
+          </a:p>
+          <a:p>
+            <a:endParaRPr lang="en-US" sz="1200" b="0" i="0" kern="1200" dirty="0" smtClean="0">
+              <a:solidFill>
+                <a:schemeClr val="tx1"/>
+              </a:solidFill>
+              <a:effectLst/>
+              <a:latin typeface="+mn-lt"/>
+              <a:ea typeface="+mn-ea"/>
+              <a:cs typeface="+mn-cs"/>
+            </a:endParaRPr>
           </a:p>
           <a:p>
             <a:r>
@@ -1530,20 +1541,15 @@
                 <a:ea typeface="+mn-ea"/>
                 <a:cs typeface="+mn-cs"/>
               </a:rPr>
-              <a:t>The data analyst serves as </a:t>
-            </a:r>
-            <a:r>
-              <a:rPr lang="en-US" sz="1200" b="1" i="0" kern="1200" dirty="0" smtClean="0">
-                <a:solidFill>
-                  <a:schemeClr val="tx1"/>
-                </a:solidFill>
-                <a:effectLst/>
-                <a:latin typeface="+mn-lt"/>
-                <a:ea typeface="+mn-ea"/>
-                <a:cs typeface="+mn-cs"/>
-              </a:rPr>
-              <a:t>a gatekeeper for an organization's data so stakeholders can understand data and use it to make strategic business decisions</a:t>
-            </a:r>
+              <a:t>What does a data analyst do?</a:t>
+            </a:r>
+            <a:r>
+              <a:rPr lang="en-US" dirty="0" smtClean="0"/>
+              <a:t/>
+            </a:r>
+            <a:br>
+              <a:rPr lang="en-US" dirty="0" smtClean="0"/>
+            </a:br>
             <a:r>
               <a:rPr lang="en-US" sz="1200" b="0" i="0" kern="1200" dirty="0" smtClean="0">
                 <a:solidFill>
@@ -1554,10 +1560,8 @@
                 <a:ea typeface="+mn-ea"/>
                 <a:cs typeface="+mn-cs"/>
               </a:rPr>
-              <a:t>. </a:t>
-            </a:r>
-          </a:p>
-          <a:p>
+              <a:t>The data analyst manipulates and analyzes large sets of data to help grow the companies’ revenue or reduce costs. They can take the data that they have analyzed and transform it into charts or graphs to make it presentable to the stakeholders. Data Analysts are a very important asset to any company because of the abundance of data that is now accessible to the world. We decided to analyze the job market for Data Analysts because of the importance of the role as well as the strong job outlook.</a:t>
+            </a:r>
             <a:endParaRPr lang="en-US" dirty="0"/>
           </a:p>
         </p:txBody>
@@ -1589,6 +1593,370 @@
     <p:extLst>
       <p:ext uri="{BB962C8B-B14F-4D97-AF65-F5344CB8AC3E}">
         <p14:creationId xmlns:p14="http://schemas.microsoft.com/office/powerpoint/2010/main" val="3959495187"/>
+      </p:ext>
+    </p:extLst>
+  </p:cSld>
+  <p:clrMapOvr>
+    <a:masterClrMapping/>
+  </p:clrMapOvr>
+</p:notes>
+</file>
+
+<file path=ppt/notesSlides/notesSlide10.xml><?xml version="1.0" encoding="utf-8"?>
+<p:notes xmlns:a="http://schemas.openxmlformats.org/drawingml/2006/main" xmlns:r="http://schemas.openxmlformats.org/officeDocument/2006/relationships" xmlns:p="http://schemas.openxmlformats.org/presentationml/2006/main">
+  <p:cSld>
+    <p:spTree>
+      <p:nvGrpSpPr>
+        <p:cNvPr id="1" name=""/>
+        <p:cNvGrpSpPr/>
+        <p:nvPr/>
+      </p:nvGrpSpPr>
+      <p:grpSpPr>
+        <a:xfrm>
+          <a:off x="0" y="0"/>
+          <a:ext cx="0" cy="0"/>
+          <a:chOff x="0" y="0"/>
+          <a:chExt cx="0" cy="0"/>
+        </a:xfrm>
+      </p:grpSpPr>
+      <p:sp>
+        <p:nvSpPr>
+          <p:cNvPr id="2" name="Slide Image Placeholder 1"/>
+          <p:cNvSpPr>
+            <a:spLocks noGrp="1" noRot="1" noChangeAspect="1"/>
+          </p:cNvSpPr>
+          <p:nvPr>
+            <p:ph type="sldImg"/>
+          </p:nvPr>
+        </p:nvSpPr>
+        <p:spPr/>
+      </p:sp>
+      <p:sp>
+        <p:nvSpPr>
+          <p:cNvPr id="3" name="Notes Placeholder 2"/>
+          <p:cNvSpPr>
+            <a:spLocks noGrp="1"/>
+          </p:cNvSpPr>
+          <p:nvPr>
+            <p:ph type="body" idx="1"/>
+          </p:nvPr>
+        </p:nvSpPr>
+        <p:spPr/>
+        <p:txBody>
+          <a:bodyPr/>
+          <a:lstStyle/>
+          <a:p>
+            <a:r>
+              <a:rPr lang="en-US" dirty="0" smtClean="0"/>
+              <a:t>After</a:t>
+            </a:r>
+            <a:r>
+              <a:rPr lang="en-US" baseline="0" dirty="0" smtClean="0"/>
+              <a:t> the website was created we deployed it to </a:t>
+            </a:r>
+            <a:r>
+              <a:rPr lang="en-US" baseline="0" dirty="0" err="1" smtClean="0"/>
+              <a:t>git</a:t>
+            </a:r>
+            <a:r>
+              <a:rPr lang="en-US" baseline="0" dirty="0" smtClean="0"/>
+              <a:t> hub pages</a:t>
+            </a:r>
+            <a:endParaRPr lang="en-US" dirty="0"/>
+          </a:p>
+        </p:txBody>
+      </p:sp>
+      <p:sp>
+        <p:nvSpPr>
+          <p:cNvPr id="4" name="Slide Number Placeholder 3"/>
+          <p:cNvSpPr>
+            <a:spLocks noGrp="1"/>
+          </p:cNvSpPr>
+          <p:nvPr>
+            <p:ph type="sldNum" sz="quarter" idx="10"/>
+          </p:nvPr>
+        </p:nvSpPr>
+        <p:spPr/>
+        <p:txBody>
+          <a:bodyPr/>
+          <a:lstStyle/>
+          <a:p>
+            <a:fld id="{228B34ED-4CDD-41C9-90F7-D768D5559A6F}" type="slidenum">
+              <a:rPr lang="en-US" smtClean="0"/>
+              <a:t>10</a:t>
+            </a:fld>
+            <a:endParaRPr lang="en-US" dirty="0"/>
+          </a:p>
+        </p:txBody>
+      </p:sp>
+    </p:spTree>
+    <p:extLst>
+      <p:ext uri="{BB962C8B-B14F-4D97-AF65-F5344CB8AC3E}">
+        <p14:creationId xmlns:p14="http://schemas.microsoft.com/office/powerpoint/2010/main" val="151029363"/>
+      </p:ext>
+    </p:extLst>
+  </p:cSld>
+  <p:clrMapOvr>
+    <a:masterClrMapping/>
+  </p:clrMapOvr>
+</p:notes>
+</file>
+
+<file path=ppt/notesSlides/notesSlide11.xml><?xml version="1.0" encoding="utf-8"?>
+<p:notes xmlns:a="http://schemas.openxmlformats.org/drawingml/2006/main" xmlns:r="http://schemas.openxmlformats.org/officeDocument/2006/relationships" xmlns:p="http://schemas.openxmlformats.org/presentationml/2006/main">
+  <p:cSld>
+    <p:spTree>
+      <p:nvGrpSpPr>
+        <p:cNvPr id="1" name=""/>
+        <p:cNvGrpSpPr/>
+        <p:nvPr/>
+      </p:nvGrpSpPr>
+      <p:grpSpPr>
+        <a:xfrm>
+          <a:off x="0" y="0"/>
+          <a:ext cx="0" cy="0"/>
+          <a:chOff x="0" y="0"/>
+          <a:chExt cx="0" cy="0"/>
+        </a:xfrm>
+      </p:grpSpPr>
+      <p:sp>
+        <p:nvSpPr>
+          <p:cNvPr id="2" name="Slide Image Placeholder 1"/>
+          <p:cNvSpPr>
+            <a:spLocks noGrp="1" noRot="1" noChangeAspect="1"/>
+          </p:cNvSpPr>
+          <p:nvPr>
+            <p:ph type="sldImg"/>
+          </p:nvPr>
+        </p:nvSpPr>
+        <p:spPr/>
+      </p:sp>
+      <p:sp>
+        <p:nvSpPr>
+          <p:cNvPr id="3" name="Notes Placeholder 2"/>
+          <p:cNvSpPr>
+            <a:spLocks noGrp="1"/>
+          </p:cNvSpPr>
+          <p:nvPr>
+            <p:ph type="body" idx="1"/>
+          </p:nvPr>
+        </p:nvSpPr>
+        <p:spPr/>
+        <p:txBody>
+          <a:bodyPr/>
+          <a:lstStyle/>
+          <a:p>
+            <a:r>
+              <a:rPr lang="en-US" baseline="0" dirty="0" smtClean="0"/>
+              <a:t>We  also have the QR code so you all feel free to scan and go to our page.   We will now go to the webpage.</a:t>
+            </a:r>
+            <a:endParaRPr lang="en-US" dirty="0"/>
+          </a:p>
+        </p:txBody>
+      </p:sp>
+      <p:sp>
+        <p:nvSpPr>
+          <p:cNvPr id="4" name="Slide Number Placeholder 3"/>
+          <p:cNvSpPr>
+            <a:spLocks noGrp="1"/>
+          </p:cNvSpPr>
+          <p:nvPr>
+            <p:ph type="sldNum" sz="quarter" idx="10"/>
+          </p:nvPr>
+        </p:nvSpPr>
+        <p:spPr/>
+        <p:txBody>
+          <a:bodyPr/>
+          <a:lstStyle/>
+          <a:p>
+            <a:fld id="{228B34ED-4CDD-41C9-90F7-D768D5559A6F}" type="slidenum">
+              <a:rPr lang="en-US" smtClean="0"/>
+              <a:t>11</a:t>
+            </a:fld>
+            <a:endParaRPr lang="en-US" dirty="0"/>
+          </a:p>
+        </p:txBody>
+      </p:sp>
+    </p:spTree>
+    <p:extLst>
+      <p:ext uri="{BB962C8B-B14F-4D97-AF65-F5344CB8AC3E}">
+        <p14:creationId xmlns:p14="http://schemas.microsoft.com/office/powerpoint/2010/main" val="4165074275"/>
+      </p:ext>
+    </p:extLst>
+  </p:cSld>
+  <p:clrMapOvr>
+    <a:masterClrMapping/>
+  </p:clrMapOvr>
+</p:notes>
+</file>
+
+<file path=ppt/notesSlides/notesSlide12.xml><?xml version="1.0" encoding="utf-8"?>
+<p:notes xmlns:a="http://schemas.openxmlformats.org/drawingml/2006/main" xmlns:r="http://schemas.openxmlformats.org/officeDocument/2006/relationships" xmlns:p="http://schemas.openxmlformats.org/presentationml/2006/main">
+  <p:cSld>
+    <p:spTree>
+      <p:nvGrpSpPr>
+        <p:cNvPr id="1" name=""/>
+        <p:cNvGrpSpPr/>
+        <p:nvPr/>
+      </p:nvGrpSpPr>
+      <p:grpSpPr>
+        <a:xfrm>
+          <a:off x="0" y="0"/>
+          <a:ext cx="0" cy="0"/>
+          <a:chOff x="0" y="0"/>
+          <a:chExt cx="0" cy="0"/>
+        </a:xfrm>
+      </p:grpSpPr>
+      <p:sp>
+        <p:nvSpPr>
+          <p:cNvPr id="2" name="Slide Image Placeholder 1"/>
+          <p:cNvSpPr>
+            <a:spLocks noGrp="1" noRot="1" noChangeAspect="1"/>
+          </p:cNvSpPr>
+          <p:nvPr>
+            <p:ph type="sldImg"/>
+          </p:nvPr>
+        </p:nvSpPr>
+        <p:spPr/>
+      </p:sp>
+      <p:sp>
+        <p:nvSpPr>
+          <p:cNvPr id="3" name="Notes Placeholder 2"/>
+          <p:cNvSpPr>
+            <a:spLocks noGrp="1"/>
+          </p:cNvSpPr>
+          <p:nvPr>
+            <p:ph type="body" idx="1"/>
+          </p:nvPr>
+        </p:nvSpPr>
+        <p:spPr/>
+        <p:txBody>
+          <a:bodyPr/>
+          <a:lstStyle/>
+          <a:p>
+            <a:r>
+              <a:rPr lang="en-US" dirty="0" smtClean="0"/>
+              <a:t>Finally</a:t>
+            </a:r>
+            <a:r>
+              <a:rPr lang="en-US" baseline="0" dirty="0" smtClean="0"/>
+              <a:t> , As we have shown from the website there are lots of places for a data analyst to go. </a:t>
+            </a:r>
+            <a:endParaRPr lang="en-US" dirty="0"/>
+          </a:p>
+        </p:txBody>
+      </p:sp>
+      <p:sp>
+        <p:nvSpPr>
+          <p:cNvPr id="4" name="Slide Number Placeholder 3"/>
+          <p:cNvSpPr>
+            <a:spLocks noGrp="1"/>
+          </p:cNvSpPr>
+          <p:nvPr>
+            <p:ph type="sldNum" sz="quarter" idx="10"/>
+          </p:nvPr>
+        </p:nvSpPr>
+        <p:spPr/>
+        <p:txBody>
+          <a:bodyPr/>
+          <a:lstStyle/>
+          <a:p>
+            <a:fld id="{228B34ED-4CDD-41C9-90F7-D768D5559A6F}" type="slidenum">
+              <a:rPr lang="en-US" smtClean="0"/>
+              <a:t>12</a:t>
+            </a:fld>
+            <a:endParaRPr lang="en-US" dirty="0"/>
+          </a:p>
+        </p:txBody>
+      </p:sp>
+    </p:spTree>
+    <p:extLst>
+      <p:ext uri="{BB962C8B-B14F-4D97-AF65-F5344CB8AC3E}">
+        <p14:creationId xmlns:p14="http://schemas.microsoft.com/office/powerpoint/2010/main" val="3496879765"/>
+      </p:ext>
+    </p:extLst>
+  </p:cSld>
+  <p:clrMapOvr>
+    <a:masterClrMapping/>
+  </p:clrMapOvr>
+</p:notes>
+</file>
+
+<file path=ppt/notesSlides/notesSlide13.xml><?xml version="1.0" encoding="utf-8"?>
+<p:notes xmlns:a="http://schemas.openxmlformats.org/drawingml/2006/main" xmlns:r="http://schemas.openxmlformats.org/officeDocument/2006/relationships" xmlns:p="http://schemas.openxmlformats.org/presentationml/2006/main">
+  <p:cSld>
+    <p:spTree>
+      <p:nvGrpSpPr>
+        <p:cNvPr id="1" name=""/>
+        <p:cNvGrpSpPr/>
+        <p:nvPr/>
+      </p:nvGrpSpPr>
+      <p:grpSpPr>
+        <a:xfrm>
+          <a:off x="0" y="0"/>
+          <a:ext cx="0" cy="0"/>
+          <a:chOff x="0" y="0"/>
+          <a:chExt cx="0" cy="0"/>
+        </a:xfrm>
+      </p:grpSpPr>
+      <p:sp>
+        <p:nvSpPr>
+          <p:cNvPr id="2" name="Slide Image Placeholder 1"/>
+          <p:cNvSpPr>
+            <a:spLocks noGrp="1" noRot="1" noChangeAspect="1"/>
+          </p:cNvSpPr>
+          <p:nvPr>
+            <p:ph type="sldImg"/>
+          </p:nvPr>
+        </p:nvSpPr>
+        <p:spPr/>
+      </p:sp>
+      <p:sp>
+        <p:nvSpPr>
+          <p:cNvPr id="3" name="Notes Placeholder 2"/>
+          <p:cNvSpPr>
+            <a:spLocks noGrp="1"/>
+          </p:cNvSpPr>
+          <p:nvPr>
+            <p:ph type="body" idx="1"/>
+          </p:nvPr>
+        </p:nvSpPr>
+        <p:spPr/>
+        <p:txBody>
+          <a:bodyPr/>
+          <a:lstStyle/>
+          <a:p>
+            <a:endParaRPr lang="en-US" dirty="0"/>
+          </a:p>
+        </p:txBody>
+      </p:sp>
+      <p:sp>
+        <p:nvSpPr>
+          <p:cNvPr id="4" name="Slide Number Placeholder 3"/>
+          <p:cNvSpPr>
+            <a:spLocks noGrp="1"/>
+          </p:cNvSpPr>
+          <p:nvPr>
+            <p:ph type="sldNum" sz="quarter" idx="10"/>
+          </p:nvPr>
+        </p:nvSpPr>
+        <p:spPr/>
+        <p:txBody>
+          <a:bodyPr/>
+          <a:lstStyle/>
+          <a:p>
+            <a:fld id="{228B34ED-4CDD-41C9-90F7-D768D5559A6F}" type="slidenum">
+              <a:rPr lang="en-US" smtClean="0"/>
+              <a:t>13</a:t>
+            </a:fld>
+            <a:endParaRPr lang="en-US" dirty="0"/>
+          </a:p>
+        </p:txBody>
+      </p:sp>
+    </p:spTree>
+    <p:extLst>
+      <p:ext uri="{BB962C8B-B14F-4D97-AF65-F5344CB8AC3E}">
+        <p14:creationId xmlns:p14="http://schemas.microsoft.com/office/powerpoint/2010/main" val="2303483100"/>
       </p:ext>
     </p:extLst>
   </p:cSld>
@@ -1643,7 +2011,13 @@
           <a:lstStyle/>
           <a:p>
             <a:r>
-              <a:rPr lang="en-US" sz="1200" b="0" kern="1200" dirty="0" smtClean="0">
+              <a:rPr lang="en-US" dirty="0" smtClean="0"/>
+              <a:t>Cody </a:t>
+            </a:r>
+          </a:p>
+          <a:p>
+            <a:r>
+              <a:rPr lang="en-US" sz="1200" b="0" i="0" kern="1200" dirty="0" smtClean="0">
                 <a:solidFill>
                   <a:schemeClr val="tx1"/>
                 </a:solidFill>
@@ -1652,118 +2026,9 @@
                 <a:ea typeface="+mn-ea"/>
                 <a:cs typeface="+mn-cs"/>
               </a:rPr>
-              <a:t>The purpose of this project is to analyze the factors which impact salaries in the field of data analytics and to use this information to create a website to assist job seekers in their research.</a:t>
-            </a:r>
-          </a:p>
-          <a:p>
-            <a:endParaRPr lang="en-US" sz="1200" b="0" kern="1200" dirty="0" smtClean="0">
-              <a:solidFill>
-                <a:schemeClr val="tx1"/>
-              </a:solidFill>
-              <a:effectLst/>
-              <a:latin typeface="+mn-lt"/>
-              <a:ea typeface="+mn-ea"/>
-              <a:cs typeface="+mn-cs"/>
-            </a:endParaRPr>
-          </a:p>
-          <a:p>
-            <a:r>
-              <a:rPr lang="en-US" sz="1200" b="0" kern="1200" dirty="0" smtClean="0">
-                <a:solidFill>
-                  <a:schemeClr val="tx1"/>
-                </a:solidFill>
-                <a:effectLst/>
-                <a:latin typeface="+mn-lt"/>
-                <a:ea typeface="+mn-ea"/>
-                <a:cs typeface="+mn-cs"/>
-              </a:rPr>
-              <a:t>It’s no secret that the novel coronavirus 2019 (COVID-19) outbreak is deeply affecting the lives of millions around the world, both directly and indirectly. The United States alone has shed nearly 10 million jobs in the past two weeks due to the COVID-19 shutdown.</a:t>
-            </a:r>
-          </a:p>
-          <a:p>
-            <a:r>
-              <a:rPr lang="en-US" sz="1200" b="0" kern="1200" dirty="0" smtClean="0">
-                <a:solidFill>
-                  <a:schemeClr val="tx1"/>
-                </a:solidFill>
-                <a:effectLst/>
-                <a:latin typeface="+mn-lt"/>
-                <a:ea typeface="+mn-ea"/>
-                <a:cs typeface="+mn-cs"/>
-              </a:rPr>
-              <a:t/>
-            </a:r>
-            <a:br>
-              <a:rPr lang="en-US" sz="1200" b="0" kern="1200" dirty="0" smtClean="0">
-                <a:solidFill>
-                  <a:schemeClr val="tx1"/>
-                </a:solidFill>
-                <a:effectLst/>
-                <a:latin typeface="+mn-lt"/>
-                <a:ea typeface="+mn-ea"/>
-                <a:cs typeface="+mn-cs"/>
-              </a:rPr>
-            </a:br>
-            <a:r>
-              <a:rPr lang="en-US" sz="1200" b="0" kern="1200" dirty="0" smtClean="0">
-                <a:solidFill>
-                  <a:schemeClr val="tx1"/>
-                </a:solidFill>
-                <a:effectLst/>
-                <a:latin typeface="+mn-lt"/>
-                <a:ea typeface="+mn-ea"/>
-                <a:cs typeface="+mn-cs"/>
-              </a:rPr>
-              <a:t>However, surveys indicate that the data teams are long yet to see widespread layoffs or furloughs at this time, particularly among larger companies. So, strike at the jobs while it lasts?</a:t>
-            </a:r>
-          </a:p>
-          <a:p>
-            <a:r>
-              <a:rPr lang="en-US" sz="1200" b="0" kern="1200" dirty="0" smtClean="0">
-                <a:solidFill>
-                  <a:schemeClr val="tx1"/>
-                </a:solidFill>
-                <a:effectLst/>
-                <a:latin typeface="+mn-lt"/>
-                <a:ea typeface="+mn-ea"/>
-                <a:cs typeface="+mn-cs"/>
-              </a:rPr>
-              <a:t/>
-            </a:r>
-            <a:br>
-              <a:rPr lang="en-US" sz="1200" b="0" kern="1200" dirty="0" smtClean="0">
-                <a:solidFill>
-                  <a:schemeClr val="tx1"/>
-                </a:solidFill>
-                <a:effectLst/>
-                <a:latin typeface="+mn-lt"/>
-                <a:ea typeface="+mn-ea"/>
-                <a:cs typeface="+mn-cs"/>
-              </a:rPr>
-            </a:br>
-            <a:r>
-              <a:rPr lang="en-US" sz="1200" b="0" kern="1200" dirty="0" smtClean="0">
-                <a:solidFill>
-                  <a:schemeClr val="tx1"/>
-                </a:solidFill>
-                <a:effectLst/>
-                <a:latin typeface="+mn-lt"/>
-                <a:ea typeface="+mn-ea"/>
-                <a:cs typeface="+mn-cs"/>
-              </a:rPr>
-              <a:t>We have created a website that precisely helps people look for data analyst jobs nationwide. Our website lets users get whole picture of data analysts job openings nationwide, including size of employer, location, industry and estimated salary range.</a:t>
-            </a:r>
-          </a:p>
-          <a:p>
-            <a:endParaRPr lang="en-US" sz="1200" b="0" kern="1200" dirty="0" smtClean="0">
-              <a:solidFill>
-                <a:schemeClr val="tx1"/>
-              </a:solidFill>
-              <a:effectLst/>
-              <a:latin typeface="+mn-lt"/>
-              <a:ea typeface="+mn-ea"/>
-              <a:cs typeface="+mn-cs"/>
-            </a:endParaRPr>
+              <a:t>As you can see here, this is an overview of the team with all our photos. List out the names of the group.</a:t>
+            </a:r>
+            <a:endParaRPr lang="en-US" dirty="0"/>
           </a:p>
         </p:txBody>
       </p:sp>
@@ -1774,7 +2039,7 @@
             <a:spLocks noGrp="1"/>
           </p:cNvSpPr>
           <p:nvPr>
-            <p:ph type="sldNum" sz="quarter" idx="5"/>
+            <p:ph type="sldNum" sz="quarter" idx="10"/>
           </p:nvPr>
         </p:nvSpPr>
         <p:spPr/>
@@ -1784,7 +2049,7 @@
           <a:p>
             <a:fld id="{228B34ED-4CDD-41C9-90F7-D768D5559A6F}" type="slidenum">
               <a:rPr lang="en-US" smtClean="0"/>
-              <a:t>3</a:t>
+              <a:t>2</a:t>
             </a:fld>
             <a:endParaRPr lang="en-US" dirty="0"/>
           </a:p>
@@ -1793,7 +2058,7 @@
     </p:spTree>
     <p:extLst>
       <p:ext uri="{BB962C8B-B14F-4D97-AF65-F5344CB8AC3E}">
-        <p14:creationId xmlns:p14="http://schemas.microsoft.com/office/powerpoint/2010/main" val="1632949142"/>
+        <p14:creationId xmlns:p14="http://schemas.microsoft.com/office/powerpoint/2010/main" val="1360010445"/>
       </p:ext>
     </p:extLst>
   </p:cSld>
@@ -1848,7 +2113,13 @@
           <a:lstStyle/>
           <a:p>
             <a:r>
-              <a:rPr lang="en-US" sz="1200" b="0" kern="1200" dirty="0" smtClean="0">
+              <a:rPr lang="en-US" dirty="0" smtClean="0"/>
+              <a:t>Cody</a:t>
+            </a:r>
+          </a:p>
+          <a:p>
+            <a:r>
+              <a:rPr lang="en-US" sz="1200" b="0" i="0" kern="1200" dirty="0" smtClean="0">
                 <a:solidFill>
                   <a:schemeClr val="tx1"/>
                 </a:solidFill>
@@ -1857,207 +2128,8 @@
                 <a:ea typeface="+mn-ea"/>
                 <a:cs typeface="+mn-cs"/>
               </a:rPr>
-              <a:t>For our website, we used data analyst job postings dataset from </a:t>
-            </a:r>
-            <a:r>
-              <a:rPr lang="en-US" sz="1200" b="0" kern="1200" dirty="0" err="1" smtClean="0">
-                <a:solidFill>
-                  <a:schemeClr val="tx1"/>
-                </a:solidFill>
-                <a:effectLst/>
-                <a:latin typeface="+mn-lt"/>
-                <a:ea typeface="+mn-ea"/>
-                <a:cs typeface="+mn-cs"/>
-              </a:rPr>
-              <a:t>Kaggle</a:t>
-            </a:r>
-            <a:r>
-              <a:rPr lang="en-US" sz="1200" b="0" kern="1200" dirty="0" smtClean="0">
-                <a:solidFill>
-                  <a:schemeClr val="tx1"/>
-                </a:solidFill>
-                <a:effectLst/>
-                <a:latin typeface="+mn-lt"/>
-                <a:ea typeface="+mn-ea"/>
-                <a:cs typeface="+mn-cs"/>
-              </a:rPr>
-              <a:t>, which contains data of salary estimate, location, company rating, job description and more for job in the United States. Our dataset had more than 2000 rows and 16 columns. While going through our data we were able to decide that we will do visualizations around job opening by location, employer's size and estimated range of salary.</a:t>
-            </a:r>
-          </a:p>
-          <a:p>
-            <a:r>
-              <a:rPr lang="en-US" sz="1200" b="0" kern="1200" dirty="0" smtClean="0">
-                <a:solidFill>
-                  <a:schemeClr val="tx1"/>
-                </a:solidFill>
-                <a:effectLst/>
-                <a:latin typeface="+mn-lt"/>
-                <a:ea typeface="+mn-ea"/>
-                <a:cs typeface="+mn-cs"/>
-              </a:rPr>
-              <a:t/>
-            </a:r>
-            <a:br>
-              <a:rPr lang="en-US" sz="1200" b="0" kern="1200" dirty="0" smtClean="0">
-                <a:solidFill>
-                  <a:schemeClr val="tx1"/>
-                </a:solidFill>
-                <a:effectLst/>
-                <a:latin typeface="+mn-lt"/>
-                <a:ea typeface="+mn-ea"/>
-                <a:cs typeface="+mn-cs"/>
-              </a:rPr>
-            </a:br>
-            <a:r>
-              <a:rPr lang="en-US" sz="1200" b="0" kern="1200" dirty="0" smtClean="0">
-                <a:solidFill>
-                  <a:schemeClr val="tx1"/>
-                </a:solidFill>
-                <a:effectLst/>
-                <a:latin typeface="+mn-lt"/>
-                <a:ea typeface="+mn-ea"/>
-                <a:cs typeface="+mn-cs"/>
-              </a:rPr>
-              <a:t/>
-            </a:r>
-            <a:br>
-              <a:rPr lang="en-US" sz="1200" b="0" kern="1200" dirty="0" smtClean="0">
-                <a:solidFill>
-                  <a:schemeClr val="tx1"/>
-                </a:solidFill>
-                <a:effectLst/>
-                <a:latin typeface="+mn-lt"/>
-                <a:ea typeface="+mn-ea"/>
-                <a:cs typeface="+mn-cs"/>
-              </a:rPr>
-            </a:br>
-            <a:r>
-              <a:rPr lang="en-US" sz="1200" b="1" kern="1200" dirty="0" smtClean="0">
-                <a:solidFill>
-                  <a:schemeClr val="tx1"/>
-                </a:solidFill>
-                <a:effectLst/>
-                <a:latin typeface="+mn-lt"/>
-                <a:ea typeface="+mn-ea"/>
-                <a:cs typeface="+mn-cs"/>
-              </a:rPr>
-              <a:t>## Application:</a:t>
-            </a:r>
-            <a:endParaRPr lang="en-US" sz="1200" b="0" kern="1200" dirty="0" smtClean="0">
-              <a:solidFill>
-                <a:schemeClr val="tx1"/>
-              </a:solidFill>
-              <a:effectLst/>
-              <a:latin typeface="+mn-lt"/>
-              <a:ea typeface="+mn-ea"/>
-              <a:cs typeface="+mn-cs"/>
-            </a:endParaRPr>
-          </a:p>
-          <a:p>
-            <a:r>
-              <a:rPr lang="en-US" sz="1200" b="0" kern="1200" dirty="0" smtClean="0">
-                <a:solidFill>
-                  <a:schemeClr val="tx1"/>
-                </a:solidFill>
-                <a:effectLst/>
-                <a:latin typeface="+mn-lt"/>
-                <a:ea typeface="+mn-ea"/>
-                <a:cs typeface="+mn-cs"/>
-              </a:rPr>
-              <a:t>Python (</a:t>
-            </a:r>
-            <a:r>
-              <a:rPr lang="en-US" sz="1200" b="0" kern="1200" dirty="0" err="1" smtClean="0">
-                <a:solidFill>
-                  <a:schemeClr val="tx1"/>
-                </a:solidFill>
-                <a:effectLst/>
-                <a:latin typeface="+mn-lt"/>
-                <a:ea typeface="+mn-ea"/>
-                <a:cs typeface="+mn-cs"/>
-              </a:rPr>
-              <a:t>Jupyter</a:t>
-            </a:r>
-            <a:r>
-              <a:rPr lang="en-US" sz="1200" b="0" kern="1200" dirty="0" smtClean="0">
-                <a:solidFill>
-                  <a:schemeClr val="tx1"/>
-                </a:solidFill>
-                <a:effectLst/>
-                <a:latin typeface="+mn-lt"/>
-                <a:ea typeface="+mn-ea"/>
-                <a:cs typeface="+mn-cs"/>
-              </a:rPr>
-              <a:t> Notebook, Pandas)</a:t>
-            </a:r>
-          </a:p>
-          <a:p>
-            <a:r>
-              <a:rPr lang="en-US" sz="1200" b="0" kern="1200" dirty="0" smtClean="0">
-                <a:solidFill>
-                  <a:schemeClr val="tx1"/>
-                </a:solidFill>
-                <a:effectLst/>
-                <a:latin typeface="+mn-lt"/>
-                <a:ea typeface="+mn-ea"/>
-                <a:cs typeface="+mn-cs"/>
-              </a:rPr>
-              <a:t>JavaScript Libraries (</a:t>
-            </a:r>
-            <a:r>
-              <a:rPr lang="en-US" sz="1200" b="0" kern="1200" dirty="0" err="1" smtClean="0">
-                <a:solidFill>
-                  <a:schemeClr val="tx1"/>
-                </a:solidFill>
-                <a:effectLst/>
-                <a:latin typeface="+mn-lt"/>
-                <a:ea typeface="+mn-ea"/>
-                <a:cs typeface="+mn-cs"/>
-              </a:rPr>
-              <a:t>Plotly</a:t>
-            </a:r>
-            <a:r>
-              <a:rPr lang="en-US" sz="1200" b="0" kern="1200" dirty="0" smtClean="0">
-                <a:solidFill>
-                  <a:schemeClr val="tx1"/>
-                </a:solidFill>
-                <a:effectLst/>
-                <a:latin typeface="+mn-lt"/>
-                <a:ea typeface="+mn-ea"/>
-                <a:cs typeface="+mn-cs"/>
-              </a:rPr>
-              <a:t>, Leaflet)</a:t>
-            </a:r>
-          </a:p>
-          <a:p>
-            <a:r>
-              <a:rPr lang="en-US" sz="1200" b="0" kern="1200" dirty="0" smtClean="0">
-                <a:solidFill>
-                  <a:schemeClr val="tx1"/>
-                </a:solidFill>
-                <a:effectLst/>
-                <a:latin typeface="+mn-lt"/>
-                <a:ea typeface="+mn-ea"/>
-                <a:cs typeface="+mn-cs"/>
-              </a:rPr>
-              <a:t>HTML/ CSS</a:t>
-            </a:r>
-          </a:p>
-          <a:p>
-            <a:r>
-              <a:rPr lang="en-US" sz="1200" b="0" kern="1200" dirty="0" smtClean="0">
-                <a:solidFill>
-                  <a:schemeClr val="tx1"/>
-                </a:solidFill>
-                <a:effectLst/>
-                <a:latin typeface="+mn-lt"/>
-                <a:ea typeface="+mn-ea"/>
-                <a:cs typeface="+mn-cs"/>
-              </a:rPr>
-              <a:t>Excel</a:t>
-            </a:r>
-          </a:p>
-          <a:p>
+              <a:t>This slide is a layout of the project. We will go over the technologies as well as the data sources that we used to pull the data. Our team will provide a brief overview of the project as well as talk through how we cleaned up the data, created an ETL pipeline and created graphs from the data. We will also walk you through the website and show you the different interactive graphs that we created. At the end of the presentation, we will have time for any questions that you might have.</a:t>
+            </a:r>
             <a:endParaRPr lang="en-US" dirty="0"/>
           </a:p>
         </p:txBody>
@@ -2079,7 +2151,7 @@
           <a:p>
             <a:fld id="{228B34ED-4CDD-41C9-90F7-D768D5559A6F}" type="slidenum">
               <a:rPr lang="en-US" smtClean="0"/>
-              <a:t>4</a:t>
+              <a:t>3</a:t>
             </a:fld>
             <a:endParaRPr lang="en-US" dirty="0"/>
           </a:p>
@@ -2088,7 +2160,7 @@
     </p:spTree>
     <p:extLst>
       <p:ext uri="{BB962C8B-B14F-4D97-AF65-F5344CB8AC3E}">
-        <p14:creationId xmlns:p14="http://schemas.microsoft.com/office/powerpoint/2010/main" val="267414500"/>
+        <p14:creationId xmlns:p14="http://schemas.microsoft.com/office/powerpoint/2010/main" val="815311572"/>
       </p:ext>
     </p:extLst>
   </p:cSld>
@@ -2142,7 +2214,84 @@
           <a:bodyPr/>
           <a:lstStyle/>
           <a:p>
-            <a:endParaRPr lang="en-US" dirty="0"/>
+            <a:r>
+              <a:rPr lang="en-US" sz="1200" b="0" kern="1200" dirty="0" smtClean="0">
+                <a:solidFill>
+                  <a:schemeClr val="tx1"/>
+                </a:solidFill>
+                <a:effectLst/>
+                <a:latin typeface="+mn-lt"/>
+                <a:ea typeface="+mn-ea"/>
+                <a:cs typeface="+mn-cs"/>
+              </a:rPr>
+              <a:t>Cody – </a:t>
+            </a:r>
+          </a:p>
+          <a:p>
+            <a:r>
+              <a:rPr lang="en-US" sz="1200" b="0" i="0" kern="1200" dirty="0" smtClean="0">
+                <a:solidFill>
+                  <a:schemeClr val="tx1"/>
+                </a:solidFill>
+                <a:effectLst/>
+                <a:latin typeface="+mn-lt"/>
+                <a:ea typeface="+mn-ea"/>
+                <a:cs typeface="+mn-cs"/>
+              </a:rPr>
+              <a:t>The purpose of this project is to analyze the factors which impact salaries in the field of data analytics and to use this information to create a website  to assist job seekers in their </a:t>
+            </a:r>
+            <a:r>
+              <a:rPr lang="en-US" sz="1200" b="0" i="0" kern="1200" dirty="0" err="1" smtClean="0">
+                <a:solidFill>
+                  <a:schemeClr val="tx1"/>
+                </a:solidFill>
+                <a:effectLst/>
+                <a:latin typeface="+mn-lt"/>
+                <a:ea typeface="+mn-ea"/>
+                <a:cs typeface="+mn-cs"/>
+              </a:rPr>
+              <a:t>research.It’s</a:t>
+            </a:r>
+            <a:r>
+              <a:rPr lang="en-US" sz="1200" b="0" i="0" kern="1200" dirty="0" smtClean="0">
+                <a:solidFill>
+                  <a:schemeClr val="tx1"/>
+                </a:solidFill>
+                <a:effectLst/>
+                <a:latin typeface="+mn-lt"/>
+                <a:ea typeface="+mn-ea"/>
+                <a:cs typeface="+mn-cs"/>
+              </a:rPr>
+              <a:t> no secret that the coronavirus 2019 (COVID19) outbreak is deeply affecting the lives of millions around the world, both directly and indirectly. The United States alone has shed nearly 10 million jobs in the past two weeks due to the COVID-19 shutdown. Even though the job market might look bleak in some industries, the job market for data analysts is doing great right now with the expected job outlook to increase by 10%.</a:t>
+            </a:r>
+            <a:r>
+              <a:rPr lang="en-US" dirty="0" smtClean="0"/>
+              <a:t/>
+            </a:r>
+            <a:br>
+              <a:rPr lang="en-US" dirty="0" smtClean="0"/>
+            </a:br>
+            <a:r>
+              <a:rPr lang="en-US" sz="1200" b="0" i="0" kern="1200" dirty="0" smtClean="0">
+                <a:solidFill>
+                  <a:schemeClr val="tx1"/>
+                </a:solidFill>
+                <a:effectLst/>
+                <a:latin typeface="+mn-lt"/>
+                <a:ea typeface="+mn-ea"/>
+                <a:cs typeface="+mn-cs"/>
+              </a:rPr>
+              <a:t> We have created a website that precisely helps people look for data analyst jobs nationwide. Our website lets users get whole picture of data analysts job openings nationwide, including size of employer, location, industry and estimated salary range.</a:t>
+            </a:r>
+            <a:endParaRPr lang="en-US" sz="1200" b="0" kern="1200" dirty="0" smtClean="0">
+              <a:solidFill>
+                <a:schemeClr val="tx1"/>
+              </a:solidFill>
+              <a:effectLst/>
+              <a:latin typeface="+mn-lt"/>
+              <a:ea typeface="+mn-ea"/>
+              <a:cs typeface="+mn-cs"/>
+            </a:endParaRPr>
           </a:p>
         </p:txBody>
       </p:sp>
@@ -2153,7 +2302,7 @@
             <a:spLocks noGrp="1"/>
           </p:cNvSpPr>
           <p:nvPr>
-            <p:ph type="sldNum" sz="quarter" idx="10"/>
+            <p:ph type="sldNum" sz="quarter" idx="5"/>
           </p:nvPr>
         </p:nvSpPr>
         <p:spPr/>
@@ -2163,7 +2312,7 @@
           <a:p>
             <a:fld id="{228B34ED-4CDD-41C9-90F7-D768D5559A6F}" type="slidenum">
               <a:rPr lang="en-US" smtClean="0"/>
-              <a:t>5</a:t>
+              <a:t>4</a:t>
             </a:fld>
             <a:endParaRPr lang="en-US" dirty="0"/>
           </a:p>
@@ -2172,7 +2321,7 @@
     </p:spTree>
     <p:extLst>
       <p:ext uri="{BB962C8B-B14F-4D97-AF65-F5344CB8AC3E}">
-        <p14:creationId xmlns:p14="http://schemas.microsoft.com/office/powerpoint/2010/main" val="1360010445"/>
+        <p14:creationId xmlns:p14="http://schemas.microsoft.com/office/powerpoint/2010/main" val="1632949142"/>
       </p:ext>
     </p:extLst>
   </p:cSld>
@@ -2227,6 +2376,32 @@
           <a:lstStyle/>
           <a:p>
             <a:r>
+              <a:rPr lang="en-US" sz="1200" b="0" kern="1200" dirty="0" smtClean="0">
+                <a:solidFill>
+                  <a:schemeClr val="tx1"/>
+                </a:solidFill>
+                <a:effectLst/>
+                <a:latin typeface="+mn-lt"/>
+                <a:ea typeface="+mn-ea"/>
+                <a:cs typeface="+mn-cs"/>
+              </a:rPr>
+              <a:t>Dawn</a:t>
+            </a:r>
+            <a:r>
+              <a:rPr lang="en-US" sz="1200" b="0" kern="1200" baseline="0" dirty="0" smtClean="0">
+                <a:solidFill>
+                  <a:schemeClr val="tx1"/>
+                </a:solidFill>
+                <a:effectLst/>
+                <a:latin typeface="+mn-lt"/>
+                <a:ea typeface="+mn-ea"/>
+                <a:cs typeface="+mn-cs"/>
+              </a:rPr>
+              <a:t> –</a:t>
+            </a:r>
+          </a:p>
+          <a:p>
+            <a:r>
               <a:rPr lang="en-US" sz="1200" b="0" i="0" kern="1200" dirty="0" smtClean="0">
                 <a:solidFill>
                   <a:schemeClr val="tx1"/>
@@ -2236,10 +2411,20 @@
                 <a:ea typeface="+mn-ea"/>
                 <a:cs typeface="+mn-cs"/>
               </a:rPr>
-              <a:t>Start with questions</a:t>
-            </a:r>
-          </a:p>
-          <a:p>
+              <a:t>Slide 5  For our website, we used a data analyst dataset from </a:t>
+            </a:r>
+            <a:r>
+              <a:rPr lang="en-US" sz="1200" b="0" i="0" kern="1200" dirty="0" err="1" smtClean="0">
+                <a:solidFill>
+                  <a:schemeClr val="tx1"/>
+                </a:solidFill>
+                <a:effectLst/>
+                <a:latin typeface="+mn-lt"/>
+                <a:ea typeface="+mn-ea"/>
+                <a:cs typeface="+mn-cs"/>
+              </a:rPr>
+              <a:t>Kaggle</a:t>
+            </a:r>
             <a:r>
               <a:rPr lang="en-US" sz="1200" b="0" i="0" kern="1200" dirty="0" smtClean="0">
                 <a:solidFill>
@@ -2250,8 +2435,19 @@
                 <a:ea typeface="+mn-ea"/>
                 <a:cs typeface="+mn-cs"/>
               </a:rPr>
-              <a:t>Get the data you need</a:t>
-            </a:r>
+              <a:t>, containing salary ranges, location, company rating, job description and more for data analyst jobs in the United States.  Glass door was the source of the data which was created in 2020 – during the pandemic. Our dataset had more than 2000 rows and 16 columns. While going through our data we decided to focus our visualizations around job opening by location, employer's size and estimated range of salary.</a:t>
+            </a:r>
+          </a:p>
+          <a:p>
+            <a:endParaRPr lang="en-US" sz="1200" b="0" i="0" kern="1200" dirty="0" smtClean="0">
+              <a:solidFill>
+                <a:schemeClr val="tx1"/>
+              </a:solidFill>
+              <a:effectLst/>
+              <a:latin typeface="+mn-lt"/>
+              <a:ea typeface="+mn-ea"/>
+              <a:cs typeface="+mn-cs"/>
+            </a:endParaRPr>
           </a:p>
           <a:p>
             <a:r>
@@ -2264,10 +2460,27 @@
                 <a:ea typeface="+mn-ea"/>
                 <a:cs typeface="+mn-cs"/>
               </a:rPr>
-              <a:t>Choose how to visualize the data</a:t>
-            </a:r>
-          </a:p>
-          <a:p>
+              <a:t> </a:t>
+            </a:r>
+            <a:r>
+              <a:rPr lang="en-US" sz="1200" b="1" i="0" kern="1200" dirty="0" smtClean="0">
+                <a:solidFill>
+                  <a:schemeClr val="tx1"/>
+                </a:solidFill>
+                <a:effectLst/>
+                <a:latin typeface="+mn-lt"/>
+                <a:ea typeface="+mn-ea"/>
+                <a:cs typeface="+mn-cs"/>
+              </a:rPr>
+              <a:t>## Application:</a:t>
+            </a:r>
+            <a:r>
+              <a:rPr lang="en-US" dirty="0" smtClean="0"/>
+              <a:t/>
+            </a:r>
+            <a:br>
+              <a:rPr lang="en-US" dirty="0" smtClean="0"/>
+            </a:br>
             <a:r>
               <a:rPr lang="en-US" sz="1200" b="0" i="0" kern="1200" dirty="0" smtClean="0">
                 <a:solidFill>
@@ -2278,10 +2491,20 @@
                 <a:ea typeface="+mn-ea"/>
                 <a:cs typeface="+mn-cs"/>
               </a:rPr>
-              <a:t>View and explore it</a:t>
-            </a:r>
-          </a:p>
-          <a:p>
+              <a:t>Python (</a:t>
+            </a:r>
+            <a:r>
+              <a:rPr lang="en-US" sz="1200" b="0" i="0" kern="1200" dirty="0" err="1" smtClean="0">
+                <a:solidFill>
+                  <a:schemeClr val="tx1"/>
+                </a:solidFill>
+                <a:effectLst/>
+                <a:latin typeface="+mn-lt"/>
+                <a:ea typeface="+mn-ea"/>
+                <a:cs typeface="+mn-cs"/>
+              </a:rPr>
+              <a:t>Jupyter</a:t>
+            </a:r>
             <a:r>
               <a:rPr lang="en-US" sz="1200" b="0" i="0" kern="1200" dirty="0" smtClean="0">
                 <a:solidFill>
@@ -2292,10 +2515,15 @@
                 <a:ea typeface="+mn-ea"/>
                 <a:cs typeface="+mn-cs"/>
               </a:rPr>
-              <a:t>Develop insights</a:t>
-            </a:r>
-          </a:p>
-          <a:p>
+              <a:t> Notebook, Pandas)</a:t>
+            </a:r>
+            <a:r>
+              <a:rPr lang="en-US" dirty="0" smtClean="0"/>
+              <a:t/>
+            </a:r>
+            <a:br>
+              <a:rPr lang="en-US" dirty="0" smtClean="0"/>
+            </a:br>
             <a:r>
               <a:rPr lang="en-US" sz="1200" b="0" i="0" kern="1200" dirty="0" smtClean="0">
                 <a:solidFill>
@@ -2306,10 +2534,70 @@
                 <a:ea typeface="+mn-ea"/>
                 <a:cs typeface="+mn-cs"/>
               </a:rPr>
-              <a:t>Act on and share your findings</a:t>
-            </a:r>
-          </a:p>
-          <a:p>
+              <a:t>JavaScript Libraries (</a:t>
+            </a:r>
+            <a:r>
+              <a:rPr lang="en-US" sz="1200" b="0" i="0" kern="1200" dirty="0" err="1" smtClean="0">
+                <a:solidFill>
+                  <a:schemeClr val="tx1"/>
+                </a:solidFill>
+                <a:effectLst/>
+                <a:latin typeface="+mn-lt"/>
+                <a:ea typeface="+mn-ea"/>
+                <a:cs typeface="+mn-cs"/>
+              </a:rPr>
+              <a:t>Plotly</a:t>
+            </a:r>
+            <a:r>
+              <a:rPr lang="en-US" sz="1200" b="0" i="0" kern="1200" dirty="0" smtClean="0">
+                <a:solidFill>
+                  <a:schemeClr val="tx1"/>
+                </a:solidFill>
+                <a:effectLst/>
+                <a:latin typeface="+mn-lt"/>
+                <a:ea typeface="+mn-ea"/>
+                <a:cs typeface="+mn-cs"/>
+              </a:rPr>
+              <a:t>, Leaflet)</a:t>
+            </a:r>
+            <a:r>
+              <a:rPr lang="en-US" dirty="0" smtClean="0"/>
+              <a:t/>
+            </a:r>
+            <a:br>
+              <a:rPr lang="en-US" dirty="0" smtClean="0"/>
+            </a:br>
+            <a:r>
+              <a:rPr lang="en-US" sz="1200" b="0" i="0" kern="1200" dirty="0" smtClean="0">
+                <a:solidFill>
+                  <a:schemeClr val="tx1"/>
+                </a:solidFill>
+                <a:effectLst/>
+                <a:latin typeface="+mn-lt"/>
+                <a:ea typeface="+mn-ea"/>
+                <a:cs typeface="+mn-cs"/>
+              </a:rPr>
+              <a:t>HTML/ CSS</a:t>
+            </a:r>
+            <a:r>
+              <a:rPr lang="en-US" dirty="0" smtClean="0"/>
+              <a:t/>
+            </a:r>
+            <a:br>
+              <a:rPr lang="en-US" dirty="0" smtClean="0"/>
+            </a:br>
+            <a:r>
+              <a:rPr lang="en-US" sz="1200" b="0" i="0" kern="1200" dirty="0" smtClean="0">
+                <a:solidFill>
+                  <a:schemeClr val="tx1"/>
+                </a:solidFill>
+                <a:effectLst/>
+                <a:latin typeface="+mn-lt"/>
+                <a:ea typeface="+mn-ea"/>
+                <a:cs typeface="+mn-cs"/>
+              </a:rPr>
+              <a:t>Excel</a:t>
+            </a:r>
             <a:endParaRPr lang="en-US" dirty="0"/>
           </a:p>
         </p:txBody>
@@ -2331,7 +2619,7 @@
           <a:p>
             <a:fld id="{228B34ED-4CDD-41C9-90F7-D768D5559A6F}" type="slidenum">
               <a:rPr lang="en-US" smtClean="0"/>
-              <a:t>6</a:t>
+              <a:t>5</a:t>
             </a:fld>
             <a:endParaRPr lang="en-US" dirty="0"/>
           </a:p>
@@ -2340,7 +2628,7 @@
     </p:spTree>
     <p:extLst>
       <p:ext uri="{BB962C8B-B14F-4D97-AF65-F5344CB8AC3E}">
-        <p14:creationId xmlns:p14="http://schemas.microsoft.com/office/powerpoint/2010/main" val="1896015081"/>
+        <p14:creationId xmlns:p14="http://schemas.microsoft.com/office/powerpoint/2010/main" val="267414500"/>
       </p:ext>
     </p:extLst>
   </p:cSld>
@@ -2395,22 +2683,6 @@
           <a:lstStyle/>
           <a:p>
             <a:r>
-              <a:rPr lang="en-US" dirty="0" smtClean="0"/>
-              <a:t>We</a:t>
-            </a:r>
-            <a:r>
-              <a:rPr lang="en-US" baseline="0" dirty="0" smtClean="0"/>
-              <a:t> cleaned the data in </a:t>
-            </a:r>
-            <a:r>
-              <a:rPr lang="en-US" baseline="0" dirty="0" err="1" smtClean="0"/>
-              <a:t>jupyter</a:t>
-            </a:r>
-            <a:r>
-              <a:rPr lang="en-US" baseline="0" dirty="0" smtClean="0"/>
-              <a:t> notebook to allow for EDA. </a:t>
-            </a:r>
-            <a:r>
               <a:rPr lang="en-US" sz="1200" b="0" i="0" kern="1200" dirty="0" smtClean="0">
                 <a:solidFill>
                   <a:schemeClr val="tx1"/>
@@ -2420,7 +2692,123 @@
                 <a:ea typeface="+mn-ea"/>
                 <a:cs typeface="+mn-cs"/>
               </a:rPr>
-              <a:t> 80% of their time cleaning and manipulating data and only 20% of their time analyzing it.</a:t>
+              <a:t>Dawn</a:t>
+            </a:r>
+          </a:p>
+          <a:p>
+            <a:endParaRPr lang="en-US" sz="1200" b="0" i="0" kern="1200" dirty="0" smtClean="0">
+              <a:solidFill>
+                <a:schemeClr val="tx1"/>
+              </a:solidFill>
+              <a:effectLst/>
+              <a:latin typeface="+mn-lt"/>
+              <a:ea typeface="+mn-ea"/>
+              <a:cs typeface="+mn-cs"/>
+            </a:endParaRPr>
+          </a:p>
+          <a:p>
+            <a:r>
+              <a:rPr lang="en-US" sz="1200" b="0" i="0" kern="1200" dirty="0" smtClean="0">
+                <a:solidFill>
+                  <a:schemeClr val="tx1"/>
+                </a:solidFill>
+                <a:effectLst/>
+                <a:latin typeface="+mn-lt"/>
+                <a:ea typeface="+mn-ea"/>
+                <a:cs typeface="+mn-cs"/>
+              </a:rPr>
+              <a:t>A brief overview of how we approached the project. We cleaned the </a:t>
+            </a:r>
+            <a:r>
+              <a:rPr lang="en-US" sz="1200" b="0" i="0" kern="1200" dirty="0" err="1" smtClean="0">
+                <a:solidFill>
+                  <a:schemeClr val="tx1"/>
+                </a:solidFill>
+                <a:effectLst/>
+                <a:latin typeface="+mn-lt"/>
+                <a:ea typeface="+mn-ea"/>
+                <a:cs typeface="+mn-cs"/>
+              </a:rPr>
+              <a:t>Kaggle</a:t>
+            </a:r>
+            <a:r>
+              <a:rPr lang="en-US" sz="1200" b="0" i="0" kern="1200" dirty="0" smtClean="0">
+                <a:solidFill>
+                  <a:schemeClr val="tx1"/>
+                </a:solidFill>
+                <a:effectLst/>
+                <a:latin typeface="+mn-lt"/>
+                <a:ea typeface="+mn-ea"/>
+                <a:cs typeface="+mn-cs"/>
+              </a:rPr>
+              <a:t> Dataset. Created Visualizations using Python and </a:t>
+            </a:r>
+            <a:r>
+              <a:rPr lang="en-US" sz="1200" b="0" i="0" kern="1200" dirty="0" err="1" smtClean="0">
+                <a:solidFill>
+                  <a:schemeClr val="tx1"/>
+                </a:solidFill>
+                <a:effectLst/>
+                <a:latin typeface="+mn-lt"/>
+                <a:ea typeface="+mn-ea"/>
+                <a:cs typeface="+mn-cs"/>
+              </a:rPr>
+              <a:t>Plotly</a:t>
+            </a:r>
+            <a:r>
+              <a:rPr lang="en-US" sz="1200" b="0" i="0" kern="1200" dirty="0" smtClean="0">
+                <a:solidFill>
+                  <a:schemeClr val="tx1"/>
+                </a:solidFill>
+                <a:effectLst/>
+                <a:latin typeface="+mn-lt"/>
+                <a:ea typeface="+mn-ea"/>
+                <a:cs typeface="+mn-cs"/>
+              </a:rPr>
+              <a:t>.</a:t>
+            </a:r>
+            <a:r>
+              <a:rPr lang="en-US" dirty="0" smtClean="0"/>
+              <a:t/>
+            </a:r>
+            <a:br>
+              <a:rPr lang="en-US" dirty="0" smtClean="0"/>
+            </a:br>
+            <a:r>
+              <a:rPr lang="en-US" sz="1200" b="0" i="0" kern="1200" dirty="0" smtClean="0">
+                <a:solidFill>
+                  <a:schemeClr val="tx1"/>
+                </a:solidFill>
+                <a:effectLst/>
+                <a:latin typeface="+mn-lt"/>
+                <a:ea typeface="+mn-ea"/>
+                <a:cs typeface="+mn-cs"/>
+              </a:rPr>
+              <a:t>Created Webpages using HTML/CSS. Finally, we loaded the website on to </a:t>
+            </a:r>
+            <a:r>
+              <a:rPr lang="en-US" sz="1200" b="0" i="0" kern="1200" dirty="0" err="1" smtClean="0">
+                <a:solidFill>
+                  <a:schemeClr val="tx1"/>
+                </a:solidFill>
+                <a:effectLst/>
+                <a:latin typeface="+mn-lt"/>
+                <a:ea typeface="+mn-ea"/>
+                <a:cs typeface="+mn-cs"/>
+              </a:rPr>
+              <a:t>Github</a:t>
+            </a:r>
+            <a:r>
+              <a:rPr lang="en-US" sz="1200" b="0" i="0" kern="1200" dirty="0" smtClean="0">
+                <a:solidFill>
+                  <a:schemeClr val="tx1"/>
+                </a:solidFill>
+                <a:effectLst/>
+                <a:latin typeface="+mn-lt"/>
+                <a:ea typeface="+mn-ea"/>
+                <a:cs typeface="+mn-cs"/>
+              </a:rPr>
+              <a:t> Pages.</a:t>
             </a:r>
             <a:endParaRPr lang="en-US" dirty="0"/>
           </a:p>
@@ -2443,7 +2831,7 @@
           <a:p>
             <a:fld id="{228B34ED-4CDD-41C9-90F7-D768D5559A6F}" type="slidenum">
               <a:rPr lang="en-US" smtClean="0"/>
-              <a:t>7</a:t>
+              <a:t>6</a:t>
             </a:fld>
             <a:endParaRPr lang="en-US" dirty="0"/>
           </a:p>
@@ -2452,7 +2840,7 @@
     </p:spTree>
     <p:extLst>
       <p:ext uri="{BB962C8B-B14F-4D97-AF65-F5344CB8AC3E}">
-        <p14:creationId xmlns:p14="http://schemas.microsoft.com/office/powerpoint/2010/main" val="4275397299"/>
+        <p14:creationId xmlns:p14="http://schemas.microsoft.com/office/powerpoint/2010/main" val="1896015081"/>
       </p:ext>
     </p:extLst>
   </p:cSld>
@@ -2507,28 +2895,239 @@
           <a:lstStyle/>
           <a:p>
             <a:r>
+              <a:rPr lang="en-US" dirty="0" err="1" smtClean="0"/>
+              <a:t>Yuging</a:t>
+            </a:r>
+            <a:r>
               <a:rPr lang="en-US" dirty="0" smtClean="0"/>
-              <a:t>Use</a:t>
-            </a:r>
-            <a:r>
-              <a:rPr lang="en-US" baseline="0" dirty="0" smtClean="0"/>
-              <a:t> python in </a:t>
-            </a:r>
-            <a:r>
-              <a:rPr lang="en-US" baseline="0" dirty="0" err="1" smtClean="0"/>
-              <a:t>jupyter</a:t>
-            </a:r>
-            <a:r>
-              <a:rPr lang="en-US" baseline="0" dirty="0" smtClean="0"/>
-              <a:t> notebook to gain insights into the data before creating website. We were able to gather various insights from the data which we displayed in the webpage. Now we will go to </a:t>
-            </a:r>
-            <a:r>
-              <a:rPr lang="en-US" baseline="0" smtClean="0"/>
-              <a:t>the website</a:t>
-            </a:r>
-          </a:p>
-          <a:p>
-            <a:endParaRPr lang="en-US" dirty="0"/>
+              <a:t> – </a:t>
+            </a:r>
+          </a:p>
+          <a:p>
+            <a:r>
+              <a:rPr lang="en-US" sz="1200" b="0" i="0" kern="1200" dirty="0" smtClean="0">
+                <a:solidFill>
+                  <a:schemeClr val="tx1"/>
+                </a:solidFill>
+                <a:effectLst/>
+                <a:latin typeface="+mn-lt"/>
+                <a:ea typeface="+mn-ea"/>
+                <a:cs typeface="+mn-cs"/>
+              </a:rPr>
+              <a:t>we imported the csv file into Pandas and then prepared for dataset.</a:t>
+            </a:r>
+            <a:r>
+              <a:rPr lang="en-US" dirty="0" smtClean="0"/>
+              <a:t/>
+            </a:r>
+            <a:br>
+              <a:rPr lang="en-US" dirty="0" smtClean="0"/>
+            </a:br>
+            <a:r>
+              <a:rPr lang="en-US" sz="1200" b="0" i="0" kern="1200" dirty="0" smtClean="0">
+                <a:solidFill>
+                  <a:schemeClr val="tx1"/>
+                </a:solidFill>
+                <a:effectLst/>
+                <a:latin typeface="+mn-lt"/>
+                <a:ea typeface="+mn-ea"/>
+                <a:cs typeface="+mn-cs"/>
+              </a:rPr>
+              <a:t>First we check and detect if there is any missing value. Most of the time in the real world datasets, unknown and missing values are not easy to be recognized. when we explored dataset, we found there were -1 as value of rating, company. so we define </a:t>
+            </a:r>
+            <a:r>
+              <a:rPr lang="en-US" sz="1200" b="0" i="0" kern="1200" dirty="0" err="1" smtClean="0">
+                <a:solidFill>
+                  <a:schemeClr val="tx1"/>
+                </a:solidFill>
+                <a:effectLst/>
+                <a:latin typeface="+mn-lt"/>
+                <a:ea typeface="+mn-ea"/>
+                <a:cs typeface="+mn-cs"/>
+              </a:rPr>
+              <a:t>str</a:t>
+            </a:r>
+            <a:r>
+              <a:rPr lang="en-US" sz="1200" b="0" i="0" kern="1200" dirty="0" smtClean="0">
+                <a:solidFill>
+                  <a:schemeClr val="tx1"/>
+                </a:solidFill>
+                <a:effectLst/>
+                <a:latin typeface="+mn-lt"/>
+                <a:ea typeface="+mn-ea"/>
+                <a:cs typeface="+mn-cs"/>
+              </a:rPr>
+              <a:t> (-1)s and numeric and float types of (-1)s as missing values. and we  recheck missing values in our dataset and deleted all of N/</a:t>
+            </a:r>
+            <a:r>
+              <a:rPr lang="en-US" sz="1200" b="0" i="0" kern="1200" dirty="0" err="1" smtClean="0">
+                <a:solidFill>
+                  <a:schemeClr val="tx1"/>
+                </a:solidFill>
+                <a:effectLst/>
+                <a:latin typeface="+mn-lt"/>
+                <a:ea typeface="+mn-ea"/>
+                <a:cs typeface="+mn-cs"/>
+              </a:rPr>
+              <a:t>A.After</a:t>
+            </a:r>
+            <a:r>
+              <a:rPr lang="en-US" sz="1200" b="0" i="0" kern="1200" dirty="0" smtClean="0">
+                <a:solidFill>
+                  <a:schemeClr val="tx1"/>
+                </a:solidFill>
+                <a:effectLst/>
+                <a:latin typeface="+mn-lt"/>
+                <a:ea typeface="+mn-ea"/>
+                <a:cs typeface="+mn-cs"/>
+              </a:rPr>
+              <a:t> we were good with that, we realized even though we have information about the salary ('Salary Estimate'), it is not in the numeric </a:t>
+            </a:r>
+            <a:r>
+              <a:rPr lang="en-US" sz="1200" b="0" i="0" kern="1200" dirty="0" err="1" smtClean="0">
+                <a:solidFill>
+                  <a:schemeClr val="tx1"/>
+                </a:solidFill>
+                <a:effectLst/>
+                <a:latin typeface="+mn-lt"/>
+                <a:ea typeface="+mn-ea"/>
+                <a:cs typeface="+mn-cs"/>
+              </a:rPr>
+              <a:t>type,same</a:t>
+            </a:r>
+            <a:r>
+              <a:rPr lang="en-US" sz="1200" b="0" i="0" kern="1200" dirty="0" smtClean="0">
+                <a:solidFill>
+                  <a:schemeClr val="tx1"/>
+                </a:solidFill>
+                <a:effectLst/>
+                <a:latin typeface="+mn-lt"/>
+                <a:ea typeface="+mn-ea"/>
+                <a:cs typeface="+mn-cs"/>
+              </a:rPr>
+              <a:t> for 'Size' and 'Revenue'. We need to get rid of those $ and K signs, convert object type into numeric value and change range into min, max, to make our analysis more </a:t>
+            </a:r>
+            <a:r>
+              <a:rPr lang="en-US" sz="1200" b="0" i="0" kern="1200" dirty="0" err="1" smtClean="0">
+                <a:solidFill>
+                  <a:schemeClr val="tx1"/>
+                </a:solidFill>
+                <a:effectLst/>
+                <a:latin typeface="+mn-lt"/>
+                <a:ea typeface="+mn-ea"/>
+                <a:cs typeface="+mn-cs"/>
+              </a:rPr>
+              <a:t>compatiable.To</a:t>
+            </a:r>
+            <a:r>
+              <a:rPr lang="en-US" sz="1200" b="0" i="0" kern="1200" dirty="0" smtClean="0">
+                <a:solidFill>
+                  <a:schemeClr val="tx1"/>
+                </a:solidFill>
+                <a:effectLst/>
+                <a:latin typeface="+mn-lt"/>
+                <a:ea typeface="+mn-ea"/>
+                <a:cs typeface="+mn-cs"/>
+              </a:rPr>
+              <a:t> do that, we used method of </a:t>
+            </a:r>
+            <a:r>
+              <a:rPr lang="en-US" sz="1200" b="0" i="0" kern="1200" dirty="0" err="1" smtClean="0">
+                <a:solidFill>
+                  <a:schemeClr val="tx1"/>
+                </a:solidFill>
+                <a:effectLst/>
+                <a:latin typeface="+mn-lt"/>
+                <a:ea typeface="+mn-ea"/>
+                <a:cs typeface="+mn-cs"/>
+              </a:rPr>
+              <a:t>string.split</a:t>
+            </a:r>
+            <a:r>
+              <a:rPr lang="en-US" sz="1200" b="0" i="0" kern="1200" dirty="0" smtClean="0">
+                <a:solidFill>
+                  <a:schemeClr val="tx1"/>
+                </a:solidFill>
+                <a:effectLst/>
+                <a:latin typeface="+mn-lt"/>
+                <a:ea typeface="+mn-ea"/>
+                <a:cs typeface="+mn-cs"/>
+              </a:rPr>
+              <a:t> and </a:t>
+            </a:r>
+            <a:r>
+              <a:rPr lang="en-US" sz="1200" b="0" i="0" kern="1200" dirty="0" err="1" smtClean="0">
+                <a:solidFill>
+                  <a:schemeClr val="tx1"/>
+                </a:solidFill>
+                <a:effectLst/>
+                <a:latin typeface="+mn-lt"/>
+                <a:ea typeface="+mn-ea"/>
+                <a:cs typeface="+mn-cs"/>
+              </a:rPr>
+              <a:t>string.replace.To</a:t>
+            </a:r>
+            <a:r>
+              <a:rPr lang="en-US" sz="1200" b="0" i="0" kern="1200" dirty="0" smtClean="0">
+                <a:solidFill>
+                  <a:schemeClr val="tx1"/>
+                </a:solidFill>
+                <a:effectLst/>
+                <a:latin typeface="+mn-lt"/>
+                <a:ea typeface="+mn-ea"/>
+                <a:cs typeface="+mn-cs"/>
+              </a:rPr>
+              <a:t> get dataset into SQL and </a:t>
+            </a:r>
+            <a:r>
+              <a:rPr lang="en-US" sz="1200" b="0" i="0" kern="1200" dirty="0" err="1" smtClean="0">
+                <a:solidFill>
+                  <a:schemeClr val="tx1"/>
+                </a:solidFill>
+                <a:effectLst/>
+                <a:latin typeface="+mn-lt"/>
+                <a:ea typeface="+mn-ea"/>
+                <a:cs typeface="+mn-cs"/>
+              </a:rPr>
+              <a:t>json</a:t>
+            </a:r>
+            <a:r>
+              <a:rPr lang="en-US" sz="1200" b="0" i="0" kern="1200" dirty="0" smtClean="0">
+                <a:solidFill>
+                  <a:schemeClr val="tx1"/>
+                </a:solidFill>
+                <a:effectLst/>
+                <a:latin typeface="+mn-lt"/>
+                <a:ea typeface="+mn-ea"/>
+                <a:cs typeface="+mn-cs"/>
+              </a:rPr>
+              <a:t> file, we had to changed type of rating from decimal into varchar. because decimal object is not </a:t>
+            </a:r>
+            <a:r>
+              <a:rPr lang="en-US" sz="1200" b="0" i="0" kern="1200" dirty="0" err="1" smtClean="0">
+                <a:solidFill>
+                  <a:schemeClr val="tx1"/>
+                </a:solidFill>
+                <a:effectLst/>
+                <a:latin typeface="+mn-lt"/>
+                <a:ea typeface="+mn-ea"/>
+                <a:cs typeface="+mn-cs"/>
+              </a:rPr>
+              <a:t>json</a:t>
+            </a:r>
+            <a:r>
+              <a:rPr lang="en-US" sz="1200" b="0" i="0" kern="1200" dirty="0" smtClean="0">
+                <a:solidFill>
+                  <a:schemeClr val="tx1"/>
+                </a:solidFill>
+                <a:effectLst/>
+                <a:latin typeface="+mn-lt"/>
+                <a:ea typeface="+mn-ea"/>
+                <a:cs typeface="+mn-cs"/>
+              </a:rPr>
+              <a:t> serializable.</a:t>
+            </a:r>
+            <a:endParaRPr lang="en-US" dirty="0" smtClean="0"/>
           </a:p>
         </p:txBody>
       </p:sp>
@@ -2549,7 +3148,7 @@
           <a:p>
             <a:fld id="{228B34ED-4CDD-41C9-90F7-D768D5559A6F}" type="slidenum">
               <a:rPr lang="en-US" smtClean="0"/>
-              <a:t>8</a:t>
+              <a:t>7</a:t>
             </a:fld>
             <a:endParaRPr lang="en-US" dirty="0"/>
           </a:p>
@@ -2558,7 +3157,7 @@
     </p:spTree>
     <p:extLst>
       <p:ext uri="{BB962C8B-B14F-4D97-AF65-F5344CB8AC3E}">
-        <p14:creationId xmlns:p14="http://schemas.microsoft.com/office/powerpoint/2010/main" val="462987665"/>
+        <p14:creationId xmlns:p14="http://schemas.microsoft.com/office/powerpoint/2010/main" val="4275397299"/>
       </p:ext>
     </p:extLst>
   </p:cSld>
@@ -2613,9 +3212,35 @@
           <a:lstStyle/>
           <a:p>
             <a:r>
+              <a:rPr lang="en-US" dirty="0" err="1" smtClean="0"/>
+              <a:t>Yuging</a:t>
+            </a:r>
+            <a:endParaRPr lang="en-US" dirty="0" smtClean="0"/>
+          </a:p>
+          <a:p>
+            <a:r>
               <a:rPr lang="en-US" dirty="0" smtClean="0"/>
-              <a:t>Go to web page</a:t>
-            </a:r>
+              <a:t>Use</a:t>
+            </a:r>
+            <a:r>
+              <a:rPr lang="en-US" baseline="0" dirty="0" smtClean="0"/>
+              <a:t> python in </a:t>
+            </a:r>
+            <a:r>
+              <a:rPr lang="en-US" baseline="0" dirty="0" err="1" smtClean="0"/>
+              <a:t>jupyter</a:t>
+            </a:r>
+            <a:r>
+              <a:rPr lang="en-US" baseline="0" dirty="0" smtClean="0"/>
+              <a:t> notebook to gain insights into the data before creating website. We were able to gather various insights from the data which we displayed in the webpage</a:t>
+            </a:r>
+            <a:r>
+              <a:rPr lang="en-US" baseline="0" smtClean="0"/>
+              <a:t>. </a:t>
+            </a:r>
+            <a:endParaRPr lang="en-US" baseline="0" dirty="0" smtClean="0"/>
+          </a:p>
+          <a:p>
             <a:endParaRPr lang="en-US" dirty="0"/>
           </a:p>
         </p:txBody>
@@ -2637,7 +3262,7 @@
           <a:p>
             <a:fld id="{228B34ED-4CDD-41C9-90F7-D768D5559A6F}" type="slidenum">
               <a:rPr lang="en-US" smtClean="0"/>
-              <a:t>9</a:t>
+              <a:t>8</a:t>
             </a:fld>
             <a:endParaRPr lang="en-US" dirty="0"/>
           </a:p>
@@ -2646,7 +3271,7 @@
     </p:spTree>
     <p:extLst>
       <p:ext uri="{BB962C8B-B14F-4D97-AF65-F5344CB8AC3E}">
-        <p14:creationId xmlns:p14="http://schemas.microsoft.com/office/powerpoint/2010/main" val="4068037676"/>
+        <p14:creationId xmlns:p14="http://schemas.microsoft.com/office/powerpoint/2010/main" val="462987665"/>
       </p:ext>
     </p:extLst>
   </p:cSld>
@@ -2700,6 +3325,22 @@
           <a:bodyPr/>
           <a:lstStyle/>
           <a:p>
+            <a:r>
+              <a:rPr lang="en-US" dirty="0" smtClean="0"/>
+              <a:t>Once</a:t>
+            </a:r>
+            <a:r>
+              <a:rPr lang="en-US" baseline="0" dirty="0" smtClean="0"/>
+              <a:t> we completed the EDA we gained insights for what we wanted to show on the website.  Here you can see the html and </a:t>
+            </a:r>
+            <a:r>
+              <a:rPr lang="en-US" baseline="0" dirty="0" err="1" smtClean="0"/>
+              <a:t>css</a:t>
+            </a:r>
+            <a:r>
+              <a:rPr lang="en-US" baseline="0" dirty="0" smtClean="0"/>
+              <a:t> code.  The insights gained were salary by location, Job titles, Sectors and Industries hiring and salary distribution for example. </a:t>
+            </a:r>
             <a:endParaRPr lang="en-US" dirty="0"/>
           </a:p>
         </p:txBody>
@@ -2721,7 +3362,7 @@
           <a:p>
             <a:fld id="{228B34ED-4CDD-41C9-90F7-D768D5559A6F}" type="slidenum">
               <a:rPr lang="en-US" smtClean="0"/>
-              <a:t>11</a:t>
+              <a:t>9</a:t>
             </a:fld>
             <a:endParaRPr lang="en-US" dirty="0"/>
           </a:p>
@@ -2730,7 +3371,7 @@
     </p:spTree>
     <p:extLst>
       <p:ext uri="{BB962C8B-B14F-4D97-AF65-F5344CB8AC3E}">
-        <p14:creationId xmlns:p14="http://schemas.microsoft.com/office/powerpoint/2010/main" val="4165074275"/>
+        <p14:creationId xmlns:p14="http://schemas.microsoft.com/office/powerpoint/2010/main" val="4068037676"/>
       </p:ext>
     </p:extLst>
   </p:cSld>
@@ -7522,7 +8163,7 @@
           <p:nvPr/>
         </p:nvPicPr>
         <p:blipFill>
-          <a:blip r:embed="rId2"/>
+          <a:blip r:embed="rId3"/>
           <a:stretch>
             <a:fillRect/>
           </a:stretch>
@@ -7816,11 +8457,11 @@
           </p:nvPr>
         </p:nvPicPr>
         <p:blipFill rotWithShape="1">
-          <a:blip r:embed="rId2" cstate="email">
+          <a:blip r:embed="rId3" cstate="email">
             <a:extLst>
               <a:ext uri="{BEBA8EAE-BF5A-486C-A8C5-ECC9F3942E4B}">
                 <a14:imgProps xmlns:a14="http://schemas.microsoft.com/office/drawing/2010/main">
-                  <a14:imgLayer r:embed="rId3">
+                  <a14:imgLayer r:embed="rId4">
                     <a14:imgEffect>
                       <a14:saturation sat="0"/>
                     </a14:imgEffect>
@@ -7881,7 +8522,7 @@
           <p:nvPr/>
         </p:nvPicPr>
         <p:blipFill>
-          <a:blip r:embed="rId4"/>
+          <a:blip r:embed="rId5"/>
           <a:stretch>
             <a:fillRect/>
           </a:stretch>
@@ -7959,12 +8600,12 @@
           <p:nvPr/>
         </p:nvPicPr>
         <p:blipFill rotWithShape="1">
-          <a:blip r:embed="rId2">
+          <a:blip r:embed="rId3">
             <a:alphaModFix amt="52000"/>
             <a:extLst>
               <a:ext uri="{BEBA8EAE-BF5A-486C-A8C5-ECC9F3942E4B}">
                 <a14:imgProps xmlns:a14="http://schemas.microsoft.com/office/drawing/2010/main">
-                  <a14:imgLayer r:embed="rId3">
+                  <a14:imgLayer r:embed="rId4">
                     <a14:imgEffect>
                       <a14:saturation sat="0"/>
                     </a14:imgEffect>
@@ -8016,9 +8657,10 @@
           <a:lstStyle/>
           <a:p>
             <a:r>
-              <a:rPr lang="en-US" sz="4000" b="1" spc="300" dirty="0"/>
-              <a:t>THANK YOU</a:t>
-            </a:r>
+              <a:rPr lang="en-US" sz="4000" b="1" spc="300" dirty="0" smtClean="0"/>
+              <a:t>Q&amp;A</a:t>
+            </a:r>
+            <a:endParaRPr lang="en-US" sz="4000" b="1" spc="300" dirty="0"/>
           </a:p>
         </p:txBody>
       </p:sp>
@@ -8044,6 +8686,13 @@
       </p:transition>
     </mc:Fallback>
   </mc:AlternateContent>
+  <p:timing>
+    <p:tnLst>
+      <p:par>
+        <p:cTn id="1" dur="indefinite" restart="never" nodeType="tmRoot"/>
+      </p:par>
+    </p:tnLst>
+  </p:timing>
 </p:sld>
 </file>
 
@@ -8064,12 +8713,44 @@
           <a:chExt cx="0" cy="0"/>
         </a:xfrm>
       </p:grpSpPr>
+      <p:sp>
+        <p:nvSpPr>
+          <p:cNvPr id="12" name="Title 11">
+            <a:extLst>
+              <a:ext uri="{FF2B5EF4-FFF2-40B4-BE49-F238E27FC236}">
+                <a16:creationId xmlns:a16="http://schemas.microsoft.com/office/drawing/2014/main" id="{50AEA731-C7D0-4A0E-B871-4F369D8BEAC5}"/>
+              </a:ext>
+            </a:extLst>
+          </p:cNvPr>
+          <p:cNvSpPr>
+            <a:spLocks noGrp="1"/>
+          </p:cNvSpPr>
+          <p:nvPr>
+            <p:ph type="title"/>
+          </p:nvPr>
+        </p:nvSpPr>
+        <p:spPr/>
+        <p:txBody>
+          <a:bodyPr/>
+          <a:lstStyle/>
+          <a:p>
+            <a:pPr algn="ctr"/>
+            <a:r>
+              <a:rPr lang="en-US" b="1" u="sng" cap="none" dirty="0">
+                <a:latin typeface="Arial" panose="020B0604020202020204" pitchFamily="34" charset="0"/>
+                <a:cs typeface="Arial" panose="020B0604020202020204" pitchFamily="34" charset="0"/>
+              </a:rPr>
+              <a:t>Meet The Team</a:t>
+            </a:r>
+          </a:p>
+        </p:txBody>
+      </p:sp>
       <p:pic>
         <p:nvPicPr>
-          <p:cNvPr id="8" name="Picture Placeholder 7" descr="group of people at a conference table">
-            <a:extLst>
-              <a:ext uri="{FF2B5EF4-FFF2-40B4-BE49-F238E27FC236}">
-                <a16:creationId xmlns:a16="http://schemas.microsoft.com/office/drawing/2014/main" id="{BB76F5AB-0940-46E1-85F9-6A870D7D04C9}"/>
+          <p:cNvPr id="18" name="Picture Placeholder 17" descr="portrait">
+            <a:extLst>
+              <a:ext uri="{FF2B5EF4-FFF2-40B4-BE49-F238E27FC236}">
+                <a16:creationId xmlns:a16="http://schemas.microsoft.com/office/drawing/2014/main" id="{18BC2A5A-7F05-4444-8281-26D531194187}"/>
               </a:ext>
             </a:extLst>
           </p:cNvPr>
@@ -8077,163 +8758,186 @@
             <a:picLocks noGrp="1" noChangeAspect="1"/>
           </p:cNvPicPr>
           <p:nvPr>
-            <p:ph type="pic" sz="quarter" idx="13"/>
+            <p:ph type="pic" sz="quarter" idx="16"/>
           </p:nvPr>
         </p:nvPicPr>
         <p:blipFill rotWithShape="1">
-          <a:blip r:embed="rId2">
+          <a:blip r:embed="rId3" cstate="email">
+            <a:grayscl/>
+            <a:extLst>
+              <a:ext uri="{28A0092B-C50C-407E-A947-70E740481C1C}">
+                <a14:useLocalDpi xmlns:a14="http://schemas.microsoft.com/office/drawing/2010/main"/>
+              </a:ext>
+            </a:extLst>
+          </a:blip>
+          <a:srcRect t="5389" b="5389"/>
+          <a:stretch/>
+        </p:blipFill>
+        <p:spPr>
+          <a:xfrm>
+            <a:off x="4005808" y="515232"/>
+            <a:ext cx="2997200" cy="1781979"/>
+          </a:xfrm>
+        </p:spPr>
+      </p:pic>
+      <p:pic>
+        <p:nvPicPr>
+          <p:cNvPr id="22" name="Picture Placeholder 21" descr="portrait">
+            <a:extLst>
+              <a:ext uri="{FF2B5EF4-FFF2-40B4-BE49-F238E27FC236}">
+                <a16:creationId xmlns:a16="http://schemas.microsoft.com/office/drawing/2014/main" id="{AF3616EE-41A1-44FC-B25A-038F0C3213D4}"/>
+              </a:ext>
+            </a:extLst>
+          </p:cNvPr>
+          <p:cNvPicPr>
+            <a:picLocks noGrp="1" noChangeAspect="1"/>
+          </p:cNvPicPr>
+          <p:nvPr>
+            <p:ph type="pic" sz="quarter" idx="17"/>
+          </p:nvPr>
+        </p:nvPicPr>
+        <p:blipFill rotWithShape="1">
+          <a:blip r:embed="rId4" cstate="email">
             <a:extLst>
               <a:ext uri="{BEBA8EAE-BF5A-486C-A8C5-ECC9F3942E4B}">
                 <a14:imgProps xmlns:a14="http://schemas.microsoft.com/office/drawing/2010/main">
-                  <a14:imgLayer r:embed="rId3">
+                  <a14:imgLayer r:embed="rId5">
                     <a14:imgEffect>
                       <a14:saturation sat="0"/>
                     </a14:imgEffect>
                   </a14:imgLayer>
                 </a14:imgProps>
               </a:ext>
+              <a:ext uri="{28A0092B-C50C-407E-A947-70E740481C1C}">
+                <a14:useLocalDpi xmlns:a14="http://schemas.microsoft.com/office/drawing/2010/main"/>
+              </a:ext>
             </a:extLst>
           </a:blip>
-          <a:srcRect l="20370" r="20370"/>
+          <a:srcRect t="5389" b="5389"/>
           <a:stretch/>
         </p:blipFill>
         <p:spPr/>
       </p:pic>
       <p:sp>
         <p:nvSpPr>
-          <p:cNvPr id="6" name="Text Placeholder 5">
-            <a:extLst>
-              <a:ext uri="{FF2B5EF4-FFF2-40B4-BE49-F238E27FC236}">
-                <a16:creationId xmlns:a16="http://schemas.microsoft.com/office/drawing/2014/main" id="{F3C89A40-EEAA-43AB-9A3A-B2CFDE450F1B}"/>
-              </a:ext>
-            </a:extLst>
-          </p:cNvPr>
-          <p:cNvSpPr>
-            <a:spLocks noGrp="1"/>
-          </p:cNvSpPr>
-          <p:nvPr>
-            <p:ph type="body" sz="quarter" idx="15"/>
+          <p:cNvPr id="13" name="Content Placeholder 12">
+            <a:extLst>
+              <a:ext uri="{FF2B5EF4-FFF2-40B4-BE49-F238E27FC236}">
+                <a16:creationId xmlns:a16="http://schemas.microsoft.com/office/drawing/2014/main" id="{A4E49AC7-7A73-4B51-BDF6-EABA3162F4B7}"/>
+              </a:ext>
+            </a:extLst>
+          </p:cNvPr>
+          <p:cNvSpPr>
+            <a:spLocks noGrp="1"/>
+          </p:cNvSpPr>
+          <p:nvPr>
+            <p:ph idx="1"/>
           </p:nvPr>
         </p:nvSpPr>
         <p:spPr>
           <a:xfrm>
-            <a:off x="6494585" y="982488"/>
-            <a:ext cx="5498632" cy="4353306"/>
+            <a:off x="7792279" y="1263841"/>
+            <a:ext cx="4018722" cy="2624578"/>
           </a:xfrm>
         </p:spPr>
         <p:txBody>
-          <a:bodyPr/>
+          <a:bodyPr>
+            <a:normAutofit/>
+          </a:bodyPr>
           <a:lstStyle/>
           <a:p>
-            <a:pPr marL="342900" indent="-342900">
-              <a:buFont typeface="Wingdings" panose="05000000000000000000" pitchFamily="2" charset="2"/>
-              <a:buChar char="q"/>
+            <a:pPr marL="0" indent="0" algn="ctr">
+              <a:buNone/>
             </a:pPr>
+            <a:r>
+              <a:rPr lang="en-US" sz="2000" b="1" spc="300" dirty="0">
+                <a:latin typeface="Arial" panose="020B0604020202020204" pitchFamily="34" charset="0"/>
+                <a:cs typeface="Arial" panose="020B0604020202020204" pitchFamily="34" charset="0"/>
+              </a:rPr>
+              <a:t>MICHELLE DAVIS</a:t>
+            </a:r>
+          </a:p>
+          <a:p>
+            <a:pPr marL="0" indent="0" algn="ctr">
+              <a:buNone/>
+            </a:pPr>
+            <a:r>
+              <a:rPr lang="en-US" sz="2000" b="1" spc="300" dirty="0">
+                <a:latin typeface="Arial" panose="020B0604020202020204" pitchFamily="34" charset="0"/>
+                <a:cs typeface="Arial" panose="020B0604020202020204" pitchFamily="34" charset="0"/>
+              </a:rPr>
+              <a:t>YUQING HUANG</a:t>
+            </a:r>
+          </a:p>
+          <a:p>
+            <a:pPr marL="0" indent="0" algn="ctr">
+              <a:buNone/>
+            </a:pPr>
+            <a:r>
+              <a:rPr lang="en-US" sz="2000" b="1" spc="300" dirty="0">
+                <a:latin typeface="Arial" panose="020B0604020202020204" pitchFamily="34" charset="0"/>
+                <a:cs typeface="Arial" panose="020B0604020202020204" pitchFamily="34" charset="0"/>
+              </a:rPr>
+              <a:t>DAWN</a:t>
+            </a:r>
             <a:r>
               <a:rPr lang="en-US" sz="2000" b="1" dirty="0">
                 <a:latin typeface="Arial" panose="020B0604020202020204" pitchFamily="34" charset="0"/>
                 <a:cs typeface="Arial" panose="020B0604020202020204" pitchFamily="34" charset="0"/>
               </a:rPr>
-              <a:t>Introduction</a:t>
-            </a:r>
-          </a:p>
-          <a:p>
-            <a:pPr marL="342900" indent="-342900">
-              <a:buFont typeface="Wingdings" panose="05000000000000000000" pitchFamily="2" charset="2"/>
-              <a:buChar char="q"/>
+              <a:t> WASHINGTON</a:t>
+            </a:r>
+            <a:endParaRPr lang="en-US" sz="2000" b="1" spc="300" dirty="0">
+              <a:latin typeface="Arial" panose="020B0604020202020204" pitchFamily="34" charset="0"/>
+              <a:cs typeface="Arial" panose="020B0604020202020204" pitchFamily="34" charset="0"/>
+            </a:endParaRPr>
+          </a:p>
+          <a:p>
+            <a:pPr marL="0" indent="0" algn="ctr">
+              <a:buNone/>
             </a:pPr>
             <a:r>
-              <a:rPr lang="en-US" sz="2000" b="1" dirty="0">
+              <a:rPr lang="en-US" sz="2000" b="1" spc="300" dirty="0">
                 <a:latin typeface="Arial" panose="020B0604020202020204" pitchFamily="34" charset="0"/>
                 <a:cs typeface="Arial" panose="020B0604020202020204" pitchFamily="34" charset="0"/>
               </a:rPr>
-              <a:t>Team</a:t>
-            </a:r>
-          </a:p>
-          <a:p>
-            <a:pPr marL="342900" indent="-342900">
-              <a:buFont typeface="Wingdings" panose="05000000000000000000" pitchFamily="2" charset="2"/>
-              <a:buChar char="q"/>
+              <a:t>CODY GARDNER</a:t>
+            </a:r>
+          </a:p>
+          <a:p>
+            <a:pPr marL="0" indent="0" algn="ctr">
+              <a:lnSpc>
+                <a:spcPct val="100000"/>
+              </a:lnSpc>
+              <a:buNone/>
             </a:pPr>
-            <a:r>
-              <a:rPr lang="en-US" sz="2000" b="1" dirty="0">
-                <a:latin typeface="Arial" panose="020B0604020202020204" pitchFamily="34" charset="0"/>
-                <a:cs typeface="Arial" panose="020B0604020202020204" pitchFamily="34" charset="0"/>
-              </a:rPr>
-              <a:t>Technologies/Data Source</a:t>
-            </a:r>
-          </a:p>
-          <a:p>
-            <a:pPr marL="342900" indent="-342900">
-              <a:buFont typeface="Wingdings" panose="05000000000000000000" pitchFamily="2" charset="2"/>
-              <a:buChar char="q"/>
+            <a:endParaRPr lang="en-US" sz="2000" dirty="0">
+              <a:latin typeface="Arial" panose="020B0604020202020204" pitchFamily="34" charset="0"/>
+              <a:cs typeface="Arial" panose="020B0604020202020204" pitchFamily="34" charset="0"/>
+            </a:endParaRPr>
+          </a:p>
+          <a:p>
+            <a:pPr marL="0" indent="0">
+              <a:buNone/>
             </a:pPr>
-            <a:r>
-              <a:rPr lang="en-US" sz="2000" b="1" dirty="0">
-                <a:latin typeface="Arial" panose="020B0604020202020204" pitchFamily="34" charset="0"/>
-                <a:cs typeface="Arial" panose="020B0604020202020204" pitchFamily="34" charset="0"/>
-              </a:rPr>
-              <a:t>Project Overview</a:t>
-            </a:r>
-          </a:p>
-          <a:p>
-            <a:pPr marL="342900" indent="-342900">
-              <a:buFont typeface="Wingdings" panose="05000000000000000000" pitchFamily="2" charset="2"/>
-              <a:buChar char="q"/>
-            </a:pPr>
-            <a:r>
-              <a:rPr lang="en-US" sz="2000" b="1" dirty="0">
-                <a:latin typeface="Arial" panose="020B0604020202020204" pitchFamily="34" charset="0"/>
-                <a:cs typeface="Arial" panose="020B0604020202020204" pitchFamily="34" charset="0"/>
-              </a:rPr>
-              <a:t>Development Process</a:t>
-            </a:r>
-          </a:p>
-          <a:p>
-            <a:pPr marL="342900" indent="-342900">
-              <a:buFont typeface="Wingdings" panose="05000000000000000000" pitchFamily="2" charset="2"/>
-              <a:buChar char="q"/>
-            </a:pPr>
-            <a:r>
-              <a:rPr lang="en-US" sz="2000" b="1" dirty="0">
-                <a:latin typeface="Arial" panose="020B0604020202020204" pitchFamily="34" charset="0"/>
-                <a:cs typeface="Arial" panose="020B0604020202020204" pitchFamily="34" charset="0"/>
-              </a:rPr>
-              <a:t>Website</a:t>
-            </a:r>
-          </a:p>
-          <a:p>
-            <a:pPr marL="342900" indent="-342900">
-              <a:buFont typeface="Wingdings" panose="05000000000000000000" pitchFamily="2" charset="2"/>
-              <a:buChar char="q"/>
-            </a:pPr>
-            <a:r>
-              <a:rPr lang="en-US" sz="2000" b="1" dirty="0">
-                <a:latin typeface="Arial" panose="020B0604020202020204" pitchFamily="34" charset="0"/>
-                <a:cs typeface="Arial" panose="020B0604020202020204" pitchFamily="34" charset="0"/>
-              </a:rPr>
-              <a:t>Summary</a:t>
-            </a:r>
-          </a:p>
-          <a:p>
-            <a:endParaRPr lang="en-US" dirty="0"/>
-          </a:p>
-        </p:txBody>
-      </p:sp>
-      <p:sp>
-        <p:nvSpPr>
-          <p:cNvPr id="7" name="Slide Number Placeholder 6">
-            <a:extLst>
-              <a:ext uri="{FF2B5EF4-FFF2-40B4-BE49-F238E27FC236}">
-                <a16:creationId xmlns:a16="http://schemas.microsoft.com/office/drawing/2014/main" id="{F29F8048-1E86-48F4-B246-D2F8C54B7EB1}"/>
-              </a:ext>
-            </a:extLst>
-          </p:cNvPr>
-          <p:cNvSpPr>
-            <a:spLocks noGrp="1"/>
-          </p:cNvSpPr>
-          <p:nvPr>
-            <p:ph type="sldNum" sz="quarter" idx="12"/>
+            <a:endParaRPr lang="en-US" sz="1500" dirty="0"/>
+          </a:p>
+        </p:txBody>
+      </p:sp>
+      <p:sp>
+        <p:nvSpPr>
+          <p:cNvPr id="6" name="Slide Number Placeholder 5">
+            <a:extLst>
+              <a:ext uri="{FF2B5EF4-FFF2-40B4-BE49-F238E27FC236}">
+                <a16:creationId xmlns:a16="http://schemas.microsoft.com/office/drawing/2014/main" id="{929F2A82-A1C3-4571-9ED3-A0EC079893EC}"/>
+              </a:ext>
+            </a:extLst>
+          </p:cNvPr>
+          <p:cNvSpPr>
+            <a:spLocks noGrp="1"/>
+          </p:cNvSpPr>
+          <p:nvPr>
+            <p:ph type="sldNum" sz="quarter" idx="4"/>
           </p:nvPr>
         </p:nvSpPr>
         <p:spPr/>
@@ -8243,26 +8947,94 @@
           <a:p>
             <a:fld id="{8C2E478F-E849-4A8C-AF1F-CBCC78A7CBFA}" type="slidenum">
               <a:rPr lang="en-US" smtClean="0"/>
-              <a:pPr/>
               <a:t>2</a:t>
             </a:fld>
             <a:endParaRPr lang="en-US" dirty="0"/>
           </a:p>
         </p:txBody>
       </p:sp>
+      <p:pic>
+        <p:nvPicPr>
+          <p:cNvPr id="5" name="Picture Placeholder 4">
+            <a:extLst>
+              <a:ext uri="{FF2B5EF4-FFF2-40B4-BE49-F238E27FC236}">
+                <a16:creationId xmlns:a16="http://schemas.microsoft.com/office/drawing/2014/main" id="{8721CA53-694C-477A-8858-99E3051F171A}"/>
+              </a:ext>
+            </a:extLst>
+          </p:cNvPr>
+          <p:cNvPicPr>
+            <a:picLocks noGrp="1" noChangeAspect="1"/>
+          </p:cNvPicPr>
+          <p:nvPr>
+            <p:ph type="pic" sz="quarter" idx="14"/>
+          </p:nvPr>
+        </p:nvPicPr>
+        <p:blipFill>
+          <a:blip r:embed="rId6"/>
+          <a:srcRect t="20260" b="20260"/>
+          <a:stretch>
+            <a:fillRect/>
+          </a:stretch>
+        </p:blipFill>
+        <p:spPr>
+          <a:xfrm>
+            <a:off x="822877" y="2422525"/>
+            <a:ext cx="2824641" cy="1604313"/>
+          </a:xfrm>
+        </p:spPr>
+      </p:pic>
+      <p:pic>
+        <p:nvPicPr>
+          <p:cNvPr id="7" name="Picture Placeholder 6">
+            <a:extLst>
+              <a:ext uri="{FF2B5EF4-FFF2-40B4-BE49-F238E27FC236}">
+                <a16:creationId xmlns:a16="http://schemas.microsoft.com/office/drawing/2014/main" id="{7DE2A403-1DBC-4B31-B5C9-722C2BDF1B03}"/>
+              </a:ext>
+            </a:extLst>
+          </p:cNvPr>
+          <p:cNvPicPr>
+            <a:picLocks noGrp="1" noChangeAspect="1"/>
+          </p:cNvPicPr>
+          <p:nvPr>
+            <p:ph type="pic" sz="quarter" idx="15"/>
+          </p:nvPr>
+        </p:nvPicPr>
+        <p:blipFill>
+          <a:blip r:embed="rId7"/>
+          <a:srcRect t="22700" b="22700"/>
+          <a:stretch>
+            <a:fillRect/>
+          </a:stretch>
+        </p:blipFill>
+        <p:spPr>
+          <a:xfrm>
+            <a:off x="885402" y="515232"/>
+            <a:ext cx="2699593" cy="1657813"/>
+          </a:xfrm>
+        </p:spPr>
+      </p:pic>
     </p:spTree>
     <p:extLst>
       <p:ext uri="{BB962C8B-B14F-4D97-AF65-F5344CB8AC3E}">
-        <p14:creationId xmlns:p14="http://schemas.microsoft.com/office/powerpoint/2010/main" val="1649098948"/>
+        <p14:creationId xmlns:p14="http://schemas.microsoft.com/office/powerpoint/2010/main" val="2720361709"/>
       </p:ext>
     </p:extLst>
   </p:cSld>
   <p:clrMapOvr>
     <a:masterClrMapping/>
   </p:clrMapOvr>
-  <p:transition spd="slow">
-    <p:push dir="u"/>
-  </p:transition>
+  <mc:AlternateContent xmlns:mc="http://schemas.openxmlformats.org/markup-compatibility/2006" xmlns:p14="http://schemas.microsoft.com/office/powerpoint/2010/main">
+    <mc:Choice Requires="p14">
+      <p:transition spd="slow" p14:dur="3400">
+        <p14:reveal/>
+      </p:transition>
+    </mc:Choice>
+    <mc:Fallback xmlns="">
+      <p:transition spd="slow">
+        <p:fade/>
+      </p:transition>
+    </mc:Fallback>
+  </mc:AlternateContent>
   <p:timing>
     <p:tnLst>
       <p:par>
@@ -8290,49 +9062,12 @@
           <a:chExt cx="0" cy="0"/>
         </a:xfrm>
       </p:grpSpPr>
-      <p:sp>
-        <p:nvSpPr>
-          <p:cNvPr id="8" name="Title 7">
-            <a:extLst>
-              <a:ext uri="{FF2B5EF4-FFF2-40B4-BE49-F238E27FC236}">
-                <a16:creationId xmlns:a16="http://schemas.microsoft.com/office/drawing/2014/main" id="{103950CF-5BF2-4FB0-A36C-48C194F39E12}"/>
-              </a:ext>
-            </a:extLst>
-          </p:cNvPr>
-          <p:cNvSpPr>
-            <a:spLocks noGrp="1"/>
-          </p:cNvSpPr>
-          <p:nvPr>
-            <p:ph type="title"/>
-          </p:nvPr>
-        </p:nvSpPr>
-        <p:spPr>
-          <a:xfrm>
-            <a:off x="5874025" y="661900"/>
-            <a:ext cx="5897218" cy="884238"/>
-          </a:xfrm>
-        </p:spPr>
-        <p:txBody>
-          <a:bodyPr/>
-          <a:lstStyle/>
-          <a:p>
-            <a:pPr algn="ctr"/>
-            <a:r>
-              <a:rPr lang="en-US" b="1" u="sng" cap="none" dirty="0">
-                <a:latin typeface="Arial" panose="020B0604020202020204" pitchFamily="34" charset="0"/>
-                <a:cs typeface="Arial" panose="020B0604020202020204" pitchFamily="34" charset="0"/>
-              </a:rPr>
-              <a:t>Introduction</a:t>
-            </a:r>
-          </a:p>
-        </p:txBody>
-      </p:sp>
       <p:pic>
         <p:nvPicPr>
-          <p:cNvPr id="5" name="Picture Placeholder 4" descr="table with various people working on their laptops">
-            <a:extLst>
-              <a:ext uri="{FF2B5EF4-FFF2-40B4-BE49-F238E27FC236}">
-                <a16:creationId xmlns:a16="http://schemas.microsoft.com/office/drawing/2014/main" id="{A0280051-D7F1-4438-B815-F0FF4906D141}"/>
+          <p:cNvPr id="8" name="Picture Placeholder 7" descr="group of people at a conference table">
+            <a:extLst>
+              <a:ext uri="{FF2B5EF4-FFF2-40B4-BE49-F238E27FC236}">
+                <a16:creationId xmlns:a16="http://schemas.microsoft.com/office/drawing/2014/main" id="{BB76F5AB-0940-46E1-85F9-6A870D7D04C9}"/>
               </a:ext>
             </a:extLst>
           </p:cNvPr>
@@ -8340,11 +9075,11 @@
             <a:picLocks noGrp="1" noChangeAspect="1"/>
           </p:cNvPicPr>
           <p:nvPr>
-            <p:ph type="pic" sz="quarter" idx="14"/>
+            <p:ph type="pic" sz="quarter" idx="13"/>
           </p:nvPr>
         </p:nvPicPr>
         <p:blipFill rotWithShape="1">
-          <a:blip r:embed="rId3" cstate="email">
+          <a:blip r:embed="rId3">
             <a:extLst>
               <a:ext uri="{BEBA8EAE-BF5A-486C-A8C5-ECC9F3942E4B}">
                 <a14:imgProps xmlns:a14="http://schemas.microsoft.com/office/drawing/2010/main">
@@ -8355,151 +9090,146 @@
                   </a14:imgLayer>
                 </a14:imgProps>
               </a:ext>
-              <a:ext uri="{28A0092B-C50C-407E-A947-70E740481C1C}">
-                <a14:useLocalDpi xmlns:a14="http://schemas.microsoft.com/office/drawing/2010/main"/>
-              </a:ext>
             </a:extLst>
           </a:blip>
-          <a:srcRect l="23617" r="23617"/>
+          <a:srcRect l="20370" r="20370"/>
           <a:stretch/>
         </p:blipFill>
-        <p:spPr>
-          <a:noFill/>
-        </p:spPr>
+        <p:spPr/>
       </p:pic>
       <p:sp>
         <p:nvSpPr>
-          <p:cNvPr id="10" name="Text Placeholder 9">
-            <a:extLst>
-              <a:ext uri="{FF2B5EF4-FFF2-40B4-BE49-F238E27FC236}">
-                <a16:creationId xmlns:a16="http://schemas.microsoft.com/office/drawing/2014/main" id="{255FA470-23EB-4512-8FFB-28DDAB08B002}"/>
-              </a:ext>
-            </a:extLst>
-          </p:cNvPr>
-          <p:cNvSpPr>
-            <a:spLocks noGrp="1"/>
-          </p:cNvSpPr>
-          <p:nvPr>
-            <p:ph type="body" sz="quarter" idx="16"/>
+          <p:cNvPr id="6" name="Text Placeholder 5">
+            <a:extLst>
+              <a:ext uri="{FF2B5EF4-FFF2-40B4-BE49-F238E27FC236}">
+                <a16:creationId xmlns:a16="http://schemas.microsoft.com/office/drawing/2014/main" id="{F3C89A40-EEAA-43AB-9A3A-B2CFDE450F1B}"/>
+              </a:ext>
+            </a:extLst>
+          </p:cNvPr>
+          <p:cNvSpPr>
+            <a:spLocks noGrp="1"/>
+          </p:cNvSpPr>
+          <p:nvPr>
+            <p:ph type="body" sz="quarter" idx="15"/>
           </p:nvPr>
         </p:nvSpPr>
         <p:spPr>
           <a:xfrm>
-            <a:off x="6225539" y="1546138"/>
-            <a:ext cx="5069990" cy="706732"/>
+            <a:off x="6494585" y="982488"/>
+            <a:ext cx="5498632" cy="4353306"/>
           </a:xfrm>
         </p:spPr>
         <p:txBody>
           <a:bodyPr/>
           <a:lstStyle/>
           <a:p>
-            <a:r>
-              <a:rPr lang="en-US" b="1" dirty="0"/>
-              <a:t>So You Are Looking For A Data Analyst Job?</a:t>
-            </a:r>
-          </a:p>
-        </p:txBody>
-      </p:sp>
-      <p:sp>
-        <p:nvSpPr>
-          <p:cNvPr id="9" name="Content Placeholder 8">
-            <a:extLst>
-              <a:ext uri="{FF2B5EF4-FFF2-40B4-BE49-F238E27FC236}">
-                <a16:creationId xmlns:a16="http://schemas.microsoft.com/office/drawing/2014/main" id="{256319DF-036A-473B-95D3-C5F6FF849FD4}"/>
-              </a:ext>
-            </a:extLst>
-          </p:cNvPr>
-          <p:cNvSpPr>
-            <a:spLocks noGrp="1"/>
-          </p:cNvSpPr>
-          <p:nvPr>
-            <p:ph idx="1"/>
-          </p:nvPr>
-        </p:nvSpPr>
-        <p:spPr>
-          <a:xfrm>
-            <a:off x="6096000" y="2430376"/>
-            <a:ext cx="5897217" cy="2828050"/>
-          </a:xfrm>
-        </p:spPr>
-        <p:txBody>
-          <a:bodyPr>
-            <a:normAutofit fontScale="92500" lnSpcReduction="20000"/>
-          </a:bodyPr>
-          <a:lstStyle/>
-          <a:p>
-            <a:pPr marL="0" indent="0" algn="ctr">
-              <a:buNone/>
+            <a:pPr marL="342900" indent="-342900">
+              <a:buFont typeface="Wingdings" panose="05000000000000000000" pitchFamily="2" charset="2"/>
+              <a:buChar char="q"/>
             </a:pPr>
             <a:r>
-              <a:rPr lang="en-US" sz="1700" b="1" dirty="0">
+              <a:rPr lang="en-US" sz="2000" b="1" dirty="0">
                 <a:latin typeface="Arial" panose="020B0604020202020204" pitchFamily="34" charset="0"/>
                 <a:cs typeface="Arial" panose="020B0604020202020204" pitchFamily="34" charset="0"/>
               </a:rPr>
-              <a:t>The pandemic resulted in many people losing and looking for jobs.  The Data Analyst Job Search Website makes it possible to target your job search based on:</a:t>
-            </a:r>
-          </a:p>
-          <a:p>
-            <a:pPr marL="0" indent="0" algn="ctr">
-              <a:buNone/>
+              <a:t>Introduction</a:t>
+            </a:r>
+          </a:p>
+          <a:p>
+            <a:pPr marL="342900" indent="-342900">
+              <a:buFont typeface="Wingdings" panose="05000000000000000000" pitchFamily="2" charset="2"/>
+              <a:buChar char="q"/>
             </a:pPr>
             <a:r>
-              <a:rPr lang="en-US" sz="1700" b="1" dirty="0">
+              <a:rPr lang="en-US" sz="2000" b="1" dirty="0" smtClean="0">
                 <a:latin typeface="Arial" panose="020B0604020202020204" pitchFamily="34" charset="0"/>
                 <a:cs typeface="Arial" panose="020B0604020202020204" pitchFamily="34" charset="0"/>
               </a:rPr>
-              <a:t>Location</a:t>
-            </a:r>
-          </a:p>
-          <a:p>
-            <a:pPr marL="0" indent="0" algn="ctr">
-              <a:buNone/>
-            </a:pPr>
-            <a:r>
-              <a:rPr lang="en-US" sz="1700" b="1" dirty="0">
+              <a:t>Technologies/Data </a:t>
+            </a:r>
+            <a:r>
+              <a:rPr lang="en-US" sz="2000" b="1" dirty="0">
                 <a:latin typeface="Arial" panose="020B0604020202020204" pitchFamily="34" charset="0"/>
                 <a:cs typeface="Arial" panose="020B0604020202020204" pitchFamily="34" charset="0"/>
               </a:rPr>
-              <a:t>Salary</a:t>
-            </a:r>
-          </a:p>
-          <a:p>
-            <a:pPr marL="0" indent="0" algn="ctr">
-              <a:buNone/>
+              <a:t>Source</a:t>
+            </a:r>
+          </a:p>
+          <a:p>
+            <a:pPr marL="342900" indent="-342900">
+              <a:buFont typeface="Wingdings" panose="05000000000000000000" pitchFamily="2" charset="2"/>
+              <a:buChar char="q"/>
             </a:pPr>
             <a:r>
-              <a:rPr lang="en-US" sz="1700" b="1" dirty="0">
+              <a:rPr lang="en-US" sz="2000" b="1" dirty="0">
                 <a:latin typeface="Arial" panose="020B0604020202020204" pitchFamily="34" charset="0"/>
                 <a:cs typeface="Arial" panose="020B0604020202020204" pitchFamily="34" charset="0"/>
               </a:rPr>
-              <a:t>Sector</a:t>
-            </a:r>
-          </a:p>
-          <a:p>
-            <a:pPr marL="0" indent="0" algn="ctr">
-              <a:buNone/>
+              <a:t>Project Overview</a:t>
+            </a:r>
+          </a:p>
+          <a:p>
+            <a:pPr marL="342900" indent="-342900">
+              <a:buFont typeface="Wingdings" panose="05000000000000000000" pitchFamily="2" charset="2"/>
+              <a:buChar char="q"/>
             </a:pPr>
             <a:r>
-              <a:rPr lang="en-US" dirty="0"/>
-              <a:t> </a:t>
-            </a:r>
-          </a:p>
-        </p:txBody>
-      </p:sp>
-      <p:sp>
-        <p:nvSpPr>
-          <p:cNvPr id="4" name="Slide Number Placeholder 3">
-            <a:extLst>
-              <a:ext uri="{FF2B5EF4-FFF2-40B4-BE49-F238E27FC236}">
-                <a16:creationId xmlns:a16="http://schemas.microsoft.com/office/drawing/2014/main" id="{A4BADA18-8F0E-4249-A144-6CB8259BA65B}"/>
-              </a:ext>
-            </a:extLst>
-          </p:cNvPr>
-          <p:cNvSpPr>
-            <a:spLocks noGrp="1"/>
-          </p:cNvSpPr>
-          <p:nvPr>
-            <p:ph type="sldNum" sz="quarter" idx="4"/>
+              <a:rPr lang="en-US" sz="2000" b="1" dirty="0">
+                <a:latin typeface="Arial" panose="020B0604020202020204" pitchFamily="34" charset="0"/>
+                <a:cs typeface="Arial" panose="020B0604020202020204" pitchFamily="34" charset="0"/>
+              </a:rPr>
+              <a:t>Development Process</a:t>
+            </a:r>
+          </a:p>
+          <a:p>
+            <a:pPr marL="342900" indent="-342900">
+              <a:buFont typeface="Wingdings" panose="05000000000000000000" pitchFamily="2" charset="2"/>
+              <a:buChar char="q"/>
+            </a:pPr>
+            <a:r>
+              <a:rPr lang="en-US" sz="2000" b="1" dirty="0">
+                <a:latin typeface="Arial" panose="020B0604020202020204" pitchFamily="34" charset="0"/>
+                <a:cs typeface="Arial" panose="020B0604020202020204" pitchFamily="34" charset="0"/>
+              </a:rPr>
+              <a:t>Website</a:t>
+            </a:r>
+          </a:p>
+          <a:p>
+            <a:pPr marL="342900" indent="-342900">
+              <a:buFont typeface="Wingdings" panose="05000000000000000000" pitchFamily="2" charset="2"/>
+              <a:buChar char="q"/>
+            </a:pPr>
+            <a:r>
+              <a:rPr lang="en-US" sz="2000" b="1" dirty="0" smtClean="0">
+                <a:latin typeface="Arial" panose="020B0604020202020204" pitchFamily="34" charset="0"/>
+                <a:cs typeface="Arial" panose="020B0604020202020204" pitchFamily="34" charset="0"/>
+              </a:rPr>
+              <a:t>Q&amp;A</a:t>
+            </a:r>
+            <a:endParaRPr lang="en-US" sz="2000" b="1" dirty="0">
+              <a:latin typeface="Arial" panose="020B0604020202020204" pitchFamily="34" charset="0"/>
+              <a:cs typeface="Arial" panose="020B0604020202020204" pitchFamily="34" charset="0"/>
+            </a:endParaRPr>
+          </a:p>
+          <a:p>
+            <a:endParaRPr lang="en-US" dirty="0"/>
+          </a:p>
+        </p:txBody>
+      </p:sp>
+      <p:sp>
+        <p:nvSpPr>
+          <p:cNvPr id="7" name="Slide Number Placeholder 6">
+            <a:extLst>
+              <a:ext uri="{FF2B5EF4-FFF2-40B4-BE49-F238E27FC236}">
+                <a16:creationId xmlns:a16="http://schemas.microsoft.com/office/drawing/2014/main" id="{F29F8048-1E86-48F4-B246-D2F8C54B7EB1}"/>
+              </a:ext>
+            </a:extLst>
+          </p:cNvPr>
+          <p:cNvSpPr>
+            <a:spLocks noGrp="1"/>
+          </p:cNvSpPr>
+          <p:nvPr>
+            <p:ph type="sldNum" sz="quarter" idx="12"/>
           </p:nvPr>
         </p:nvSpPr>
         <p:spPr/>
@@ -8509,6 +9239,7 @@
           <a:p>
             <a:fld id="{8C2E478F-E849-4A8C-AF1F-CBCC78A7CBFA}" type="slidenum">
               <a:rPr lang="en-US" smtClean="0"/>
+              <a:pPr/>
               <a:t>3</a:t>
             </a:fld>
             <a:endParaRPr lang="en-US" dirty="0"/>
@@ -8518,7 +9249,7 @@
     </p:spTree>
     <p:extLst>
       <p:ext uri="{BB962C8B-B14F-4D97-AF65-F5344CB8AC3E}">
-        <p14:creationId xmlns:p14="http://schemas.microsoft.com/office/powerpoint/2010/main" val="1325373587"/>
+        <p14:creationId xmlns:p14="http://schemas.microsoft.com/office/powerpoint/2010/main" val="1649098948"/>
       </p:ext>
     </p:extLst>
   </p:cSld>
@@ -8555,6 +9286,271 @@
           <a:chExt cx="0" cy="0"/>
         </a:xfrm>
       </p:grpSpPr>
+      <p:sp>
+        <p:nvSpPr>
+          <p:cNvPr id="8" name="Title 7">
+            <a:extLst>
+              <a:ext uri="{FF2B5EF4-FFF2-40B4-BE49-F238E27FC236}">
+                <a16:creationId xmlns:a16="http://schemas.microsoft.com/office/drawing/2014/main" id="{103950CF-5BF2-4FB0-A36C-48C194F39E12}"/>
+              </a:ext>
+            </a:extLst>
+          </p:cNvPr>
+          <p:cNvSpPr>
+            <a:spLocks noGrp="1"/>
+          </p:cNvSpPr>
+          <p:nvPr>
+            <p:ph type="title"/>
+          </p:nvPr>
+        </p:nvSpPr>
+        <p:spPr>
+          <a:xfrm>
+            <a:off x="5874025" y="661900"/>
+            <a:ext cx="5897218" cy="884238"/>
+          </a:xfrm>
+        </p:spPr>
+        <p:txBody>
+          <a:bodyPr/>
+          <a:lstStyle/>
+          <a:p>
+            <a:pPr algn="ctr"/>
+            <a:r>
+              <a:rPr lang="en-US" b="1" u="sng" cap="none" dirty="0">
+                <a:latin typeface="Arial" panose="020B0604020202020204" pitchFamily="34" charset="0"/>
+                <a:cs typeface="Arial" panose="020B0604020202020204" pitchFamily="34" charset="0"/>
+              </a:rPr>
+              <a:t>Introduction</a:t>
+            </a:r>
+          </a:p>
+        </p:txBody>
+      </p:sp>
+      <p:pic>
+        <p:nvPicPr>
+          <p:cNvPr id="5" name="Picture Placeholder 4" descr="table with various people working on their laptops">
+            <a:extLst>
+              <a:ext uri="{FF2B5EF4-FFF2-40B4-BE49-F238E27FC236}">
+                <a16:creationId xmlns:a16="http://schemas.microsoft.com/office/drawing/2014/main" id="{A0280051-D7F1-4438-B815-F0FF4906D141}"/>
+              </a:ext>
+            </a:extLst>
+          </p:cNvPr>
+          <p:cNvPicPr>
+            <a:picLocks noGrp="1" noChangeAspect="1"/>
+          </p:cNvPicPr>
+          <p:nvPr>
+            <p:ph type="pic" sz="quarter" idx="14"/>
+          </p:nvPr>
+        </p:nvPicPr>
+        <p:blipFill rotWithShape="1">
+          <a:blip r:embed="rId3" cstate="email">
+            <a:extLst>
+              <a:ext uri="{BEBA8EAE-BF5A-486C-A8C5-ECC9F3942E4B}">
+                <a14:imgProps xmlns:a14="http://schemas.microsoft.com/office/drawing/2010/main">
+                  <a14:imgLayer r:embed="rId4">
+                    <a14:imgEffect>
+                      <a14:saturation sat="0"/>
+                    </a14:imgEffect>
+                  </a14:imgLayer>
+                </a14:imgProps>
+              </a:ext>
+              <a:ext uri="{28A0092B-C50C-407E-A947-70E740481C1C}">
+                <a14:useLocalDpi xmlns:a14="http://schemas.microsoft.com/office/drawing/2010/main"/>
+              </a:ext>
+            </a:extLst>
+          </a:blip>
+          <a:srcRect l="23617" r="23617"/>
+          <a:stretch/>
+        </p:blipFill>
+        <p:spPr>
+          <a:noFill/>
+        </p:spPr>
+      </p:pic>
+      <p:sp>
+        <p:nvSpPr>
+          <p:cNvPr id="10" name="Text Placeholder 9">
+            <a:extLst>
+              <a:ext uri="{FF2B5EF4-FFF2-40B4-BE49-F238E27FC236}">
+                <a16:creationId xmlns:a16="http://schemas.microsoft.com/office/drawing/2014/main" id="{255FA470-23EB-4512-8FFB-28DDAB08B002}"/>
+              </a:ext>
+            </a:extLst>
+          </p:cNvPr>
+          <p:cNvSpPr>
+            <a:spLocks noGrp="1"/>
+          </p:cNvSpPr>
+          <p:nvPr>
+            <p:ph type="body" sz="quarter" idx="16"/>
+          </p:nvPr>
+        </p:nvSpPr>
+        <p:spPr>
+          <a:xfrm>
+            <a:off x="6225539" y="1546138"/>
+            <a:ext cx="5069990" cy="706732"/>
+          </a:xfrm>
+        </p:spPr>
+        <p:txBody>
+          <a:bodyPr/>
+          <a:lstStyle/>
+          <a:p>
+            <a:r>
+              <a:rPr lang="en-US" b="1" dirty="0"/>
+              <a:t>So You Are Looking For A Data Analyst Job?</a:t>
+            </a:r>
+          </a:p>
+        </p:txBody>
+      </p:sp>
+      <p:sp>
+        <p:nvSpPr>
+          <p:cNvPr id="9" name="Content Placeholder 8">
+            <a:extLst>
+              <a:ext uri="{FF2B5EF4-FFF2-40B4-BE49-F238E27FC236}">
+                <a16:creationId xmlns:a16="http://schemas.microsoft.com/office/drawing/2014/main" id="{256319DF-036A-473B-95D3-C5F6FF849FD4}"/>
+              </a:ext>
+            </a:extLst>
+          </p:cNvPr>
+          <p:cNvSpPr>
+            <a:spLocks noGrp="1"/>
+          </p:cNvSpPr>
+          <p:nvPr>
+            <p:ph idx="1"/>
+          </p:nvPr>
+        </p:nvSpPr>
+        <p:spPr>
+          <a:xfrm>
+            <a:off x="6096000" y="2430376"/>
+            <a:ext cx="5897217" cy="2828050"/>
+          </a:xfrm>
+        </p:spPr>
+        <p:txBody>
+          <a:bodyPr>
+            <a:normAutofit fontScale="92500" lnSpcReduction="20000"/>
+          </a:bodyPr>
+          <a:lstStyle/>
+          <a:p>
+            <a:pPr marL="0" indent="0" algn="ctr">
+              <a:buNone/>
+            </a:pPr>
+            <a:r>
+              <a:rPr lang="en-US" sz="1700" b="1" dirty="0">
+                <a:latin typeface="Arial" panose="020B0604020202020204" pitchFamily="34" charset="0"/>
+                <a:cs typeface="Arial" panose="020B0604020202020204" pitchFamily="34" charset="0"/>
+              </a:rPr>
+              <a:t>The pandemic resulted in many people losing and looking for jobs.  The Data Analyst Job Search Website makes it possible to target your job search based on:</a:t>
+            </a:r>
+          </a:p>
+          <a:p>
+            <a:pPr marL="0" indent="0" algn="ctr">
+              <a:buNone/>
+            </a:pPr>
+            <a:r>
+              <a:rPr lang="en-US" sz="1700" b="1" dirty="0">
+                <a:latin typeface="Arial" panose="020B0604020202020204" pitchFamily="34" charset="0"/>
+                <a:cs typeface="Arial" panose="020B0604020202020204" pitchFamily="34" charset="0"/>
+              </a:rPr>
+              <a:t>Location</a:t>
+            </a:r>
+          </a:p>
+          <a:p>
+            <a:pPr marL="0" indent="0" algn="ctr">
+              <a:buNone/>
+            </a:pPr>
+            <a:r>
+              <a:rPr lang="en-US" sz="1700" b="1" dirty="0">
+                <a:latin typeface="Arial" panose="020B0604020202020204" pitchFamily="34" charset="0"/>
+                <a:cs typeface="Arial" panose="020B0604020202020204" pitchFamily="34" charset="0"/>
+              </a:rPr>
+              <a:t>Salary</a:t>
+            </a:r>
+          </a:p>
+          <a:p>
+            <a:pPr marL="0" indent="0" algn="ctr">
+              <a:buNone/>
+            </a:pPr>
+            <a:r>
+              <a:rPr lang="en-US" sz="1700" b="1" dirty="0">
+                <a:latin typeface="Arial" panose="020B0604020202020204" pitchFamily="34" charset="0"/>
+                <a:cs typeface="Arial" panose="020B0604020202020204" pitchFamily="34" charset="0"/>
+              </a:rPr>
+              <a:t>Sector</a:t>
+            </a:r>
+          </a:p>
+          <a:p>
+            <a:pPr marL="0" indent="0" algn="ctr">
+              <a:buNone/>
+            </a:pPr>
+            <a:r>
+              <a:rPr lang="en-US" dirty="0"/>
+              <a:t> </a:t>
+            </a:r>
+          </a:p>
+        </p:txBody>
+      </p:sp>
+      <p:sp>
+        <p:nvSpPr>
+          <p:cNvPr id="4" name="Slide Number Placeholder 3">
+            <a:extLst>
+              <a:ext uri="{FF2B5EF4-FFF2-40B4-BE49-F238E27FC236}">
+                <a16:creationId xmlns:a16="http://schemas.microsoft.com/office/drawing/2014/main" id="{A4BADA18-8F0E-4249-A144-6CB8259BA65B}"/>
+              </a:ext>
+            </a:extLst>
+          </p:cNvPr>
+          <p:cNvSpPr>
+            <a:spLocks noGrp="1"/>
+          </p:cNvSpPr>
+          <p:nvPr>
+            <p:ph type="sldNum" sz="quarter" idx="4"/>
+          </p:nvPr>
+        </p:nvSpPr>
+        <p:spPr/>
+        <p:txBody>
+          <a:bodyPr/>
+          <a:lstStyle/>
+          <a:p>
+            <a:fld id="{8C2E478F-E849-4A8C-AF1F-CBCC78A7CBFA}" type="slidenum">
+              <a:rPr lang="en-US" smtClean="0"/>
+              <a:t>4</a:t>
+            </a:fld>
+            <a:endParaRPr lang="en-US" dirty="0"/>
+          </a:p>
+        </p:txBody>
+      </p:sp>
+    </p:spTree>
+    <p:extLst>
+      <p:ext uri="{BB962C8B-B14F-4D97-AF65-F5344CB8AC3E}">
+        <p14:creationId xmlns:p14="http://schemas.microsoft.com/office/powerpoint/2010/main" val="1325373587"/>
+      </p:ext>
+    </p:extLst>
+  </p:cSld>
+  <p:clrMapOvr>
+    <a:masterClrMapping/>
+  </p:clrMapOvr>
+  <p:transition spd="slow">
+    <p:push dir="u"/>
+  </p:transition>
+  <p:timing>
+    <p:tnLst>
+      <p:par>
+        <p:cTn id="1" dur="indefinite" restart="never" nodeType="tmRoot"/>
+      </p:par>
+    </p:tnLst>
+  </p:timing>
+</p:sld>
+</file>
+
+<file path=ppt/slides/slide5.xml><?xml version="1.0" encoding="utf-8"?>
+<p:sld xmlns:a="http://schemas.openxmlformats.org/drawingml/2006/main" xmlns:r="http://schemas.openxmlformats.org/officeDocument/2006/relationships" xmlns:p="http://schemas.openxmlformats.org/presentationml/2006/main">
+  <p:cSld>
+    <p:spTree>
+      <p:nvGrpSpPr>
+        <p:cNvPr id="1" name=""/>
+        <p:cNvGrpSpPr/>
+        <p:nvPr/>
+      </p:nvGrpSpPr>
+      <p:grpSpPr>
+        <a:xfrm>
+          <a:off x="0" y="0"/>
+          <a:ext cx="0" cy="0"/>
+          <a:chOff x="0" y="0"/>
+          <a:chExt cx="0" cy="0"/>
+        </a:xfrm>
+      </p:grpSpPr>
       <p:pic>
         <p:nvPicPr>
           <p:cNvPr id="6" name="Picture 5">
@@ -8654,7 +9650,7 @@
           <a:p>
             <a:fld id="{8C2E478F-E849-4A8C-AF1F-CBCC78A7CBFA}" type="slidenum">
               <a:rPr lang="en-US" smtClean="0"/>
-              <a:t>4</a:t>
+              <a:t>5</a:t>
             </a:fld>
             <a:endParaRPr lang="en-US" dirty="0"/>
           </a:p>
@@ -8997,355 +9993,6 @@
   <p:transition spd="slow">
     <p:push dir="u"/>
   </p:transition>
-  <p:timing>
-    <p:tnLst>
-      <p:par>
-        <p:cTn id="1" dur="indefinite" restart="never" nodeType="tmRoot"/>
-      </p:par>
-    </p:tnLst>
-  </p:timing>
-</p:sld>
-</file>
-
-<file path=ppt/slides/slide5.xml><?xml version="1.0" encoding="utf-8"?>
-<p:sld xmlns:a="http://schemas.openxmlformats.org/drawingml/2006/main" xmlns:r="http://schemas.openxmlformats.org/officeDocument/2006/relationships" xmlns:p="http://schemas.openxmlformats.org/presentationml/2006/main">
-  <p:cSld>
-    <p:spTree>
-      <p:nvGrpSpPr>
-        <p:cNvPr id="1" name=""/>
-        <p:cNvGrpSpPr/>
-        <p:nvPr/>
-      </p:nvGrpSpPr>
-      <p:grpSpPr>
-        <a:xfrm>
-          <a:off x="0" y="0"/>
-          <a:ext cx="0" cy="0"/>
-          <a:chOff x="0" y="0"/>
-          <a:chExt cx="0" cy="0"/>
-        </a:xfrm>
-      </p:grpSpPr>
-      <p:sp>
-        <p:nvSpPr>
-          <p:cNvPr id="12" name="Title 11">
-            <a:extLst>
-              <a:ext uri="{FF2B5EF4-FFF2-40B4-BE49-F238E27FC236}">
-                <a16:creationId xmlns:a16="http://schemas.microsoft.com/office/drawing/2014/main" id="{50AEA731-C7D0-4A0E-B871-4F369D8BEAC5}"/>
-              </a:ext>
-            </a:extLst>
-          </p:cNvPr>
-          <p:cNvSpPr>
-            <a:spLocks noGrp="1"/>
-          </p:cNvSpPr>
-          <p:nvPr>
-            <p:ph type="title"/>
-          </p:nvPr>
-        </p:nvSpPr>
-        <p:spPr/>
-        <p:txBody>
-          <a:bodyPr/>
-          <a:lstStyle/>
-          <a:p>
-            <a:pPr algn="ctr"/>
-            <a:r>
-              <a:rPr lang="en-US" b="1" u="sng" cap="none" dirty="0">
-                <a:latin typeface="Arial" panose="020B0604020202020204" pitchFamily="34" charset="0"/>
-                <a:cs typeface="Arial" panose="020B0604020202020204" pitchFamily="34" charset="0"/>
-              </a:rPr>
-              <a:t>Meet The Team</a:t>
-            </a:r>
-          </a:p>
-        </p:txBody>
-      </p:sp>
-      <p:pic>
-        <p:nvPicPr>
-          <p:cNvPr id="18" name="Picture Placeholder 17" descr="portrait">
-            <a:extLst>
-              <a:ext uri="{FF2B5EF4-FFF2-40B4-BE49-F238E27FC236}">
-                <a16:creationId xmlns:a16="http://schemas.microsoft.com/office/drawing/2014/main" id="{18BC2A5A-7F05-4444-8281-26D531194187}"/>
-              </a:ext>
-            </a:extLst>
-          </p:cNvPr>
-          <p:cNvPicPr>
-            <a:picLocks noGrp="1" noChangeAspect="1"/>
-          </p:cNvPicPr>
-          <p:nvPr>
-            <p:ph type="pic" sz="quarter" idx="16"/>
-          </p:nvPr>
-        </p:nvPicPr>
-        <p:blipFill rotWithShape="1">
-          <a:blip r:embed="rId3" cstate="email">
-            <a:grayscl/>
-            <a:extLst>
-              <a:ext uri="{28A0092B-C50C-407E-A947-70E740481C1C}">
-                <a14:useLocalDpi xmlns:a14="http://schemas.microsoft.com/office/drawing/2010/main"/>
-              </a:ext>
-            </a:extLst>
-          </a:blip>
-          <a:srcRect t="5389" b="5389"/>
-          <a:stretch/>
-        </p:blipFill>
-        <p:spPr>
-          <a:xfrm>
-            <a:off x="4005808" y="515232"/>
-            <a:ext cx="2997200" cy="1781979"/>
-          </a:xfrm>
-        </p:spPr>
-      </p:pic>
-      <p:pic>
-        <p:nvPicPr>
-          <p:cNvPr id="22" name="Picture Placeholder 21" descr="portrait">
-            <a:extLst>
-              <a:ext uri="{FF2B5EF4-FFF2-40B4-BE49-F238E27FC236}">
-                <a16:creationId xmlns:a16="http://schemas.microsoft.com/office/drawing/2014/main" id="{AF3616EE-41A1-44FC-B25A-038F0C3213D4}"/>
-              </a:ext>
-            </a:extLst>
-          </p:cNvPr>
-          <p:cNvPicPr>
-            <a:picLocks noGrp="1" noChangeAspect="1"/>
-          </p:cNvPicPr>
-          <p:nvPr>
-            <p:ph type="pic" sz="quarter" idx="17"/>
-          </p:nvPr>
-        </p:nvPicPr>
-        <p:blipFill rotWithShape="1">
-          <a:blip r:embed="rId4" cstate="email">
-            <a:extLst>
-              <a:ext uri="{BEBA8EAE-BF5A-486C-A8C5-ECC9F3942E4B}">
-                <a14:imgProps xmlns:a14="http://schemas.microsoft.com/office/drawing/2010/main">
-                  <a14:imgLayer r:embed="rId5">
-                    <a14:imgEffect>
-                      <a14:saturation sat="0"/>
-                    </a14:imgEffect>
-                  </a14:imgLayer>
-                </a14:imgProps>
-              </a:ext>
-              <a:ext uri="{28A0092B-C50C-407E-A947-70E740481C1C}">
-                <a14:useLocalDpi xmlns:a14="http://schemas.microsoft.com/office/drawing/2010/main"/>
-              </a:ext>
-            </a:extLst>
-          </a:blip>
-          <a:srcRect t="5389" b="5389"/>
-          <a:stretch/>
-        </p:blipFill>
-        <p:spPr/>
-      </p:pic>
-      <p:sp>
-        <p:nvSpPr>
-          <p:cNvPr id="13" name="Content Placeholder 12">
-            <a:extLst>
-              <a:ext uri="{FF2B5EF4-FFF2-40B4-BE49-F238E27FC236}">
-                <a16:creationId xmlns:a16="http://schemas.microsoft.com/office/drawing/2014/main" id="{A4E49AC7-7A73-4B51-BDF6-EABA3162F4B7}"/>
-              </a:ext>
-            </a:extLst>
-          </p:cNvPr>
-          <p:cNvSpPr>
-            <a:spLocks noGrp="1"/>
-          </p:cNvSpPr>
-          <p:nvPr>
-            <p:ph idx="1"/>
-          </p:nvPr>
-        </p:nvSpPr>
-        <p:spPr>
-          <a:xfrm>
-            <a:off x="7792279" y="1263841"/>
-            <a:ext cx="4018722" cy="2624578"/>
-          </a:xfrm>
-        </p:spPr>
-        <p:txBody>
-          <a:bodyPr>
-            <a:normAutofit/>
-          </a:bodyPr>
-          <a:lstStyle/>
-          <a:p>
-            <a:pPr marL="0" indent="0" algn="ctr">
-              <a:buNone/>
-            </a:pPr>
-            <a:r>
-              <a:rPr lang="en-US" sz="2000" b="1" spc="300" dirty="0">
-                <a:latin typeface="Arial" panose="020B0604020202020204" pitchFamily="34" charset="0"/>
-                <a:cs typeface="Arial" panose="020B0604020202020204" pitchFamily="34" charset="0"/>
-              </a:rPr>
-              <a:t>MICHELLE DAVIS</a:t>
-            </a:r>
-          </a:p>
-          <a:p>
-            <a:pPr marL="0" indent="0" algn="ctr">
-              <a:buNone/>
-            </a:pPr>
-            <a:r>
-              <a:rPr lang="en-US" sz="2000" b="1" spc="300" dirty="0">
-                <a:latin typeface="Arial" panose="020B0604020202020204" pitchFamily="34" charset="0"/>
-                <a:cs typeface="Arial" panose="020B0604020202020204" pitchFamily="34" charset="0"/>
-              </a:rPr>
-              <a:t>YUQING HUANG</a:t>
-            </a:r>
-          </a:p>
-          <a:p>
-            <a:pPr marL="0" indent="0" algn="ctr">
-              <a:buNone/>
-            </a:pPr>
-            <a:r>
-              <a:rPr lang="en-US" sz="2000" b="1" spc="300" dirty="0">
-                <a:latin typeface="Arial" panose="020B0604020202020204" pitchFamily="34" charset="0"/>
-                <a:cs typeface="Arial" panose="020B0604020202020204" pitchFamily="34" charset="0"/>
-              </a:rPr>
-              <a:t>DAWN</a:t>
-            </a:r>
-            <a:r>
-              <a:rPr lang="en-US" sz="2000" b="1" dirty="0">
-                <a:latin typeface="Arial" panose="020B0604020202020204" pitchFamily="34" charset="0"/>
-                <a:cs typeface="Arial" panose="020B0604020202020204" pitchFamily="34" charset="0"/>
-              </a:rPr>
-              <a:t> WASHINGTON</a:t>
-            </a:r>
-            <a:endParaRPr lang="en-US" sz="2000" b="1" spc="300" dirty="0">
-              <a:latin typeface="Arial" panose="020B0604020202020204" pitchFamily="34" charset="0"/>
-              <a:cs typeface="Arial" panose="020B0604020202020204" pitchFamily="34" charset="0"/>
-            </a:endParaRPr>
-          </a:p>
-          <a:p>
-            <a:pPr marL="0" indent="0" algn="ctr">
-              <a:buNone/>
-            </a:pPr>
-            <a:r>
-              <a:rPr lang="en-US" sz="2000" b="1" spc="300" dirty="0">
-                <a:latin typeface="Arial" panose="020B0604020202020204" pitchFamily="34" charset="0"/>
-                <a:cs typeface="Arial" panose="020B0604020202020204" pitchFamily="34" charset="0"/>
-              </a:rPr>
-              <a:t>CODY GARDNER</a:t>
-            </a:r>
-          </a:p>
-          <a:p>
-            <a:pPr marL="0" indent="0" algn="ctr">
-              <a:lnSpc>
-                <a:spcPct val="100000"/>
-              </a:lnSpc>
-              <a:buNone/>
-            </a:pPr>
-            <a:endParaRPr lang="en-US" sz="2000" dirty="0">
-              <a:latin typeface="Arial" panose="020B0604020202020204" pitchFamily="34" charset="0"/>
-              <a:cs typeface="Arial" panose="020B0604020202020204" pitchFamily="34" charset="0"/>
-            </a:endParaRPr>
-          </a:p>
-          <a:p>
-            <a:pPr marL="0" indent="0">
-              <a:buNone/>
-            </a:pPr>
-            <a:endParaRPr lang="en-US" sz="1500" dirty="0"/>
-          </a:p>
-        </p:txBody>
-      </p:sp>
-      <p:sp>
-        <p:nvSpPr>
-          <p:cNvPr id="6" name="Slide Number Placeholder 5">
-            <a:extLst>
-              <a:ext uri="{FF2B5EF4-FFF2-40B4-BE49-F238E27FC236}">
-                <a16:creationId xmlns:a16="http://schemas.microsoft.com/office/drawing/2014/main" id="{929F2A82-A1C3-4571-9ED3-A0EC079893EC}"/>
-              </a:ext>
-            </a:extLst>
-          </p:cNvPr>
-          <p:cNvSpPr>
-            <a:spLocks noGrp="1"/>
-          </p:cNvSpPr>
-          <p:nvPr>
-            <p:ph type="sldNum" sz="quarter" idx="4"/>
-          </p:nvPr>
-        </p:nvSpPr>
-        <p:spPr/>
-        <p:txBody>
-          <a:bodyPr/>
-          <a:lstStyle/>
-          <a:p>
-            <a:fld id="{8C2E478F-E849-4A8C-AF1F-CBCC78A7CBFA}" type="slidenum">
-              <a:rPr lang="en-US" smtClean="0"/>
-              <a:t>5</a:t>
-            </a:fld>
-            <a:endParaRPr lang="en-US" dirty="0"/>
-          </a:p>
-        </p:txBody>
-      </p:sp>
-      <p:pic>
-        <p:nvPicPr>
-          <p:cNvPr id="5" name="Picture Placeholder 4">
-            <a:extLst>
-              <a:ext uri="{FF2B5EF4-FFF2-40B4-BE49-F238E27FC236}">
-                <a16:creationId xmlns:a16="http://schemas.microsoft.com/office/drawing/2014/main" id="{8721CA53-694C-477A-8858-99E3051F171A}"/>
-              </a:ext>
-            </a:extLst>
-          </p:cNvPr>
-          <p:cNvPicPr>
-            <a:picLocks noGrp="1" noChangeAspect="1"/>
-          </p:cNvPicPr>
-          <p:nvPr>
-            <p:ph type="pic" sz="quarter" idx="14"/>
-          </p:nvPr>
-        </p:nvPicPr>
-        <p:blipFill>
-          <a:blip r:embed="rId6"/>
-          <a:srcRect t="20260" b="20260"/>
-          <a:stretch>
-            <a:fillRect/>
-          </a:stretch>
-        </p:blipFill>
-        <p:spPr>
-          <a:xfrm>
-            <a:off x="822877" y="2422525"/>
-            <a:ext cx="2824641" cy="1604313"/>
-          </a:xfrm>
-        </p:spPr>
-      </p:pic>
-      <p:pic>
-        <p:nvPicPr>
-          <p:cNvPr id="7" name="Picture Placeholder 6">
-            <a:extLst>
-              <a:ext uri="{FF2B5EF4-FFF2-40B4-BE49-F238E27FC236}">
-                <a16:creationId xmlns:a16="http://schemas.microsoft.com/office/drawing/2014/main" id="{7DE2A403-1DBC-4B31-B5C9-722C2BDF1B03}"/>
-              </a:ext>
-            </a:extLst>
-          </p:cNvPr>
-          <p:cNvPicPr>
-            <a:picLocks noGrp="1" noChangeAspect="1"/>
-          </p:cNvPicPr>
-          <p:nvPr>
-            <p:ph type="pic" sz="quarter" idx="15"/>
-          </p:nvPr>
-        </p:nvPicPr>
-        <p:blipFill>
-          <a:blip r:embed="rId7"/>
-          <a:srcRect t="22700" b="22700"/>
-          <a:stretch>
-            <a:fillRect/>
-          </a:stretch>
-        </p:blipFill>
-        <p:spPr>
-          <a:xfrm>
-            <a:off x="885402" y="515232"/>
-            <a:ext cx="2699593" cy="1657813"/>
-          </a:xfrm>
-        </p:spPr>
-      </p:pic>
-    </p:spTree>
-    <p:extLst>
-      <p:ext uri="{BB962C8B-B14F-4D97-AF65-F5344CB8AC3E}">
-        <p14:creationId xmlns:p14="http://schemas.microsoft.com/office/powerpoint/2010/main" val="2720361709"/>
-      </p:ext>
-    </p:extLst>
-  </p:cSld>
-  <p:clrMapOvr>
-    <a:masterClrMapping/>
-  </p:clrMapOvr>
-  <mc:AlternateContent xmlns:mc="http://schemas.openxmlformats.org/markup-compatibility/2006" xmlns:p14="http://schemas.microsoft.com/office/powerpoint/2010/main">
-    <mc:Choice Requires="p14">
-      <p:transition spd="slow" p14:dur="3400">
-        <p14:reveal/>
-      </p:transition>
-    </mc:Choice>
-    <mc:Fallback xmlns="">
-      <p:transition spd="slow">
-        <p:fade/>
-      </p:transition>
-    </mc:Fallback>
-  </mc:AlternateContent>
   <p:timing>
     <p:tnLst>
       <p:par>

--- a/Data Analyst Job Search Website -Project 3 - Presentation.pptx
+++ b/Data Analyst Job Search Website -Project 3 - Presentation.pptx
@@ -5,10 +5,10 @@
     <p:sldMasterId id="2147483648" r:id="rId4"/>
   </p:sldMasterIdLst>
   <p:notesMasterIdLst>
-    <p:notesMasterId r:id="rId18"/>
+    <p:notesMasterId r:id="rId19"/>
   </p:notesMasterIdLst>
   <p:handoutMasterIdLst>
-    <p:handoutMasterId r:id="rId19"/>
+    <p:handoutMasterId r:id="rId20"/>
   </p:handoutMasterIdLst>
   <p:sldIdLst>
     <p:sldId id="2448" r:id="rId5"/>
@@ -19,11 +19,12 @@
     <p:sldId id="2451" r:id="rId10"/>
     <p:sldId id="2432" r:id="rId11"/>
     <p:sldId id="2463" r:id="rId12"/>
-    <p:sldId id="2465" r:id="rId13"/>
-    <p:sldId id="2433" r:id="rId14"/>
-    <p:sldId id="2450" r:id="rId15"/>
-    <p:sldId id="2457" r:id="rId16"/>
-    <p:sldId id="2436" r:id="rId17"/>
+    <p:sldId id="2466" r:id="rId13"/>
+    <p:sldId id="2465" r:id="rId14"/>
+    <p:sldId id="2433" r:id="rId15"/>
+    <p:sldId id="2450" r:id="rId16"/>
+    <p:sldId id="2457" r:id="rId17"/>
+    <p:sldId id="2436" r:id="rId18"/>
   </p:sldIdLst>
   <p:sldSz cx="12192000" cy="6858000"/>
   <p:notesSz cx="6858000" cy="9144000"/>
@@ -1018,7 +1019,7 @@
           <a:p>
             <a:fld id="{966D5B4E-BF3E-3B45-A4BA-D6C3B92870D7}" type="datetimeFigureOut">
               <a:rPr lang="en-US" smtClean="0"/>
-              <a:t>10/7/2021</a:t>
+              <a:t>10/8/2021</a:t>
             </a:fld>
             <a:endParaRPr lang="en-US" dirty="0"/>
           </a:p>
@@ -1195,7 +1196,7 @@
           <a:p>
             <a:fld id="{F5A8621B-8C8E-49BA-8772-41D0FE75A082}" type="datetimeFigureOut">
               <a:rPr lang="en-US" smtClean="0"/>
-              <a:t>10/7/2021</a:t>
+              <a:t>10/8/2021</a:t>
             </a:fld>
             <a:endParaRPr lang="en-US" dirty="0"/>
           </a:p>
@@ -1648,19 +1649,35 @@
           <a:p>
             <a:r>
               <a:rPr lang="en-US" dirty="0" smtClean="0"/>
-              <a:t>After</a:t>
+              <a:t>Once</a:t>
             </a:r>
             <a:r>
               <a:rPr lang="en-US" baseline="0" dirty="0" smtClean="0"/>
-              <a:t> the website was created we deployed it to </a:t>
+              <a:t> we completed the </a:t>
+            </a:r>
+            <a:r>
+              <a:rPr lang="en-US" baseline="0" dirty="0" smtClean="0"/>
+              <a:t>EDA  </a:t>
+            </a:r>
+            <a:r>
+              <a:rPr lang="en-US" baseline="0" dirty="0" smtClean="0"/>
+              <a:t>we gained insights for what we wanted to show on the </a:t>
+            </a:r>
+            <a:r>
+              <a:rPr lang="en-US" baseline="0" dirty="0" smtClean="0"/>
+              <a:t>website. And after ETL we created a website.  </a:t>
+            </a:r>
+            <a:r>
+              <a:rPr lang="en-US" baseline="0" dirty="0" smtClean="0"/>
+              <a:t>Here you can see the html and </a:t>
             </a:r>
             <a:r>
               <a:rPr lang="en-US" baseline="0" dirty="0" err="1" smtClean="0"/>
-              <a:t>git</a:t>
+              <a:t>css</a:t>
             </a:r>
             <a:r>
               <a:rPr lang="en-US" baseline="0" dirty="0" smtClean="0"/>
-              <a:t> hub pages</a:t>
+              <a:t> code.  The insights gained were salary by location, Job titles, Sectors and Industries hiring and salary distribution for example. </a:t>
             </a:r>
             <a:endParaRPr lang="en-US" dirty="0"/>
           </a:p>
@@ -1692,7 +1709,7 @@
     </p:spTree>
     <p:extLst>
       <p:ext uri="{BB962C8B-B14F-4D97-AF65-F5344CB8AC3E}">
-        <p14:creationId xmlns:p14="http://schemas.microsoft.com/office/powerpoint/2010/main" val="151029363"/>
+        <p14:creationId xmlns:p14="http://schemas.microsoft.com/office/powerpoint/2010/main" val="4068037676"/>
       </p:ext>
     </p:extLst>
   </p:cSld>
@@ -1747,8 +1764,20 @@
           <a:lstStyle/>
           <a:p>
             <a:r>
+              <a:rPr lang="en-US" dirty="0" smtClean="0"/>
+              <a:t>After</a:t>
+            </a:r>
+            <a:r>
               <a:rPr lang="en-US" baseline="0" dirty="0" smtClean="0"/>
-              <a:t>We  also have the QR code so you all feel free to scan and go to our page.   We will now go to the webpage.</a:t>
+              <a:t> the website was created we deployed it to </a:t>
+            </a:r>
+            <a:r>
+              <a:rPr lang="en-US" baseline="0" dirty="0" err="1" smtClean="0"/>
+              <a:t>git</a:t>
+            </a:r>
+            <a:r>
+              <a:rPr lang="en-US" baseline="0" dirty="0" smtClean="0"/>
+              <a:t> hub pages</a:t>
             </a:r>
             <a:endParaRPr lang="en-US" dirty="0"/>
           </a:p>
@@ -1780,7 +1809,7 @@
     </p:spTree>
     <p:extLst>
       <p:ext uri="{BB962C8B-B14F-4D97-AF65-F5344CB8AC3E}">
-        <p14:creationId xmlns:p14="http://schemas.microsoft.com/office/powerpoint/2010/main" val="4165074275"/>
+        <p14:creationId xmlns:p14="http://schemas.microsoft.com/office/powerpoint/2010/main" val="151029363"/>
       </p:ext>
     </p:extLst>
   </p:cSld>
@@ -1835,12 +1864,8 @@
           <a:lstStyle/>
           <a:p>
             <a:r>
-              <a:rPr lang="en-US" dirty="0" smtClean="0"/>
-              <a:t>Finally</a:t>
-            </a:r>
-            <a:r>
               <a:rPr lang="en-US" baseline="0" dirty="0" smtClean="0"/>
-              <a:t> , As we have shown from the website there are lots of places for a data analyst to go. </a:t>
+              <a:t>We  also have the QR code so you all feel free to scan and go to our page.   We will now go to the webpage.</a:t>
             </a:r>
             <a:endParaRPr lang="en-US" dirty="0"/>
           </a:p>
@@ -1872,7 +1897,7 @@
     </p:spTree>
     <p:extLst>
       <p:ext uri="{BB962C8B-B14F-4D97-AF65-F5344CB8AC3E}">
-        <p14:creationId xmlns:p14="http://schemas.microsoft.com/office/powerpoint/2010/main" val="3496879765"/>
+        <p14:creationId xmlns:p14="http://schemas.microsoft.com/office/powerpoint/2010/main" val="4165074275"/>
       </p:ext>
     </p:extLst>
   </p:cSld>
@@ -1926,6 +1951,22 @@
           <a:bodyPr/>
           <a:lstStyle/>
           <a:p>
+            <a:r>
+              <a:rPr lang="en-US" dirty="0" smtClean="0"/>
+              <a:t>Finally</a:t>
+            </a:r>
+            <a:r>
+              <a:rPr lang="en-US" baseline="0" dirty="0" smtClean="0"/>
+              <a:t> ,  Industries for data </a:t>
+            </a:r>
+            <a:r>
+              <a:rPr lang="en-US" baseline="0" dirty="0" err="1" smtClean="0"/>
+              <a:t>analystStaffing</a:t>
+            </a:r>
+            <a:r>
+              <a:rPr lang="en-US" baseline="0" dirty="0" smtClean="0"/>
+              <a:t> outsourcing industries, Health care, hospitals, Consulting, Insurance, to name a few. As we have shown from the website there are lots of places for a data analyst to go.</a:t>
+            </a:r>
             <a:endParaRPr lang="en-US" dirty="0"/>
           </a:p>
         </p:txBody>
@@ -1948,6 +1989,90 @@
             <a:fld id="{228B34ED-4CDD-41C9-90F7-D768D5559A6F}" type="slidenum">
               <a:rPr lang="en-US" smtClean="0"/>
               <a:t>13</a:t>
+            </a:fld>
+            <a:endParaRPr lang="en-US" dirty="0"/>
+          </a:p>
+        </p:txBody>
+      </p:sp>
+    </p:spTree>
+    <p:extLst>
+      <p:ext uri="{BB962C8B-B14F-4D97-AF65-F5344CB8AC3E}">
+        <p14:creationId xmlns:p14="http://schemas.microsoft.com/office/powerpoint/2010/main" val="3496879765"/>
+      </p:ext>
+    </p:extLst>
+  </p:cSld>
+  <p:clrMapOvr>
+    <a:masterClrMapping/>
+  </p:clrMapOvr>
+</p:notes>
+</file>
+
+<file path=ppt/notesSlides/notesSlide14.xml><?xml version="1.0" encoding="utf-8"?>
+<p:notes xmlns:a="http://schemas.openxmlformats.org/drawingml/2006/main" xmlns:r="http://schemas.openxmlformats.org/officeDocument/2006/relationships" xmlns:p="http://schemas.openxmlformats.org/presentationml/2006/main">
+  <p:cSld>
+    <p:spTree>
+      <p:nvGrpSpPr>
+        <p:cNvPr id="1" name=""/>
+        <p:cNvGrpSpPr/>
+        <p:nvPr/>
+      </p:nvGrpSpPr>
+      <p:grpSpPr>
+        <a:xfrm>
+          <a:off x="0" y="0"/>
+          <a:ext cx="0" cy="0"/>
+          <a:chOff x="0" y="0"/>
+          <a:chExt cx="0" cy="0"/>
+        </a:xfrm>
+      </p:grpSpPr>
+      <p:sp>
+        <p:nvSpPr>
+          <p:cNvPr id="2" name="Slide Image Placeholder 1"/>
+          <p:cNvSpPr>
+            <a:spLocks noGrp="1" noRot="1" noChangeAspect="1"/>
+          </p:cNvSpPr>
+          <p:nvPr>
+            <p:ph type="sldImg"/>
+          </p:nvPr>
+        </p:nvSpPr>
+        <p:spPr/>
+      </p:sp>
+      <p:sp>
+        <p:nvSpPr>
+          <p:cNvPr id="3" name="Notes Placeholder 2"/>
+          <p:cNvSpPr>
+            <a:spLocks noGrp="1"/>
+          </p:cNvSpPr>
+          <p:nvPr>
+            <p:ph type="body" idx="1"/>
+          </p:nvPr>
+        </p:nvSpPr>
+        <p:spPr/>
+        <p:txBody>
+          <a:bodyPr/>
+          <a:lstStyle/>
+          <a:p>
+            <a:endParaRPr lang="en-US" dirty="0"/>
+          </a:p>
+        </p:txBody>
+      </p:sp>
+      <p:sp>
+        <p:nvSpPr>
+          <p:cNvPr id="4" name="Slide Number Placeholder 3"/>
+          <p:cNvSpPr>
+            <a:spLocks noGrp="1"/>
+          </p:cNvSpPr>
+          <p:nvPr>
+            <p:ph type="sldNum" sz="quarter" idx="10"/>
+          </p:nvPr>
+        </p:nvSpPr>
+        <p:spPr/>
+        <p:txBody>
+          <a:bodyPr/>
+          <a:lstStyle/>
+          <a:p>
+            <a:fld id="{228B34ED-4CDD-41C9-90F7-D768D5559A6F}" type="slidenum">
+              <a:rPr lang="en-US" smtClean="0"/>
+              <a:t>14</a:t>
             </a:fld>
             <a:endParaRPr lang="en-US" dirty="0"/>
           </a:p>
@@ -2598,6 +2723,32 @@
               </a:rPr>
               <a:t>Excel</a:t>
             </a:r>
+          </a:p>
+          <a:p>
+            <a:r>
+              <a:rPr lang="en-US" sz="1200" b="0" i="0" kern="1200" dirty="0" err="1" smtClean="0">
+                <a:solidFill>
+                  <a:schemeClr val="tx1"/>
+                </a:solidFill>
+                <a:effectLst/>
+                <a:latin typeface="+mn-lt"/>
+                <a:ea typeface="+mn-ea"/>
+                <a:cs typeface="+mn-cs"/>
+              </a:rPr>
+              <a:t>Postgres</a:t>
+            </a:r>
+            <a:r>
+              <a:rPr lang="en-US" sz="1200" b="0" i="0" kern="1200" dirty="0" smtClean="0">
+                <a:solidFill>
+                  <a:schemeClr val="tx1"/>
+                </a:solidFill>
+                <a:effectLst/>
+                <a:latin typeface="+mn-lt"/>
+                <a:ea typeface="+mn-ea"/>
+                <a:cs typeface="+mn-cs"/>
+              </a:rPr>
+              <a:t> SQL</a:t>
+            </a:r>
             <a:endParaRPr lang="en-US" dirty="0"/>
           </a:p>
         </p:txBody>
@@ -3232,13 +3383,8 @@
             </a:r>
             <a:r>
               <a:rPr lang="en-US" baseline="0" dirty="0" smtClean="0"/>
-              <a:t> notebook to gain insights into the data before creating website. We were able to gather various insights from the data which we displayed in the webpage</a:t>
-            </a:r>
-            <a:r>
-              <a:rPr lang="en-US" baseline="0" smtClean="0"/>
-              <a:t>. </a:t>
-            </a:r>
-            <a:endParaRPr lang="en-US" baseline="0" dirty="0" smtClean="0"/>
+              <a:t> notebook to gain insights into the data before creating website. We were able to gather various insights from the data which we displayed in the webpage. </a:t>
+            </a:r>
           </a:p>
           <a:p>
             <a:endParaRPr lang="en-US" dirty="0"/>
@@ -3326,20 +3472,22 @@
           <a:lstStyle/>
           <a:p>
             <a:r>
+              <a:rPr lang="en-US" dirty="0" err="1" smtClean="0"/>
+              <a:t>Yuging</a:t>
+            </a:r>
+            <a:endParaRPr lang="en-US" dirty="0" smtClean="0"/>
+          </a:p>
+          <a:p>
+            <a:endParaRPr lang="en-US" dirty="0" smtClean="0"/>
+          </a:p>
+          <a:p>
+            <a:r>
               <a:rPr lang="en-US" dirty="0" smtClean="0"/>
-              <a:t>Once</a:t>
+              <a:t>After</a:t>
             </a:r>
             <a:r>
               <a:rPr lang="en-US" baseline="0" dirty="0" smtClean="0"/>
-              <a:t> we completed the EDA we gained insights for what we wanted to show on the website.  Here you can see the html and </a:t>
-            </a:r>
-            <a:r>
-              <a:rPr lang="en-US" baseline="0" dirty="0" err="1" smtClean="0"/>
-              <a:t>css</a:t>
-            </a:r>
-            <a:r>
-              <a:rPr lang="en-US" baseline="0" dirty="0" smtClean="0"/>
-              <a:t> code.  The insights gained were salary by location, Job titles, Sectors and Industries hiring and salary distribution for example. </a:t>
+              <a:t> exploring the data we transform and loaded into data base.  </a:t>
             </a:r>
             <a:endParaRPr lang="en-US" dirty="0"/>
           </a:p>
@@ -3371,7 +3519,7 @@
     </p:spTree>
     <p:extLst>
       <p:ext uri="{BB962C8B-B14F-4D97-AF65-F5344CB8AC3E}">
-        <p14:creationId xmlns:p14="http://schemas.microsoft.com/office/powerpoint/2010/main" val="4068037676"/>
+        <p14:creationId xmlns:p14="http://schemas.microsoft.com/office/powerpoint/2010/main" val="2278943483"/>
       </p:ext>
     </p:extLst>
   </p:cSld>
@@ -3954,7 +4102,7 @@
                 <a16:creationId xmlns:a16="http://schemas.microsoft.com/office/drawing/2014/main" id="{016A7FA3-8C13-4E5A-88C4-4357C8ACD73E}"/>
               </a:ext>
               <a:ext uri="{C183D7F6-B498-43B3-948B-1728B52AA6E4}">
-                <adec:decorative xmlns:adec="http://schemas.microsoft.com/office/drawing/2017/decorative" xmlns="" val="1"/>
+                <adec:decorative xmlns="" xmlns:adec="http://schemas.microsoft.com/office/drawing/2017/decorative" val="1"/>
               </a:ext>
             </a:extLst>
           </p:cNvPr>
@@ -4684,7 +4832,7 @@
                 <a16:creationId xmlns:a16="http://schemas.microsoft.com/office/drawing/2014/main" id="{1AA8588E-221D-4931-A290-C5C4184435AD}"/>
               </a:ext>
               <a:ext uri="{C183D7F6-B498-43B3-948B-1728B52AA6E4}">
-                <adec:decorative xmlns:adec="http://schemas.microsoft.com/office/drawing/2017/decorative" xmlns="" val="1"/>
+                <adec:decorative xmlns="" xmlns:adec="http://schemas.microsoft.com/office/drawing/2017/decorative" val="1"/>
               </a:ext>
             </a:extLst>
           </p:cNvPr>
@@ -6027,7 +6175,7 @@
                 <a16:creationId xmlns:a16="http://schemas.microsoft.com/office/drawing/2014/main" id="{9DF93AF7-D4DC-42B5-8A4F-B5F3ABBB031F}"/>
               </a:ext>
               <a:ext uri="{C183D7F6-B498-43B3-948B-1728B52AA6E4}">
-                <adec:decorative xmlns:adec="http://schemas.microsoft.com/office/drawing/2017/decorative" xmlns="" val="1"/>
+                <adec:decorative xmlns="" xmlns:adec="http://schemas.microsoft.com/office/drawing/2017/decorative" val="1"/>
               </a:ext>
             </a:extLst>
           </p:cNvPr>
@@ -8017,7 +8165,7 @@
                 <a16:creationId xmlns:a16="http://schemas.microsoft.com/office/drawing/2014/main" id="{797EF4CE-E0F9-4353-9C7D-5294DDF363C6}"/>
               </a:ext>
               <a:ext uri="{C183D7F6-B498-43B3-948B-1728B52AA6E4}">
-                <adec:decorative xmlns:adec="http://schemas.microsoft.com/office/drawing/2017/decorative" xmlns="" val="1"/>
+                <adec:decorative xmlns="" xmlns:adec="http://schemas.microsoft.com/office/drawing/2017/decorative" val="1"/>
               </a:ext>
             </a:extLst>
           </p:cNvPr>
@@ -8099,6 +8247,241 @@
         </p:nvSpPr>
         <p:spPr>
           <a:xfrm>
+            <a:off x="895733" y="247426"/>
+            <a:ext cx="11002962" cy="957003"/>
+          </a:xfrm>
+        </p:spPr>
+        <p:txBody>
+          <a:bodyPr>
+            <a:normAutofit/>
+          </a:bodyPr>
+          <a:lstStyle/>
+          <a:p>
+            <a:r>
+              <a:rPr lang="en-US" sz="3200" b="1" u="sng" cap="none" dirty="0">
+                <a:latin typeface="Arial" panose="020B0604020202020204" pitchFamily="34" charset="0"/>
+                <a:cs typeface="Arial" panose="020B0604020202020204" pitchFamily="34" charset="0"/>
+              </a:rPr>
+              <a:t>Create Webpages</a:t>
+            </a:r>
+          </a:p>
+        </p:txBody>
+      </p:sp>
+      <p:sp>
+        <p:nvSpPr>
+          <p:cNvPr id="2" name="Slide Number Placeholder 1">
+            <a:extLst>
+              <a:ext uri="{FF2B5EF4-FFF2-40B4-BE49-F238E27FC236}">
+                <a16:creationId xmlns:a16="http://schemas.microsoft.com/office/drawing/2014/main" id="{6AC2F439-9B68-4159-977F-8EC563FB1552}"/>
+              </a:ext>
+            </a:extLst>
+          </p:cNvPr>
+          <p:cNvSpPr>
+            <a:spLocks noGrp="1"/>
+          </p:cNvSpPr>
+          <p:nvPr>
+            <p:ph type="sldNum" sz="quarter" idx="11"/>
+          </p:nvPr>
+        </p:nvSpPr>
+        <p:spPr/>
+        <p:txBody>
+          <a:bodyPr/>
+          <a:lstStyle/>
+          <a:p>
+            <a:fld id="{8C2E478F-E849-4A8C-AF1F-CBCC78A7CBFA}" type="slidenum">
+              <a:rPr lang="en-US" smtClean="0"/>
+              <a:t>10</a:t>
+            </a:fld>
+            <a:endParaRPr lang="en-US" dirty="0"/>
+          </a:p>
+        </p:txBody>
+      </p:sp>
+      <p:pic>
+        <p:nvPicPr>
+          <p:cNvPr id="5" name="Picture 4">
+            <a:extLst>
+              <a:ext uri="{FF2B5EF4-FFF2-40B4-BE49-F238E27FC236}">
+                <a16:creationId xmlns:a16="http://schemas.microsoft.com/office/drawing/2014/main" id="{0EBDDF11-06B2-48DA-969F-83675048100F}"/>
+              </a:ext>
+            </a:extLst>
+          </p:cNvPr>
+          <p:cNvPicPr>
+            <a:picLocks noChangeAspect="1"/>
+          </p:cNvPicPr>
+          <p:nvPr/>
+        </p:nvPicPr>
+        <p:blipFill>
+          <a:blip r:embed="rId3"/>
+          <a:stretch>
+            <a:fillRect/>
+          </a:stretch>
+        </p:blipFill>
+        <p:spPr>
+          <a:xfrm>
+            <a:off x="1189109" y="1204429"/>
+            <a:ext cx="10416209" cy="5516525"/>
+          </a:xfrm>
+          <a:prstGeom prst="rect">
+            <a:avLst/>
+          </a:prstGeom>
+          <a:ln w="190500" cap="sq">
+            <a:solidFill>
+              <a:srgbClr val="C8C6BD"/>
+            </a:solidFill>
+            <a:prstDash val="solid"/>
+            <a:miter lim="800000"/>
+          </a:ln>
+          <a:effectLst>
+            <a:outerShdw blurRad="254000" algn="bl" rotWithShape="0">
+              <a:srgbClr val="000000">
+                <a:alpha val="43000"/>
+              </a:srgbClr>
+            </a:outerShdw>
+          </a:effectLst>
+          <a:scene3d>
+            <a:camera prst="perspectiveFront" fov="5400000"/>
+            <a:lightRig rig="threePt" dir="t">
+              <a:rot lat="0" lon="0" rev="2100000"/>
+            </a:lightRig>
+          </a:scene3d>
+          <a:sp3d extrusionH="25400">
+            <a:bevelT w="304800" h="152400" prst="hardEdge"/>
+            <a:extrusionClr>
+              <a:srgbClr val="000000"/>
+            </a:extrusionClr>
+          </a:sp3d>
+        </p:spPr>
+      </p:pic>
+    </p:spTree>
+    <p:extLst>
+      <p:ext uri="{BB962C8B-B14F-4D97-AF65-F5344CB8AC3E}">
+        <p14:creationId xmlns:p14="http://schemas.microsoft.com/office/powerpoint/2010/main" val="2910328223"/>
+      </p:ext>
+    </p:extLst>
+  </p:cSld>
+  <p:clrMapOvr>
+    <a:masterClrMapping/>
+  </p:clrMapOvr>
+  <p:transition spd="slow">
+    <p:push dir="u"/>
+  </p:transition>
+  <p:timing>
+    <p:tnLst>
+      <p:par>
+        <p:cTn id="1" dur="indefinite" restart="never" nodeType="tmRoot"/>
+      </p:par>
+    </p:tnLst>
+  </p:timing>
+</p:sld>
+</file>
+
+<file path=ppt/slides/slide11.xml><?xml version="1.0" encoding="utf-8"?>
+<p:sld xmlns:a="http://schemas.openxmlformats.org/drawingml/2006/main" xmlns:r="http://schemas.openxmlformats.org/officeDocument/2006/relationships" xmlns:p="http://schemas.openxmlformats.org/presentationml/2006/main">
+  <p:cSld>
+    <p:spTree>
+      <p:nvGrpSpPr>
+        <p:cNvPr id="1" name=""/>
+        <p:cNvGrpSpPr/>
+        <p:nvPr/>
+      </p:nvGrpSpPr>
+      <p:grpSpPr>
+        <a:xfrm>
+          <a:off x="0" y="0"/>
+          <a:ext cx="0" cy="0"/>
+          <a:chOff x="0" y="0"/>
+          <a:chExt cx="0" cy="0"/>
+        </a:xfrm>
+      </p:grpSpPr>
+      <p:sp>
+        <p:nvSpPr>
+          <p:cNvPr id="4" name="Rectangle 3">
+            <a:extLst>
+              <a:ext uri="{FF2B5EF4-FFF2-40B4-BE49-F238E27FC236}">
+                <a16:creationId xmlns:a16="http://schemas.microsoft.com/office/drawing/2014/main" id="{797EF4CE-E0F9-4353-9C7D-5294DDF363C6}"/>
+              </a:ext>
+              <a:ext uri="{C183D7F6-B498-43B3-948B-1728B52AA6E4}">
+                <adec:decorative xmlns="" xmlns:adec="http://schemas.microsoft.com/office/drawing/2017/decorative" val="1"/>
+              </a:ext>
+            </a:extLst>
+          </p:cNvPr>
+          <p:cNvSpPr/>
+          <p:nvPr/>
+        </p:nvSpPr>
+        <p:spPr>
+          <a:xfrm rot="5400000">
+            <a:off x="-3050718" y="3050718"/>
+            <a:ext cx="6858002" cy="756568"/>
+          </a:xfrm>
+          <a:prstGeom prst="rect">
+            <a:avLst/>
+          </a:prstGeom>
+          <a:gradFill flip="none" rotWithShape="1">
+            <a:gsLst>
+              <a:gs pos="0">
+                <a:schemeClr val="accent5"/>
+              </a:gs>
+              <a:gs pos="100000">
+                <a:schemeClr val="accent2">
+                  <a:lumMod val="97000"/>
+                  <a:lumOff val="3000"/>
+                </a:schemeClr>
+              </a:gs>
+              <a:gs pos="50000">
+                <a:schemeClr val="accent1"/>
+              </a:gs>
+            </a:gsLst>
+            <a:path path="circle">
+              <a:fillToRect l="100000" t="100000"/>
+            </a:path>
+            <a:tileRect r="-100000" b="-100000"/>
+          </a:gradFill>
+          <a:ln>
+            <a:noFill/>
+          </a:ln>
+        </p:spPr>
+        <p:style>
+          <a:lnRef idx="2">
+            <a:schemeClr val="accent1">
+              <a:shade val="50000"/>
+            </a:schemeClr>
+          </a:lnRef>
+          <a:fillRef idx="1">
+            <a:schemeClr val="accent1"/>
+          </a:fillRef>
+          <a:effectRef idx="0">
+            <a:schemeClr val="accent1"/>
+          </a:effectRef>
+          <a:fontRef idx="minor">
+            <a:schemeClr val="lt1"/>
+          </a:fontRef>
+        </p:style>
+        <p:txBody>
+          <a:bodyPr rtlCol="0" anchor="ctr"/>
+          <a:lstStyle/>
+          <a:p>
+            <a:pPr algn="ctr"/>
+            <a:endParaRPr lang="en-US" dirty="0"/>
+          </a:p>
+        </p:txBody>
+      </p:sp>
+      <p:sp>
+        <p:nvSpPr>
+          <p:cNvPr id="12" name="Title 3">
+            <a:extLst>
+              <a:ext uri="{FF2B5EF4-FFF2-40B4-BE49-F238E27FC236}">
+                <a16:creationId xmlns:a16="http://schemas.microsoft.com/office/drawing/2014/main" id="{FAAB2787-6A77-4A87-993D-DDAF924185B5}"/>
+              </a:ext>
+            </a:extLst>
+          </p:cNvPr>
+          <p:cNvSpPr>
+            <a:spLocks noGrp="1"/>
+          </p:cNvSpPr>
+          <p:nvPr>
+            <p:ph type="title"/>
+          </p:nvPr>
+        </p:nvSpPr>
+        <p:spPr>
+          <a:xfrm>
             <a:off x="914399" y="150608"/>
             <a:ext cx="10683081" cy="1054248"/>
           </a:xfrm>
@@ -8142,7 +8525,7 @@
           <a:p>
             <a:fld id="{8C2E478F-E849-4A8C-AF1F-CBCC78A7CBFA}" type="slidenum">
               <a:rPr lang="en-US" smtClean="0"/>
-              <a:t>10</a:t>
+              <a:t>11</a:t>
             </a:fld>
             <a:endParaRPr lang="en-US" dirty="0"/>
           </a:p>
@@ -8227,7 +8610,7 @@
 </p:sld>
 </file>
 
-<file path=ppt/slides/slide11.xml><?xml version="1.0" encoding="utf-8"?>
+<file path=ppt/slides/slide12.xml><?xml version="1.0" encoding="utf-8"?>
 <p:sld xmlns:a="http://schemas.openxmlformats.org/drawingml/2006/main" xmlns:r="http://schemas.openxmlformats.org/officeDocument/2006/relationships" xmlns:p="http://schemas.openxmlformats.org/presentationml/2006/main">
   <p:cSld>
     <p:bg>
@@ -8423,7 +8806,7 @@
 </p:sld>
 </file>
 
-<file path=ppt/slides/slide12.xml><?xml version="1.0" encoding="utf-8"?>
+<file path=ppt/slides/slide13.xml><?xml version="1.0" encoding="utf-8"?>
 <p:sld xmlns:a="http://schemas.openxmlformats.org/drawingml/2006/main" xmlns:r="http://schemas.openxmlformats.org/officeDocument/2006/relationships" xmlns:p="http://schemas.openxmlformats.org/presentationml/2006/main">
   <p:cSld>
     <p:spTree>
@@ -8501,7 +8884,7 @@
           <a:p>
             <a:fld id="{8C2E478F-E849-4A8C-AF1F-CBCC78A7CBFA}" type="slidenum">
               <a:rPr lang="en-US" smtClean="0"/>
-              <a:t>12</a:t>
+              <a:t>13</a:t>
             </a:fld>
             <a:endParaRPr lang="en-US" dirty="0"/>
           </a:p>
@@ -8560,7 +8943,7 @@
 </p:sld>
 </file>
 
-<file path=ppt/slides/slide13.xml><?xml version="1.0" encoding="utf-8"?>
+<file path=ppt/slides/slide14.xml><?xml version="1.0" encoding="utf-8"?>
 <p:sld xmlns:a="http://schemas.openxmlformats.org/drawingml/2006/main" xmlns:r="http://schemas.openxmlformats.org/officeDocument/2006/relationships" xmlns:p="http://schemas.openxmlformats.org/presentationml/2006/main">
   <p:cSld>
     <p:bg>
@@ -9664,7 +10047,7 @@
                 <a16:creationId xmlns:a16="http://schemas.microsoft.com/office/drawing/2014/main" id="{EF2F1FA3-8083-46EF-9D26-0FC47D0E7CA2}"/>
               </a:ext>
               <a:ext uri="{C183D7F6-B498-43B3-948B-1728B52AA6E4}">
-                <adec:decorative xmlns:adec="http://schemas.microsoft.com/office/drawing/2017/decorative" xmlns="" val="1"/>
+                <adec:decorative xmlns="" xmlns:adec="http://schemas.microsoft.com/office/drawing/2017/decorative" val="1"/>
               </a:ext>
             </a:extLst>
           </p:cNvPr>
@@ -9980,6 +10363,54 @@
           </a:p>
         </p:txBody>
       </p:sp>
+      <p:pic>
+        <p:nvPicPr>
+          <p:cNvPr id="9" name="Picture 8"/>
+          <p:cNvPicPr>
+            <a:picLocks noChangeAspect="1"/>
+          </p:cNvPicPr>
+          <p:nvPr/>
+        </p:nvPicPr>
+        <p:blipFill>
+          <a:blip r:embed="rId8"/>
+          <a:stretch>
+            <a:fillRect/>
+          </a:stretch>
+        </p:blipFill>
+        <p:spPr>
+          <a:xfrm>
+            <a:off x="8802050" y="2904349"/>
+            <a:ext cx="2383743" cy="853514"/>
+          </a:xfrm>
+          <a:prstGeom prst="rect">
+            <a:avLst/>
+          </a:prstGeom>
+        </p:spPr>
+      </p:pic>
+      <p:pic>
+        <p:nvPicPr>
+          <p:cNvPr id="12" name="Picture 11"/>
+          <p:cNvPicPr>
+            <a:picLocks noChangeAspect="1"/>
+          </p:cNvPicPr>
+          <p:nvPr/>
+        </p:nvPicPr>
+        <p:blipFill>
+          <a:blip r:embed="rId9"/>
+          <a:stretch>
+            <a:fillRect/>
+          </a:stretch>
+        </p:blipFill>
+        <p:spPr>
+          <a:xfrm>
+            <a:off x="9544125" y="1457656"/>
+            <a:ext cx="932769" cy="865707"/>
+          </a:xfrm>
+          <a:prstGeom prst="rect">
+            <a:avLst/>
+          </a:prstGeom>
+        </p:spPr>
+      </p:pic>
     </p:spTree>
     <p:extLst>
       <p:ext uri="{BB962C8B-B14F-4D97-AF65-F5344CB8AC3E}">
@@ -10348,7 +10779,7 @@
                 <a16:creationId xmlns:a16="http://schemas.microsoft.com/office/drawing/2014/main" id="{EF2F1FA3-8083-46EF-9D26-0FC47D0E7CA2}"/>
               </a:ext>
               <a:ext uri="{C183D7F6-B498-43B3-948B-1728B52AA6E4}">
-                <adec:decorative xmlns:adec="http://schemas.microsoft.com/office/drawing/2017/decorative" xmlns="" val="1"/>
+                <adec:decorative xmlns="" xmlns:adec="http://schemas.microsoft.com/office/drawing/2017/decorative" val="1"/>
               </a:ext>
             </a:extLst>
           </p:cNvPr>
@@ -10516,7 +10947,7 @@
                 <a16:creationId xmlns:a16="http://schemas.microsoft.com/office/drawing/2014/main" id="{797EF4CE-E0F9-4353-9C7D-5294DDF363C6}"/>
               </a:ext>
               <a:ext uri="{C183D7F6-B498-43B3-948B-1728B52AA6E4}">
-                <adec:decorative xmlns:adec="http://schemas.microsoft.com/office/drawing/2017/decorative" xmlns="" val="1"/>
+                <adec:decorative xmlns="" xmlns:adec="http://schemas.microsoft.com/office/drawing/2017/decorative" val="1"/>
               </a:ext>
             </a:extLst>
           </p:cNvPr>
@@ -10751,7 +11182,7 @@
                 <a16:creationId xmlns:a16="http://schemas.microsoft.com/office/drawing/2014/main" id="{797EF4CE-E0F9-4353-9C7D-5294DDF363C6}"/>
               </a:ext>
               <a:ext uri="{C183D7F6-B498-43B3-948B-1728B52AA6E4}">
-                <adec:decorative xmlns:adec="http://schemas.microsoft.com/office/drawing/2017/decorative" xmlns="" val="1"/>
+                <adec:decorative xmlns="" xmlns:adec="http://schemas.microsoft.com/office/drawing/2017/decorative" val="1"/>
               </a:ext>
             </a:extLst>
           </p:cNvPr>
@@ -10848,8 +11279,19 @@
                 <a:latin typeface="Arial" panose="020B0604020202020204" pitchFamily="34" charset="0"/>
                 <a:cs typeface="Arial" panose="020B0604020202020204" pitchFamily="34" charset="0"/>
               </a:rPr>
-              <a:t>Create Webpages</a:t>
-            </a:r>
+              <a:t>Create </a:t>
+            </a:r>
+            <a:r>
+              <a:rPr lang="en-US" sz="3200" b="1" u="sng" cap="none" dirty="0" smtClean="0">
+                <a:latin typeface="Arial" panose="020B0604020202020204" pitchFamily="34" charset="0"/>
+                <a:cs typeface="Arial" panose="020B0604020202020204" pitchFamily="34" charset="0"/>
+              </a:rPr>
+              <a:t>Database</a:t>
+            </a:r>
+            <a:endParaRPr lang="en-US" sz="3200" b="1" u="sng" cap="none" dirty="0">
+              <a:latin typeface="Arial" panose="020B0604020202020204" pitchFamily="34" charset="0"/>
+              <a:cs typeface="Arial" panose="020B0604020202020204" pitchFamily="34" charset="0"/>
+            </a:endParaRPr>
           </a:p>
         </p:txBody>
       </p:sp>
@@ -10884,13 +11326,7 @@
       </p:sp>
       <p:pic>
         <p:nvPicPr>
-          <p:cNvPr id="5" name="Picture 4">
-            <a:extLst>
-              <a:ext uri="{FF2B5EF4-FFF2-40B4-BE49-F238E27FC236}">
-                <a16:creationId xmlns:a16="http://schemas.microsoft.com/office/drawing/2014/main" id="{0EBDDF11-06B2-48DA-969F-83675048100F}"/>
-              </a:ext>
-            </a:extLst>
-          </p:cNvPr>
+          <p:cNvPr id="3" name="Picture 2"/>
           <p:cNvPicPr>
             <a:picLocks noChangeAspect="1"/>
           </p:cNvPicPr>
@@ -10904,44 +11340,114 @@
         </p:blipFill>
         <p:spPr>
           <a:xfrm>
-            <a:off x="1189109" y="1204429"/>
-            <a:ext cx="10416209" cy="5516525"/>
+            <a:off x="756568" y="725927"/>
+            <a:ext cx="2772162" cy="3372321"/>
           </a:xfrm>
           <a:prstGeom prst="rect">
             <a:avLst/>
           </a:prstGeom>
-          <a:ln w="190500" cap="sq">
-            <a:solidFill>
-              <a:srgbClr val="C8C6BD"/>
-            </a:solidFill>
-            <a:prstDash val="solid"/>
-            <a:miter lim="800000"/>
-          </a:ln>
-          <a:effectLst>
-            <a:outerShdw blurRad="254000" algn="bl" rotWithShape="0">
-              <a:srgbClr val="000000">
-                <a:alpha val="43000"/>
-              </a:srgbClr>
-            </a:outerShdw>
-          </a:effectLst>
-          <a:scene3d>
-            <a:camera prst="perspectiveFront" fov="5400000"/>
-            <a:lightRig rig="threePt" dir="t">
-              <a:rot lat="0" lon="0" rev="2100000"/>
-            </a:lightRig>
-          </a:scene3d>
-          <a:sp3d extrusionH="25400">
-            <a:bevelT w="304800" h="152400" prst="hardEdge"/>
-            <a:extrusionClr>
-              <a:srgbClr val="000000"/>
-            </a:extrusionClr>
-          </a:sp3d>
+        </p:spPr>
+      </p:pic>
+      <p:pic>
+        <p:nvPicPr>
+          <p:cNvPr id="6" name="Picture 5"/>
+          <p:cNvPicPr>
+            <a:picLocks noChangeAspect="1"/>
+          </p:cNvPicPr>
+          <p:nvPr/>
+        </p:nvPicPr>
+        <p:blipFill>
+          <a:blip r:embed="rId4"/>
+          <a:stretch>
+            <a:fillRect/>
+          </a:stretch>
+        </p:blipFill>
+        <p:spPr>
+          <a:xfrm>
+            <a:off x="895733" y="4098248"/>
+            <a:ext cx="5915455" cy="1988927"/>
+          </a:xfrm>
+          <a:prstGeom prst="rect">
+            <a:avLst/>
+          </a:prstGeom>
+        </p:spPr>
+      </p:pic>
+      <p:pic>
+        <p:nvPicPr>
+          <p:cNvPr id="7" name="Picture 6"/>
+          <p:cNvPicPr>
+            <a:picLocks noChangeAspect="1"/>
+          </p:cNvPicPr>
+          <p:nvPr/>
+        </p:nvPicPr>
+        <p:blipFill>
+          <a:blip r:embed="rId5"/>
+          <a:stretch>
+            <a:fillRect/>
+          </a:stretch>
+        </p:blipFill>
+        <p:spPr>
+          <a:xfrm>
+            <a:off x="6795631" y="1562071"/>
+            <a:ext cx="4753638" cy="4553585"/>
+          </a:xfrm>
+          <a:prstGeom prst="rect">
+            <a:avLst/>
+          </a:prstGeom>
+        </p:spPr>
+      </p:pic>
+      <p:pic>
+        <p:nvPicPr>
+          <p:cNvPr id="8" name="Picture 7"/>
+          <p:cNvPicPr>
+            <a:picLocks noChangeAspect="1"/>
+          </p:cNvPicPr>
+          <p:nvPr/>
+        </p:nvPicPr>
+        <p:blipFill>
+          <a:blip r:embed="rId6"/>
+          <a:stretch>
+            <a:fillRect/>
+          </a:stretch>
+        </p:blipFill>
+        <p:spPr>
+          <a:xfrm>
+            <a:off x="4023469" y="1976646"/>
+            <a:ext cx="2383743" cy="853514"/>
+          </a:xfrm>
+          <a:prstGeom prst="rect">
+            <a:avLst/>
+          </a:prstGeom>
+        </p:spPr>
+      </p:pic>
+      <p:pic>
+        <p:nvPicPr>
+          <p:cNvPr id="9" name="Picture 8"/>
+          <p:cNvPicPr>
+            <a:picLocks noChangeAspect="1"/>
+          </p:cNvPicPr>
+          <p:nvPr/>
+        </p:nvPicPr>
+        <p:blipFill>
+          <a:blip r:embed="rId7"/>
+          <a:stretch>
+            <a:fillRect/>
+          </a:stretch>
+        </p:blipFill>
+        <p:spPr>
+          <a:xfrm>
+            <a:off x="4753765" y="2970658"/>
+            <a:ext cx="932769" cy="865707"/>
+          </a:xfrm>
+          <a:prstGeom prst="rect">
+            <a:avLst/>
+          </a:prstGeom>
         </p:spPr>
       </p:pic>
     </p:spTree>
     <p:extLst>
       <p:ext uri="{BB962C8B-B14F-4D97-AF65-F5344CB8AC3E}">
-        <p14:creationId xmlns:p14="http://schemas.microsoft.com/office/powerpoint/2010/main" val="2910328223"/>
+        <p14:creationId xmlns:p14="http://schemas.microsoft.com/office/powerpoint/2010/main" val="3668528351"/>
       </p:ext>
     </p:extLst>
   </p:cSld>
@@ -11847,12 +12353,12 @@
 </file>
 
 <file path=customXml/item1.xml><?xml version="1.0" encoding="utf-8"?>
-<p:properties xmlns:p="http://schemas.microsoft.com/office/2006/metadata/properties" xmlns:xsi="http://www.w3.org/2001/XMLSchema-instance" xmlns:pc="http://schemas.microsoft.com/office/infopath/2007/PartnerControls">
-  <documentManagement>
-    <Status xmlns="71af3243-3dd4-4a8d-8c0d-dd76da1f02a5">Not started</Status>
-    <MediaServiceKeyPoints xmlns="71af3243-3dd4-4a8d-8c0d-dd76da1f02a5" xsi:nil="true"/>
-  </documentManagement>
-</p:properties>
+<?mso-contentType ?>
+<FormTemplates xmlns="http://schemas.microsoft.com/sharepoint/v3/contenttype/forms">
+  <Display>DocumentLibraryForm</Display>
+  <Edit>DocumentLibraryForm</Edit>
+  <New>DocumentLibraryForm</New>
+</FormTemplates>
 </file>
 
 <file path=customXml/item2.xml><?xml version="1.0" encoding="utf-8"?>
@@ -12077,20 +12583,18 @@
 </file>
 
 <file path=customXml/item3.xml><?xml version="1.0" encoding="utf-8"?>
-<?mso-contentType ?>
-<FormTemplates xmlns="http://schemas.microsoft.com/sharepoint/v3/contenttype/forms">
-  <Display>DocumentLibraryForm</Display>
-  <Edit>DocumentLibraryForm</Edit>
-  <New>DocumentLibraryForm</New>
-</FormTemplates>
+<p:properties xmlns:p="http://schemas.microsoft.com/office/2006/metadata/properties" xmlns:xsi="http://www.w3.org/2001/XMLSchema-instance" xmlns:pc="http://schemas.microsoft.com/office/infopath/2007/PartnerControls">
+  <documentManagement>
+    <Status xmlns="71af3243-3dd4-4a8d-8c0d-dd76da1f02a5">Not started</Status>
+    <MediaServiceKeyPoints xmlns="71af3243-3dd4-4a8d-8c0d-dd76da1f02a5" xsi:nil="true"/>
+  </documentManagement>
+</p:properties>
 </file>
 
 <file path=customXml/itemProps1.xml><?xml version="1.0" encoding="utf-8"?>
-<ds:datastoreItem xmlns:ds="http://schemas.openxmlformats.org/officeDocument/2006/customXml" ds:itemID="{E3D9F223-918A-45AF-9B53-56AB9E5E2182}">
+<ds:datastoreItem xmlns:ds="http://schemas.openxmlformats.org/officeDocument/2006/customXml" ds:itemID="{1B7E2D32-4FDD-4266-880C-17595B801432}">
   <ds:schemaRefs>
-    <ds:schemaRef ds:uri="http://schemas.microsoft.com/office/2006/metadata/properties"/>
-    <ds:schemaRef ds:uri="http://schemas.microsoft.com/office/infopath/2007/PartnerControls"/>
-    <ds:schemaRef ds:uri="71af3243-3dd4-4a8d-8c0d-dd76da1f02a5"/>
+    <ds:schemaRef ds:uri="http://schemas.microsoft.com/sharepoint/v3/contenttype/forms"/>
   </ds:schemaRefs>
 </ds:datastoreItem>
 </file>
@@ -12115,9 +12619,11 @@
 </file>
 
 <file path=customXml/itemProps3.xml><?xml version="1.0" encoding="utf-8"?>
-<ds:datastoreItem xmlns:ds="http://schemas.openxmlformats.org/officeDocument/2006/customXml" ds:itemID="{1B7E2D32-4FDD-4266-880C-17595B801432}">
+<ds:datastoreItem xmlns:ds="http://schemas.openxmlformats.org/officeDocument/2006/customXml" ds:itemID="{E3D9F223-918A-45AF-9B53-56AB9E5E2182}">
   <ds:schemaRefs>
-    <ds:schemaRef ds:uri="http://schemas.microsoft.com/sharepoint/v3/contenttype/forms"/>
+    <ds:schemaRef ds:uri="http://schemas.microsoft.com/office/2006/metadata/properties"/>
+    <ds:schemaRef ds:uri="http://schemas.microsoft.com/office/infopath/2007/PartnerControls"/>
+    <ds:schemaRef ds:uri="71af3243-3dd4-4a8d-8c0d-dd76da1f02a5"/>
   </ds:schemaRefs>
 </ds:datastoreItem>
 </file>